--- a/Project Concepts/PROJ216 Slides Day4 revised.pptx
+++ b/Project Concepts/PROJ216 Slides Day4 revised.pptx
@@ -326,7 +326,7 @@
               <a:pPr>
                 <a:defRPr/>
               </a:pPr>
-              <a:t>2/12/2019</a:t>
+              <a:t>2/13/2019</a:t>
             </a:fld>
             <a:endParaRPr lang="en-US"/>
           </a:p>
@@ -663,7 +663,7 @@
               <a:pPr>
                 <a:defRPr/>
               </a:pPr>
-              <a:t>2/12/2019</a:t>
+              <a:t>2/13/2019</a:t>
             </a:fld>
             <a:endParaRPr lang="en-US"/>
           </a:p>
@@ -979,7 +979,7 @@
                 <a:latin typeface="Times New Roman" charset="0"/>
               </a:rPr>
               <a:pPr/>
-              <a:t>2/12/2019</a:t>
+              <a:t>2/13/2019</a:t>
             </a:fld>
             <a:endParaRPr lang="en-US" smtClean="0">
               <a:latin typeface="Times New Roman" charset="0"/>
@@ -1101,7 +1101,7 @@
               <a:pPr>
                 <a:defRPr/>
               </a:pPr>
-              <a:t>2/12/2019</a:t>
+              <a:t>2/13/2019</a:t>
             </a:fld>
             <a:endParaRPr lang="en-US"/>
           </a:p>
@@ -1944,7 +1944,7 @@
             <a:fld id="{B61BEF0D-F0BB-DE4B-95CE-6DB70DBA9567}" type="datetimeFigureOut">
               <a:rPr lang="en-US" smtClean="0"/>
               <a:pPr/>
-              <a:t>2/12/2019</a:t>
+              <a:t>2/13/2019</a:t>
             </a:fld>
             <a:endParaRPr lang="en-US" dirty="0"/>
           </a:p>
@@ -2197,7 +2197,7 @@
             <a:fld id="{B61BEF0D-F0BB-DE4B-95CE-6DB70DBA9567}" type="datetimeFigureOut">
               <a:rPr lang="en-US" smtClean="0"/>
               <a:pPr/>
-              <a:t>2/12/2019</a:t>
+              <a:t>2/13/2019</a:t>
             </a:fld>
             <a:endParaRPr lang="en-US" dirty="0"/>
           </a:p>
@@ -2513,7 +2513,7 @@
             <a:fld id="{B61BEF0D-F0BB-DE4B-95CE-6DB70DBA9567}" type="datetimeFigureOut">
               <a:rPr lang="en-US" smtClean="0"/>
               <a:pPr/>
-              <a:t>2/12/2019</a:t>
+              <a:t>2/13/2019</a:t>
             </a:fld>
             <a:endParaRPr lang="en-US" dirty="0"/>
           </a:p>
@@ -2848,7 +2848,7 @@
             <a:fld id="{B61BEF0D-F0BB-DE4B-95CE-6DB70DBA9567}" type="datetimeFigureOut">
               <a:rPr lang="en-US" smtClean="0"/>
               <a:pPr/>
-              <a:t>2/12/2019</a:t>
+              <a:t>2/13/2019</a:t>
             </a:fld>
             <a:endParaRPr lang="en-US" dirty="0"/>
           </a:p>
@@ -3164,7 +3164,7 @@
             <a:fld id="{B61BEF0D-F0BB-DE4B-95CE-6DB70DBA9567}" type="datetimeFigureOut">
               <a:rPr lang="en-US" smtClean="0"/>
               <a:pPr/>
-              <a:t>2/12/2019</a:t>
+              <a:t>2/13/2019</a:t>
             </a:fld>
             <a:endParaRPr lang="en-US" dirty="0"/>
           </a:p>
@@ -3559,7 +3559,7 @@
             <a:fld id="{B61BEF0D-F0BB-DE4B-95CE-6DB70DBA9567}" type="datetimeFigureOut">
               <a:rPr lang="en-US" smtClean="0"/>
               <a:pPr/>
-              <a:t>2/12/2019</a:t>
+              <a:t>2/13/2019</a:t>
             </a:fld>
             <a:endParaRPr lang="en-US" dirty="0"/>
           </a:p>
@@ -3731,7 +3731,7 @@
             <a:fld id="{B61BEF0D-F0BB-DE4B-95CE-6DB70DBA9567}" type="datetimeFigureOut">
               <a:rPr lang="en-US" smtClean="0"/>
               <a:pPr/>
-              <a:t>2/12/2019</a:t>
+              <a:t>2/13/2019</a:t>
             </a:fld>
             <a:endParaRPr lang="en-US" dirty="0"/>
           </a:p>
@@ -3913,7 +3913,7 @@
             <a:fld id="{B61BEF0D-F0BB-DE4B-95CE-6DB70DBA9567}" type="datetimeFigureOut">
               <a:rPr lang="en-US" smtClean="0"/>
               <a:pPr/>
-              <a:t>2/12/2019</a:t>
+              <a:t>2/13/2019</a:t>
             </a:fld>
             <a:endParaRPr lang="en-US" dirty="0"/>
           </a:p>
@@ -4686,7 +4686,7 @@
           <a:p>
             <a:fld id="{05BFA754-D5C3-4E66-96A6-867B257F58DC}" type="datetimeFigureOut">
               <a:rPr lang="en-US" smtClean="0"/>
-              <a:t>2/12/2019</a:t>
+              <a:t>2/13/2019</a:t>
             </a:fld>
             <a:endParaRPr lang="en-US" dirty="0"/>
           </a:p>
@@ -4934,7 +4934,7 @@
             <a:fld id="{B61BEF0D-F0BB-DE4B-95CE-6DB70DBA9567}" type="datetimeFigureOut">
               <a:rPr lang="en-US" smtClean="0"/>
               <a:pPr/>
-              <a:t>2/12/2019</a:t>
+              <a:t>2/13/2019</a:t>
             </a:fld>
             <a:endParaRPr lang="en-US" dirty="0"/>
           </a:p>
@@ -5232,7 +5232,7 @@
           <a:p>
             <a:fld id="{05BFA754-D5C3-4E66-96A6-867B257F58DC}" type="datetimeFigureOut">
               <a:rPr lang="en-US" smtClean="0"/>
-              <a:t>2/12/2019</a:t>
+              <a:t>2/13/2019</a:t>
             </a:fld>
             <a:endParaRPr lang="en-US" dirty="0"/>
           </a:p>
@@ -5612,7 +5612,7 @@
             <a:fld id="{B61BEF0D-F0BB-DE4B-95CE-6DB70DBA9567}" type="datetimeFigureOut">
               <a:rPr lang="en-US" smtClean="0"/>
               <a:pPr/>
-              <a:t>2/12/2019</a:t>
+              <a:t>2/13/2019</a:t>
             </a:fld>
             <a:endParaRPr lang="en-US" dirty="0"/>
           </a:p>
@@ -5737,7 +5737,7 @@
             <a:fld id="{B61BEF0D-F0BB-DE4B-95CE-6DB70DBA9567}" type="datetimeFigureOut">
               <a:rPr lang="en-US" smtClean="0"/>
               <a:pPr/>
-              <a:t>2/12/2019</a:t>
+              <a:t>2/13/2019</a:t>
             </a:fld>
             <a:endParaRPr lang="en-US" dirty="0"/>
           </a:p>
@@ -5834,7 +5834,7 @@
             <a:fld id="{B61BEF0D-F0BB-DE4B-95CE-6DB70DBA9567}" type="datetimeFigureOut">
               <a:rPr lang="en-US" smtClean="0"/>
               <a:pPr/>
-              <a:t>2/12/2019</a:t>
+              <a:t>2/13/2019</a:t>
             </a:fld>
             <a:endParaRPr lang="en-US" dirty="0"/>
           </a:p>
@@ -6091,7 +6091,7 @@
             <a:fld id="{B61BEF0D-F0BB-DE4B-95CE-6DB70DBA9567}" type="datetimeFigureOut">
               <a:rPr lang="en-US" smtClean="0"/>
               <a:pPr/>
-              <a:t>2/12/2019</a:t>
+              <a:t>2/13/2019</a:t>
             </a:fld>
             <a:endParaRPr lang="en-US" dirty="0"/>
           </a:p>
@@ -6356,7 +6356,7 @@
             <a:fld id="{B61BEF0D-F0BB-DE4B-95CE-6DB70DBA9567}" type="datetimeFigureOut">
               <a:rPr lang="en-US" smtClean="0"/>
               <a:pPr/>
-              <a:t>2/12/2019</a:t>
+              <a:t>2/13/2019</a:t>
             </a:fld>
             <a:endParaRPr lang="en-US" dirty="0"/>
           </a:p>
@@ -7172,7 +7172,7 @@
             <a:fld id="{B61BEF0D-F0BB-DE4B-95CE-6DB70DBA9567}" type="datetimeFigureOut">
               <a:rPr lang="en-US" smtClean="0"/>
               <a:pPr/>
-              <a:t>2/12/2019</a:t>
+              <a:t>2/13/2019</a:t>
             </a:fld>
             <a:endParaRPr lang="en-US" dirty="0"/>
           </a:p>
@@ -15726,7 +15726,12 @@
             <p:ph type="title"/>
           </p:nvPr>
         </p:nvSpPr>
-        <p:spPr/>
+        <p:spPr>
+          <a:xfrm>
+            <a:off x="609599" y="889509"/>
+            <a:ext cx="6347713" cy="786891"/>
+          </a:xfrm>
+        </p:spPr>
         <p:txBody>
           <a:bodyPr/>
           <a:lstStyle/>
@@ -15751,8 +15756,8 @@
         </p:nvSpPr>
         <p:spPr>
           <a:xfrm>
-            <a:off x="533400" y="2209800"/>
-            <a:ext cx="8305800" cy="3962400"/>
+            <a:off x="533400" y="1905000"/>
+            <a:ext cx="8305800" cy="2286000"/>
           </a:xfrm>
         </p:spPr>
         <p:txBody>
@@ -15794,6 +15799,828 @@
               <a:t>A movie theatre show many different movies, and the same movie can  be shown at different theatres around town</a:t>
             </a:r>
             <a:endParaRPr lang="en-CA" dirty="0"/>
+          </a:p>
+        </p:txBody>
+      </p:sp>
+      <p:grpSp>
+        <p:nvGrpSpPr>
+          <p:cNvPr id="11" name="Group 10"/>
+          <p:cNvGrpSpPr/>
+          <p:nvPr/>
+        </p:nvGrpSpPr>
+        <p:grpSpPr>
+          <a:xfrm>
+            <a:off x="1371600" y="6172200"/>
+            <a:ext cx="3429000" cy="564657"/>
+            <a:chOff x="1600200" y="5320364"/>
+            <a:chExt cx="3429000" cy="564657"/>
+          </a:xfrm>
+        </p:grpSpPr>
+        <p:sp>
+          <p:nvSpPr>
+            <p:cNvPr id="4" name="Rounded Rectangle 3"/>
+            <p:cNvSpPr/>
+            <p:nvPr/>
+          </p:nvSpPr>
+          <p:spPr>
+            <a:xfrm>
+              <a:off x="1600200" y="5334000"/>
+              <a:ext cx="1066800" cy="457200"/>
+            </a:xfrm>
+            <a:prstGeom prst="roundRect">
+              <a:avLst/>
+            </a:prstGeom>
+          </p:spPr>
+          <p:style>
+            <a:lnRef idx="2">
+              <a:schemeClr val="accent1">
+                <a:shade val="50000"/>
+              </a:schemeClr>
+            </a:lnRef>
+            <a:fillRef idx="1">
+              <a:schemeClr val="accent1"/>
+            </a:fillRef>
+            <a:effectRef idx="0">
+              <a:schemeClr val="accent1"/>
+            </a:effectRef>
+            <a:fontRef idx="minor">
+              <a:schemeClr val="lt1"/>
+            </a:fontRef>
+          </p:style>
+          <p:txBody>
+            <a:bodyPr rtlCol="0" anchor="ctr"/>
+            <a:lstStyle/>
+            <a:p>
+              <a:pPr algn="ctr"/>
+              <a:r>
+                <a:rPr lang="en-US" sz="1600" dirty="0" smtClean="0"/>
+                <a:t>Movie</a:t>
+              </a:r>
+              <a:endParaRPr lang="en-US" sz="1600" dirty="0"/>
+            </a:p>
+          </p:txBody>
+        </p:sp>
+        <p:sp>
+          <p:nvSpPr>
+            <p:cNvPr id="5" name="Rounded Rectangle 4"/>
+            <p:cNvSpPr/>
+            <p:nvPr/>
+          </p:nvSpPr>
+          <p:spPr>
+            <a:xfrm>
+              <a:off x="3962400" y="5334000"/>
+              <a:ext cx="1066800" cy="457200"/>
+            </a:xfrm>
+            <a:prstGeom prst="roundRect">
+              <a:avLst/>
+            </a:prstGeom>
+          </p:spPr>
+          <p:style>
+            <a:lnRef idx="2">
+              <a:schemeClr val="accent1">
+                <a:shade val="50000"/>
+              </a:schemeClr>
+            </a:lnRef>
+            <a:fillRef idx="1">
+              <a:schemeClr val="accent1"/>
+            </a:fillRef>
+            <a:effectRef idx="0">
+              <a:schemeClr val="accent1"/>
+            </a:effectRef>
+            <a:fontRef idx="minor">
+              <a:schemeClr val="lt1"/>
+            </a:fontRef>
+          </p:style>
+          <p:txBody>
+            <a:bodyPr rtlCol="0" anchor="ctr"/>
+            <a:lstStyle/>
+            <a:p>
+              <a:pPr algn="ctr"/>
+              <a:r>
+                <a:rPr lang="en-US" sz="1600" dirty="0" smtClean="0"/>
+                <a:t>Theater</a:t>
+              </a:r>
+              <a:endParaRPr lang="en-US" sz="1600" dirty="0"/>
+            </a:p>
+          </p:txBody>
+        </p:sp>
+        <p:cxnSp>
+          <p:nvCxnSpPr>
+            <p:cNvPr id="7" name="Straight Connector 6"/>
+            <p:cNvCxnSpPr>
+              <a:stCxn id="4" idx="3"/>
+              <a:endCxn id="5" idx="1"/>
+            </p:cNvCxnSpPr>
+            <p:nvPr/>
+          </p:nvCxnSpPr>
+          <p:spPr>
+            <a:xfrm>
+              <a:off x="2667000" y="5562600"/>
+              <a:ext cx="1295400" cy="0"/>
+            </a:xfrm>
+            <a:prstGeom prst="line">
+              <a:avLst/>
+            </a:prstGeom>
+          </p:spPr>
+          <p:style>
+            <a:lnRef idx="1">
+              <a:schemeClr val="accent1"/>
+            </a:lnRef>
+            <a:fillRef idx="0">
+              <a:schemeClr val="accent1"/>
+            </a:fillRef>
+            <a:effectRef idx="0">
+              <a:schemeClr val="accent1"/>
+            </a:effectRef>
+            <a:fontRef idx="minor">
+              <a:schemeClr val="tx1"/>
+            </a:fontRef>
+          </p:style>
+        </p:cxnSp>
+        <p:sp>
+          <p:nvSpPr>
+            <p:cNvPr id="8" name="TextBox 7"/>
+            <p:cNvSpPr txBox="1"/>
+            <p:nvPr/>
+          </p:nvSpPr>
+          <p:spPr>
+            <a:xfrm>
+              <a:off x="2667000" y="5638800"/>
+              <a:ext cx="375424" cy="246221"/>
+            </a:xfrm>
+            <a:prstGeom prst="rect">
+              <a:avLst/>
+            </a:prstGeom>
+            <a:noFill/>
+          </p:spPr>
+          <p:txBody>
+            <a:bodyPr wrap="none" rtlCol="0">
+              <a:spAutoFit/>
+            </a:bodyPr>
+            <a:lstStyle/>
+            <a:p>
+              <a:r>
+                <a:rPr lang="en-US" sz="1000" b="1" dirty="0" smtClean="0">
+                  <a:latin typeface="Arial" panose="020B0604020202020204" pitchFamily="34" charset="0"/>
+                  <a:cs typeface="Arial" panose="020B0604020202020204" pitchFamily="34" charset="0"/>
+                </a:rPr>
+                <a:t>0..*</a:t>
+              </a:r>
+              <a:endParaRPr lang="en-US" sz="900" b="1" dirty="0">
+                <a:latin typeface="Arial" panose="020B0604020202020204" pitchFamily="34" charset="0"/>
+                <a:cs typeface="Arial" panose="020B0604020202020204" pitchFamily="34" charset="0"/>
+              </a:endParaRPr>
+            </a:p>
+          </p:txBody>
+        </p:sp>
+        <p:sp>
+          <p:nvSpPr>
+            <p:cNvPr id="9" name="TextBox 8"/>
+            <p:cNvSpPr txBox="1"/>
+            <p:nvPr/>
+          </p:nvSpPr>
+          <p:spPr>
+            <a:xfrm>
+              <a:off x="3586976" y="5638800"/>
+              <a:ext cx="375424" cy="246221"/>
+            </a:xfrm>
+            <a:prstGeom prst="rect">
+              <a:avLst/>
+            </a:prstGeom>
+            <a:noFill/>
+          </p:spPr>
+          <p:txBody>
+            <a:bodyPr wrap="none" rtlCol="0">
+              <a:spAutoFit/>
+            </a:bodyPr>
+            <a:lstStyle/>
+            <a:p>
+              <a:r>
+                <a:rPr lang="en-US" sz="1000" b="1" dirty="0" smtClean="0">
+                  <a:latin typeface="Arial" panose="020B0604020202020204" pitchFamily="34" charset="0"/>
+                  <a:cs typeface="Arial" panose="020B0604020202020204" pitchFamily="34" charset="0"/>
+                </a:rPr>
+                <a:t>0..*</a:t>
+              </a:r>
+              <a:endParaRPr lang="en-US" sz="900" b="1" dirty="0">
+                <a:latin typeface="Arial" panose="020B0604020202020204" pitchFamily="34" charset="0"/>
+                <a:cs typeface="Arial" panose="020B0604020202020204" pitchFamily="34" charset="0"/>
+              </a:endParaRPr>
+            </a:p>
+          </p:txBody>
+        </p:sp>
+        <p:sp>
+          <p:nvSpPr>
+            <p:cNvPr id="10" name="TextBox 9"/>
+            <p:cNvSpPr txBox="1"/>
+            <p:nvPr/>
+          </p:nvSpPr>
+          <p:spPr>
+            <a:xfrm>
+              <a:off x="2855439" y="5320364"/>
+              <a:ext cx="880369" cy="246221"/>
+            </a:xfrm>
+            <a:prstGeom prst="rect">
+              <a:avLst/>
+            </a:prstGeom>
+            <a:noFill/>
+          </p:spPr>
+          <p:txBody>
+            <a:bodyPr wrap="none" rtlCol="0">
+              <a:spAutoFit/>
+            </a:bodyPr>
+            <a:lstStyle/>
+            <a:p>
+              <a:r>
+                <a:rPr lang="en-US" sz="1000" b="1" dirty="0" smtClean="0">
+                  <a:latin typeface="Arial" panose="020B0604020202020204" pitchFamily="34" charset="0"/>
+                  <a:cs typeface="Arial" panose="020B0604020202020204" pitchFamily="34" charset="0"/>
+                </a:rPr>
+                <a:t>Is shown at</a:t>
+              </a:r>
+              <a:endParaRPr lang="en-US" sz="900" b="1" dirty="0">
+                <a:latin typeface="Arial" panose="020B0604020202020204" pitchFamily="34" charset="0"/>
+                <a:cs typeface="Arial" panose="020B0604020202020204" pitchFamily="34" charset="0"/>
+              </a:endParaRPr>
+            </a:p>
+          </p:txBody>
+        </p:sp>
+      </p:grpSp>
+      <p:grpSp>
+        <p:nvGrpSpPr>
+          <p:cNvPr id="12" name="Group 11"/>
+          <p:cNvGrpSpPr/>
+          <p:nvPr/>
+        </p:nvGrpSpPr>
+        <p:grpSpPr>
+          <a:xfrm>
+            <a:off x="1371600" y="5257800"/>
+            <a:ext cx="3429000" cy="564657"/>
+            <a:chOff x="1600200" y="5320364"/>
+            <a:chExt cx="3429000" cy="564657"/>
+          </a:xfrm>
+        </p:grpSpPr>
+        <p:sp>
+          <p:nvSpPr>
+            <p:cNvPr id="13" name="Rounded Rectangle 12"/>
+            <p:cNvSpPr/>
+            <p:nvPr/>
+          </p:nvSpPr>
+          <p:spPr>
+            <a:xfrm>
+              <a:off x="1600200" y="5334000"/>
+              <a:ext cx="1066800" cy="457200"/>
+            </a:xfrm>
+            <a:prstGeom prst="roundRect">
+              <a:avLst/>
+            </a:prstGeom>
+          </p:spPr>
+          <p:style>
+            <a:lnRef idx="2">
+              <a:schemeClr val="accent1">
+                <a:shade val="50000"/>
+              </a:schemeClr>
+            </a:lnRef>
+            <a:fillRef idx="1">
+              <a:schemeClr val="accent1"/>
+            </a:fillRef>
+            <a:effectRef idx="0">
+              <a:schemeClr val="accent1"/>
+            </a:effectRef>
+            <a:fontRef idx="minor">
+              <a:schemeClr val="lt1"/>
+            </a:fontRef>
+          </p:style>
+          <p:txBody>
+            <a:bodyPr rtlCol="0" anchor="ctr"/>
+            <a:lstStyle/>
+            <a:p>
+              <a:pPr algn="ctr"/>
+              <a:r>
+                <a:rPr lang="en-US" sz="1400" dirty="0" smtClean="0"/>
+                <a:t>Employee</a:t>
+              </a:r>
+              <a:endParaRPr lang="en-US" sz="1400" dirty="0"/>
+            </a:p>
+          </p:txBody>
+        </p:sp>
+        <p:sp>
+          <p:nvSpPr>
+            <p:cNvPr id="14" name="Rounded Rectangle 13"/>
+            <p:cNvSpPr/>
+            <p:nvPr/>
+          </p:nvSpPr>
+          <p:spPr>
+            <a:xfrm>
+              <a:off x="3962400" y="5334000"/>
+              <a:ext cx="1066800" cy="457200"/>
+            </a:xfrm>
+            <a:prstGeom prst="roundRect">
+              <a:avLst/>
+            </a:prstGeom>
+          </p:spPr>
+          <p:style>
+            <a:lnRef idx="2">
+              <a:schemeClr val="accent1">
+                <a:shade val="50000"/>
+              </a:schemeClr>
+            </a:lnRef>
+            <a:fillRef idx="1">
+              <a:schemeClr val="accent1"/>
+            </a:fillRef>
+            <a:effectRef idx="0">
+              <a:schemeClr val="accent1"/>
+            </a:effectRef>
+            <a:fontRef idx="minor">
+              <a:schemeClr val="lt1"/>
+            </a:fontRef>
+          </p:style>
+          <p:txBody>
+            <a:bodyPr rtlCol="0" anchor="ctr"/>
+            <a:lstStyle/>
+            <a:p>
+              <a:pPr algn="ctr"/>
+              <a:r>
+                <a:rPr lang="en-US" sz="1400" dirty="0" smtClean="0"/>
+                <a:t>Phone Ext</a:t>
+              </a:r>
+              <a:endParaRPr lang="en-US" sz="1400" dirty="0"/>
+            </a:p>
+          </p:txBody>
+        </p:sp>
+        <p:cxnSp>
+          <p:nvCxnSpPr>
+            <p:cNvPr id="15" name="Straight Connector 14"/>
+            <p:cNvCxnSpPr>
+              <a:stCxn id="13" idx="3"/>
+              <a:endCxn id="14" idx="1"/>
+            </p:cNvCxnSpPr>
+            <p:nvPr/>
+          </p:nvCxnSpPr>
+          <p:spPr>
+            <a:xfrm>
+              <a:off x="2667000" y="5562600"/>
+              <a:ext cx="1295400" cy="0"/>
+            </a:xfrm>
+            <a:prstGeom prst="line">
+              <a:avLst/>
+            </a:prstGeom>
+          </p:spPr>
+          <p:style>
+            <a:lnRef idx="1">
+              <a:schemeClr val="accent1"/>
+            </a:lnRef>
+            <a:fillRef idx="0">
+              <a:schemeClr val="accent1"/>
+            </a:fillRef>
+            <a:effectRef idx="0">
+              <a:schemeClr val="accent1"/>
+            </a:effectRef>
+            <a:fontRef idx="minor">
+              <a:schemeClr val="tx1"/>
+            </a:fontRef>
+          </p:style>
+        </p:cxnSp>
+        <p:sp>
+          <p:nvSpPr>
+            <p:cNvPr id="16" name="TextBox 15"/>
+            <p:cNvSpPr txBox="1"/>
+            <p:nvPr/>
+          </p:nvSpPr>
+          <p:spPr>
+            <a:xfrm>
+              <a:off x="2667000" y="5638800"/>
+              <a:ext cx="255198" cy="246221"/>
+            </a:xfrm>
+            <a:prstGeom prst="rect">
+              <a:avLst/>
+            </a:prstGeom>
+            <a:noFill/>
+          </p:spPr>
+          <p:txBody>
+            <a:bodyPr wrap="none" rtlCol="0">
+              <a:spAutoFit/>
+            </a:bodyPr>
+            <a:lstStyle/>
+            <a:p>
+              <a:r>
+                <a:rPr lang="en-US" sz="1000" b="1" dirty="0" smtClean="0">
+                  <a:latin typeface="Arial" panose="020B0604020202020204" pitchFamily="34" charset="0"/>
+                  <a:cs typeface="Arial" panose="020B0604020202020204" pitchFamily="34" charset="0"/>
+                </a:rPr>
+                <a:t>1</a:t>
+              </a:r>
+              <a:endParaRPr lang="en-US" sz="900" b="1" dirty="0">
+                <a:latin typeface="Arial" panose="020B0604020202020204" pitchFamily="34" charset="0"/>
+                <a:cs typeface="Arial" panose="020B0604020202020204" pitchFamily="34" charset="0"/>
+              </a:endParaRPr>
+            </a:p>
+          </p:txBody>
+        </p:sp>
+        <p:sp>
+          <p:nvSpPr>
+            <p:cNvPr id="17" name="TextBox 16"/>
+            <p:cNvSpPr txBox="1"/>
+            <p:nvPr/>
+          </p:nvSpPr>
+          <p:spPr>
+            <a:xfrm>
+              <a:off x="3586976" y="5638800"/>
+              <a:ext cx="255198" cy="246221"/>
+            </a:xfrm>
+            <a:prstGeom prst="rect">
+              <a:avLst/>
+            </a:prstGeom>
+            <a:noFill/>
+          </p:spPr>
+          <p:txBody>
+            <a:bodyPr wrap="none" rtlCol="0">
+              <a:spAutoFit/>
+            </a:bodyPr>
+            <a:lstStyle/>
+            <a:p>
+              <a:r>
+                <a:rPr lang="en-US" sz="1000" b="1" dirty="0" smtClean="0">
+                  <a:latin typeface="Arial" panose="020B0604020202020204" pitchFamily="34" charset="0"/>
+                  <a:cs typeface="Arial" panose="020B0604020202020204" pitchFamily="34" charset="0"/>
+                </a:rPr>
+                <a:t>1</a:t>
+              </a:r>
+              <a:endParaRPr lang="en-US" sz="900" b="1" dirty="0">
+                <a:latin typeface="Arial" panose="020B0604020202020204" pitchFamily="34" charset="0"/>
+                <a:cs typeface="Arial" panose="020B0604020202020204" pitchFamily="34" charset="0"/>
+              </a:endParaRPr>
+            </a:p>
+          </p:txBody>
+        </p:sp>
+        <p:sp>
+          <p:nvSpPr>
+            <p:cNvPr id="18" name="TextBox 17"/>
+            <p:cNvSpPr txBox="1"/>
+            <p:nvPr/>
+          </p:nvSpPr>
+          <p:spPr>
+            <a:xfrm>
+              <a:off x="2855439" y="5320364"/>
+              <a:ext cx="878767" cy="246221"/>
+            </a:xfrm>
+            <a:prstGeom prst="rect">
+              <a:avLst/>
+            </a:prstGeom>
+            <a:noFill/>
+          </p:spPr>
+          <p:txBody>
+            <a:bodyPr wrap="none" rtlCol="0">
+              <a:spAutoFit/>
+            </a:bodyPr>
+            <a:lstStyle/>
+            <a:p>
+              <a:r>
+                <a:rPr lang="en-US" sz="1000" b="1" dirty="0" smtClean="0">
+                  <a:latin typeface="Arial" panose="020B0604020202020204" pitchFamily="34" charset="0"/>
+                  <a:cs typeface="Arial" panose="020B0604020202020204" pitchFamily="34" charset="0"/>
+                </a:rPr>
+                <a:t>Is assigned</a:t>
+              </a:r>
+              <a:endParaRPr lang="en-US" sz="900" b="1" dirty="0">
+                <a:latin typeface="Arial" panose="020B0604020202020204" pitchFamily="34" charset="0"/>
+                <a:cs typeface="Arial" panose="020B0604020202020204" pitchFamily="34" charset="0"/>
+              </a:endParaRPr>
+            </a:p>
+          </p:txBody>
+        </p:sp>
+      </p:grpSp>
+      <p:grpSp>
+        <p:nvGrpSpPr>
+          <p:cNvPr id="19" name="Group 18"/>
+          <p:cNvGrpSpPr/>
+          <p:nvPr/>
+        </p:nvGrpSpPr>
+        <p:grpSpPr>
+          <a:xfrm>
+            <a:off x="1371600" y="4426870"/>
+            <a:ext cx="3429000" cy="564657"/>
+            <a:chOff x="1600200" y="5320364"/>
+            <a:chExt cx="3429000" cy="564657"/>
+          </a:xfrm>
+        </p:grpSpPr>
+        <p:sp>
+          <p:nvSpPr>
+            <p:cNvPr id="20" name="Rounded Rectangle 19"/>
+            <p:cNvSpPr/>
+            <p:nvPr/>
+          </p:nvSpPr>
+          <p:spPr>
+            <a:xfrm>
+              <a:off x="1600200" y="5334000"/>
+              <a:ext cx="1066800" cy="457200"/>
+            </a:xfrm>
+            <a:prstGeom prst="roundRect">
+              <a:avLst/>
+            </a:prstGeom>
+          </p:spPr>
+          <p:style>
+            <a:lnRef idx="2">
+              <a:schemeClr val="accent1">
+                <a:shade val="50000"/>
+              </a:schemeClr>
+            </a:lnRef>
+            <a:fillRef idx="1">
+              <a:schemeClr val="accent1"/>
+            </a:fillRef>
+            <a:effectRef idx="0">
+              <a:schemeClr val="accent1"/>
+            </a:effectRef>
+            <a:fontRef idx="minor">
+              <a:schemeClr val="lt1"/>
+            </a:fontRef>
+          </p:style>
+          <p:txBody>
+            <a:bodyPr rtlCol="0" anchor="ctr"/>
+            <a:lstStyle/>
+            <a:p>
+              <a:pPr algn="ctr"/>
+              <a:r>
+                <a:rPr lang="en-US" sz="1400" dirty="0" smtClean="0"/>
+                <a:t>Patient</a:t>
+              </a:r>
+              <a:endParaRPr lang="en-US" sz="1400" dirty="0"/>
+            </a:p>
+          </p:txBody>
+        </p:sp>
+        <p:sp>
+          <p:nvSpPr>
+            <p:cNvPr id="21" name="Rounded Rectangle 20"/>
+            <p:cNvSpPr/>
+            <p:nvPr/>
+          </p:nvSpPr>
+          <p:spPr>
+            <a:xfrm>
+              <a:off x="3962400" y="5334000"/>
+              <a:ext cx="1066800" cy="457200"/>
+            </a:xfrm>
+            <a:prstGeom prst="roundRect">
+              <a:avLst/>
+            </a:prstGeom>
+          </p:spPr>
+          <p:style>
+            <a:lnRef idx="2">
+              <a:schemeClr val="accent1">
+                <a:shade val="50000"/>
+              </a:schemeClr>
+            </a:lnRef>
+            <a:fillRef idx="1">
+              <a:schemeClr val="accent1"/>
+            </a:fillRef>
+            <a:effectRef idx="0">
+              <a:schemeClr val="accent1"/>
+            </a:effectRef>
+            <a:fontRef idx="minor">
+              <a:schemeClr val="lt1"/>
+            </a:fontRef>
+          </p:style>
+          <p:txBody>
+            <a:bodyPr rtlCol="0" anchor="ctr"/>
+            <a:lstStyle/>
+            <a:p>
+              <a:pPr algn="ctr"/>
+              <a:r>
+                <a:rPr lang="en-US" sz="1400" dirty="0" smtClean="0"/>
+                <a:t>Doctor</a:t>
+              </a:r>
+              <a:endParaRPr lang="en-US" sz="1400" dirty="0"/>
+            </a:p>
+          </p:txBody>
+        </p:sp>
+        <p:cxnSp>
+          <p:nvCxnSpPr>
+            <p:cNvPr id="22" name="Straight Connector 21"/>
+            <p:cNvCxnSpPr>
+              <a:stCxn id="20" idx="3"/>
+              <a:endCxn id="21" idx="1"/>
+            </p:cNvCxnSpPr>
+            <p:nvPr/>
+          </p:nvCxnSpPr>
+          <p:spPr>
+            <a:xfrm>
+              <a:off x="2667000" y="5562600"/>
+              <a:ext cx="1295400" cy="0"/>
+            </a:xfrm>
+            <a:prstGeom prst="line">
+              <a:avLst/>
+            </a:prstGeom>
+          </p:spPr>
+          <p:style>
+            <a:lnRef idx="1">
+              <a:schemeClr val="accent1"/>
+            </a:lnRef>
+            <a:fillRef idx="0">
+              <a:schemeClr val="accent1"/>
+            </a:fillRef>
+            <a:effectRef idx="0">
+              <a:schemeClr val="accent1"/>
+            </a:effectRef>
+            <a:fontRef idx="minor">
+              <a:schemeClr val="tx1"/>
+            </a:fontRef>
+          </p:style>
+        </p:cxnSp>
+        <p:sp>
+          <p:nvSpPr>
+            <p:cNvPr id="23" name="TextBox 22"/>
+            <p:cNvSpPr txBox="1"/>
+            <p:nvPr/>
+          </p:nvSpPr>
+          <p:spPr>
+            <a:xfrm>
+              <a:off x="2667000" y="5638800"/>
+              <a:ext cx="375424" cy="246221"/>
+            </a:xfrm>
+            <a:prstGeom prst="rect">
+              <a:avLst/>
+            </a:prstGeom>
+            <a:noFill/>
+          </p:spPr>
+          <p:txBody>
+            <a:bodyPr wrap="none" rtlCol="0">
+              <a:spAutoFit/>
+            </a:bodyPr>
+            <a:lstStyle/>
+            <a:p>
+              <a:r>
+                <a:rPr lang="en-US" sz="1000" b="1" dirty="0" smtClean="0">
+                  <a:latin typeface="Arial" panose="020B0604020202020204" pitchFamily="34" charset="0"/>
+                  <a:cs typeface="Arial" panose="020B0604020202020204" pitchFamily="34" charset="0"/>
+                </a:rPr>
+                <a:t>0..*</a:t>
+              </a:r>
+              <a:endParaRPr lang="en-US" sz="900" b="1" dirty="0">
+                <a:latin typeface="Arial" panose="020B0604020202020204" pitchFamily="34" charset="0"/>
+                <a:cs typeface="Arial" panose="020B0604020202020204" pitchFamily="34" charset="0"/>
+              </a:endParaRPr>
+            </a:p>
+          </p:txBody>
+        </p:sp>
+        <p:sp>
+          <p:nvSpPr>
+            <p:cNvPr id="24" name="TextBox 23"/>
+            <p:cNvSpPr txBox="1"/>
+            <p:nvPr/>
+          </p:nvSpPr>
+          <p:spPr>
+            <a:xfrm>
+              <a:off x="3586976" y="5638800"/>
+              <a:ext cx="255198" cy="246221"/>
+            </a:xfrm>
+            <a:prstGeom prst="rect">
+              <a:avLst/>
+            </a:prstGeom>
+            <a:noFill/>
+          </p:spPr>
+          <p:txBody>
+            <a:bodyPr wrap="none" rtlCol="0">
+              <a:spAutoFit/>
+            </a:bodyPr>
+            <a:lstStyle/>
+            <a:p>
+              <a:r>
+                <a:rPr lang="en-US" sz="1000" b="1" dirty="0" smtClean="0">
+                  <a:latin typeface="Arial" panose="020B0604020202020204" pitchFamily="34" charset="0"/>
+                  <a:cs typeface="Arial" panose="020B0604020202020204" pitchFamily="34" charset="0"/>
+                </a:rPr>
+                <a:t>1</a:t>
+              </a:r>
+              <a:endParaRPr lang="en-US" sz="900" b="1" dirty="0">
+                <a:latin typeface="Arial" panose="020B0604020202020204" pitchFamily="34" charset="0"/>
+                <a:cs typeface="Arial" panose="020B0604020202020204" pitchFamily="34" charset="0"/>
+              </a:endParaRPr>
+            </a:p>
+          </p:txBody>
+        </p:sp>
+        <p:sp>
+          <p:nvSpPr>
+            <p:cNvPr id="25" name="TextBox 24"/>
+            <p:cNvSpPr txBox="1"/>
+            <p:nvPr/>
+          </p:nvSpPr>
+          <p:spPr>
+            <a:xfrm>
+              <a:off x="2855439" y="5320364"/>
+              <a:ext cx="1035861" cy="246221"/>
+            </a:xfrm>
+            <a:prstGeom prst="rect">
+              <a:avLst/>
+            </a:prstGeom>
+            <a:noFill/>
+          </p:spPr>
+          <p:txBody>
+            <a:bodyPr wrap="none" rtlCol="0">
+              <a:spAutoFit/>
+            </a:bodyPr>
+            <a:lstStyle/>
+            <a:p>
+              <a:r>
+                <a:rPr lang="en-US" sz="1000" b="1" dirty="0" smtClean="0">
+                  <a:latin typeface="Arial" panose="020B0604020202020204" pitchFamily="34" charset="0"/>
+                  <a:cs typeface="Arial" panose="020B0604020202020204" pitchFamily="34" charset="0"/>
+                </a:rPr>
+                <a:t>Is assigned to</a:t>
+              </a:r>
+              <a:endParaRPr lang="en-US" sz="900" b="1" dirty="0">
+                <a:latin typeface="Arial" panose="020B0604020202020204" pitchFamily="34" charset="0"/>
+                <a:cs typeface="Arial" panose="020B0604020202020204" pitchFamily="34" charset="0"/>
+              </a:endParaRPr>
+            </a:p>
+          </p:txBody>
+        </p:sp>
+      </p:grpSp>
+      <p:sp>
+        <p:nvSpPr>
+          <p:cNvPr id="26" name="TextBox 25"/>
+          <p:cNvSpPr txBox="1"/>
+          <p:nvPr/>
+        </p:nvSpPr>
+        <p:spPr>
+          <a:xfrm>
+            <a:off x="5257800" y="4344057"/>
+            <a:ext cx="2286000" cy="523220"/>
+          </a:xfrm>
+          <a:prstGeom prst="rect">
+            <a:avLst/>
+          </a:prstGeom>
+          <a:noFill/>
+        </p:spPr>
+        <p:txBody>
+          <a:bodyPr wrap="square" rtlCol="0">
+            <a:spAutoFit/>
+          </a:bodyPr>
+          <a:lstStyle/>
+          <a:p>
+            <a:r>
+              <a:rPr lang="en-US" dirty="0" smtClean="0"/>
+              <a:t>one-many</a:t>
+            </a:r>
+            <a:endParaRPr lang="en-US" dirty="0"/>
+          </a:p>
+        </p:txBody>
+      </p:sp>
+      <p:sp>
+        <p:nvSpPr>
+          <p:cNvPr id="27" name="TextBox 26"/>
+          <p:cNvSpPr txBox="1"/>
+          <p:nvPr/>
+        </p:nvSpPr>
+        <p:spPr>
+          <a:xfrm>
+            <a:off x="5257800" y="5255833"/>
+            <a:ext cx="2286000" cy="523220"/>
+          </a:xfrm>
+          <a:prstGeom prst="rect">
+            <a:avLst/>
+          </a:prstGeom>
+          <a:noFill/>
+        </p:spPr>
+        <p:txBody>
+          <a:bodyPr wrap="square" rtlCol="0">
+            <a:spAutoFit/>
+          </a:bodyPr>
+          <a:lstStyle/>
+          <a:p>
+            <a:r>
+              <a:rPr lang="en-US" dirty="0" smtClean="0"/>
+              <a:t>one-one</a:t>
+            </a:r>
+            <a:endParaRPr lang="en-US" dirty="0"/>
+          </a:p>
+        </p:txBody>
+      </p:sp>
+      <p:sp>
+        <p:nvSpPr>
+          <p:cNvPr id="28" name="TextBox 27"/>
+          <p:cNvSpPr txBox="1"/>
+          <p:nvPr/>
+        </p:nvSpPr>
+        <p:spPr>
+          <a:xfrm>
+            <a:off x="5257800" y="6121420"/>
+            <a:ext cx="2286000" cy="523220"/>
+          </a:xfrm>
+          <a:prstGeom prst="rect">
+            <a:avLst/>
+          </a:prstGeom>
+          <a:noFill/>
+        </p:spPr>
+        <p:txBody>
+          <a:bodyPr wrap="square" rtlCol="0">
+            <a:spAutoFit/>
+          </a:bodyPr>
+          <a:lstStyle/>
+          <a:p>
+            <a:r>
+              <a:rPr lang="en-US" dirty="0" smtClean="0"/>
+              <a:t>many-many</a:t>
+            </a:r>
+            <a:endParaRPr lang="en-US" dirty="0"/>
           </a:p>
         </p:txBody>
       </p:sp>
@@ -15873,30 +16700,30 @@
         </p:nvSpPr>
         <p:spPr>
           <a:xfrm>
-            <a:off x="990600" y="1981200"/>
+            <a:off x="533400" y="1905000"/>
             <a:ext cx="7924800" cy="3657600"/>
           </a:xfrm>
         </p:spPr>
         <p:txBody>
           <a:bodyPr>
-            <a:normAutofit fontScale="47500" lnSpcReduction="20000"/>
+            <a:normAutofit fontScale="32500" lnSpcReduction="20000"/>
           </a:bodyPr>
           <a:lstStyle/>
           <a:p>
             <a:r>
-              <a:rPr lang="en-CA" dirty="0" smtClean="0"/>
+              <a:rPr lang="en-CA" sz="6200" dirty="0" smtClean="0"/>
               <a:t>When there is a need to store data for the relationship itself</a:t>
             </a:r>
           </a:p>
           <a:p>
             <a:r>
-              <a:rPr lang="en-CA" dirty="0" smtClean="0"/>
+              <a:rPr lang="en-CA" sz="6200" dirty="0" smtClean="0"/>
               <a:t>Useful particularly in many-to-many relationships</a:t>
             </a:r>
           </a:p>
           <a:p>
             <a:r>
-              <a:rPr lang="en-CA" dirty="0" smtClean="0"/>
+              <a:rPr lang="en-CA" sz="6200" dirty="0" smtClean="0"/>
               <a:t>Can be replaced with additional class and two relationships</a:t>
             </a:r>
           </a:p>
@@ -16249,13 +17076,18 @@
             <p:ph type="title"/>
           </p:nvPr>
         </p:nvSpPr>
-        <p:spPr/>
+        <p:spPr>
+          <a:xfrm>
+            <a:off x="533400" y="914400"/>
+            <a:ext cx="6347713" cy="914400"/>
+          </a:xfrm>
+        </p:spPr>
         <p:txBody>
           <a:bodyPr/>
           <a:lstStyle/>
           <a:p>
             <a:r>
-              <a:rPr lang="en-CA" smtClean="0"/>
+              <a:rPr lang="en-CA" dirty="0" smtClean="0"/>
               <a:t>Reflexive Association</a:t>
             </a:r>
           </a:p>

--- a/Project Concepts/PROJ216 Slides Day4 revised.pptx
+++ b/Project Concepts/PROJ216 Slides Day4 revised.pptx
@@ -581,35 +581,35 @@
           <a:p>
             <a:pPr lvl="0"/>
             <a:r>
-              <a:rPr lang="en-US" noProof="0" smtClean="0"/>
+              <a:rPr lang="en-US" noProof="0"/>
               <a:t>Click to edit Master text styles</a:t>
             </a:r>
           </a:p>
           <a:p>
             <a:pPr lvl="1"/>
             <a:r>
-              <a:rPr lang="en-US" noProof="0" smtClean="0"/>
+              <a:rPr lang="en-US" noProof="0"/>
               <a:t>Second level</a:t>
             </a:r>
           </a:p>
           <a:p>
             <a:pPr lvl="2"/>
             <a:r>
-              <a:rPr lang="en-US" noProof="0" smtClean="0"/>
+              <a:rPr lang="en-US" noProof="0"/>
               <a:t>Third level</a:t>
             </a:r>
           </a:p>
           <a:p>
             <a:pPr lvl="3"/>
             <a:r>
-              <a:rPr lang="en-US" noProof="0" smtClean="0"/>
+              <a:rPr lang="en-US" noProof="0"/>
               <a:t>Fourth level</a:t>
             </a:r>
           </a:p>
           <a:p>
             <a:pPr lvl="4"/>
             <a:r>
-              <a:rPr lang="en-US" noProof="0" smtClean="0"/>
+              <a:rPr lang="en-US" noProof="0"/>
               <a:t>Fifth level</a:t>
             </a:r>
           </a:p>
@@ -953,7 +953,7 @@
           <a:bodyPr/>
           <a:lstStyle/>
           <a:p>
-            <a:endParaRPr lang="en-US" smtClean="0"/>
+            <a:endParaRPr lang="en-US"/>
           </a:p>
         </p:txBody>
       </p:sp>
@@ -981,7 +981,7 @@
               <a:pPr/>
               <a:t>2/13/2019</a:t>
             </a:fld>
-            <a:endParaRPr lang="en-US" smtClean="0">
+            <a:endParaRPr lang="en-US">
               <a:latin typeface="Times New Roman" charset="0"/>
             </a:endParaRPr>
           </a:p>
@@ -1011,7 +1011,7 @@
               <a:pPr/>
               <a:t>1</a:t>
             </a:fld>
-            <a:endParaRPr lang="en-US" smtClean="0">
+            <a:endParaRPr lang="en-US">
               <a:latin typeface="Times New Roman" charset="0"/>
             </a:endParaRPr>
           </a:p>
@@ -1799,7 +1799,7 @@
           </a:lstStyle>
           <a:p>
             <a:r>
-              <a:rPr lang="en-US" smtClean="0"/>
+              <a:rPr lang="en-US"/>
               <a:t>Click to edit Master title style</a:t>
             </a:r>
             <a:endParaRPr lang="en-US" dirty="0"/>
@@ -1919,7 +1919,7 @@
           </a:lstStyle>
           <a:p>
             <a:r>
-              <a:rPr lang="en-US" smtClean="0"/>
+              <a:rPr lang="en-US"/>
               <a:t>Click to edit Master subtitle style</a:t>
             </a:r>
             <a:endParaRPr lang="en-US" dirty="0"/>
@@ -2050,7 +2050,7 @@
           </a:lstStyle>
           <a:p>
             <a:r>
-              <a:rPr lang="en-US" smtClean="0"/>
+              <a:rPr lang="en-US"/>
               <a:t>Click to edit Master title style</a:t>
             </a:r>
             <a:endParaRPr lang="en-US" dirty="0"/>
@@ -2173,7 +2173,7 @@
           <a:p>
             <a:pPr lvl="0"/>
             <a:r>
-              <a:rPr lang="en-US" smtClean="0"/>
+              <a:rPr lang="en-US"/>
               <a:t>Edit Master text styles</a:t>
             </a:r>
           </a:p>
@@ -2303,7 +2303,7 @@
           </a:lstStyle>
           <a:p>
             <a:r>
-              <a:rPr lang="en-US" smtClean="0"/>
+              <a:rPr lang="en-US"/>
               <a:t>Click to edit Master title style</a:t>
             </a:r>
             <a:endParaRPr lang="en-US" dirty="0"/>
@@ -2367,7 +2367,7 @@
           <a:p>
             <a:pPr lvl="0"/>
             <a:r>
-              <a:rPr lang="en-US" smtClean="0"/>
+              <a:rPr lang="en-US"/>
               <a:t>Edit Master text styles</a:t>
             </a:r>
           </a:p>
@@ -2489,7 +2489,7 @@
           <a:p>
             <a:pPr lvl="0"/>
             <a:r>
-              <a:rPr lang="en-US" smtClean="0"/>
+              <a:rPr lang="en-US"/>
               <a:t>Edit Master text styles</a:t>
             </a:r>
           </a:p>
@@ -2701,7 +2701,7 @@
           </a:lstStyle>
           <a:p>
             <a:r>
-              <a:rPr lang="en-US" smtClean="0"/>
+              <a:rPr lang="en-US"/>
               <a:t>Click to edit Master title style</a:t>
             </a:r>
             <a:endParaRPr lang="en-US" dirty="0"/>
@@ -2824,7 +2824,7 @@
           <a:p>
             <a:pPr lvl="0"/>
             <a:r>
-              <a:rPr lang="en-US" smtClean="0"/>
+              <a:rPr lang="en-US"/>
               <a:t>Edit Master text styles</a:t>
             </a:r>
           </a:p>
@@ -2954,7 +2954,7 @@
           </a:lstStyle>
           <a:p>
             <a:r>
-              <a:rPr lang="en-US" smtClean="0"/>
+              <a:rPr lang="en-US"/>
               <a:t>Click to edit Master title style</a:t>
             </a:r>
             <a:endParaRPr lang="en-US" dirty="0"/>
@@ -3018,7 +3018,7 @@
           <a:p>
             <a:pPr lvl="0"/>
             <a:r>
-              <a:rPr lang="en-US" smtClean="0"/>
+              <a:rPr lang="en-US"/>
               <a:t>Edit Master text styles</a:t>
             </a:r>
           </a:p>
@@ -3140,7 +3140,7 @@
           <a:p>
             <a:pPr lvl="0"/>
             <a:r>
-              <a:rPr lang="en-US" smtClean="0"/>
+              <a:rPr lang="en-US"/>
               <a:t>Edit Master text styles</a:t>
             </a:r>
           </a:p>
@@ -3352,7 +3352,7 @@
           </a:lstStyle>
           <a:p>
             <a:r>
-              <a:rPr lang="en-US" smtClean="0"/>
+              <a:rPr lang="en-US"/>
               <a:t>Click to edit Master title style</a:t>
             </a:r>
             <a:endParaRPr lang="en-US" dirty="0"/>
@@ -3413,7 +3413,7 @@
           <a:p>
             <a:pPr lvl="0"/>
             <a:r>
-              <a:rPr lang="en-US" smtClean="0"/>
+              <a:rPr lang="en-US"/>
               <a:t>Edit Master text styles</a:t>
             </a:r>
           </a:p>
@@ -3535,7 +3535,7 @@
           <a:p>
             <a:pPr lvl="0"/>
             <a:r>
-              <a:rPr lang="en-US" smtClean="0"/>
+              <a:rPr lang="en-US"/>
               <a:t>Edit Master text styles</a:t>
             </a:r>
           </a:p>
@@ -3654,7 +3654,7 @@
           <a:lstStyle/>
           <a:p>
             <a:r>
-              <a:rPr lang="en-US" smtClean="0"/>
+              <a:rPr lang="en-US"/>
               <a:t>Click to edit Master title style</a:t>
             </a:r>
             <a:endParaRPr lang="en-US" dirty="0"/>
@@ -3678,35 +3678,35 @@
           <a:p>
             <a:pPr lvl="0"/>
             <a:r>
-              <a:rPr lang="en-US" smtClean="0"/>
+              <a:rPr lang="en-US"/>
               <a:t>Edit Master text styles</a:t>
             </a:r>
           </a:p>
           <a:p>
             <a:pPr lvl="1"/>
             <a:r>
-              <a:rPr lang="en-US" smtClean="0"/>
+              <a:rPr lang="en-US"/>
               <a:t>Second level</a:t>
             </a:r>
           </a:p>
           <a:p>
             <a:pPr lvl="2"/>
             <a:r>
-              <a:rPr lang="en-US" smtClean="0"/>
+              <a:rPr lang="en-US"/>
               <a:t>Third level</a:t>
             </a:r>
           </a:p>
           <a:p>
             <a:pPr lvl="3"/>
             <a:r>
-              <a:rPr lang="en-US" smtClean="0"/>
+              <a:rPr lang="en-US"/>
               <a:t>Fourth level</a:t>
             </a:r>
           </a:p>
           <a:p>
             <a:pPr lvl="4"/>
             <a:r>
-              <a:rPr lang="en-US" smtClean="0"/>
+              <a:rPr lang="en-US"/>
               <a:t>Fifth level</a:t>
             </a:r>
             <a:endParaRPr lang="en-US" dirty="0"/>
@@ -3831,7 +3831,7 @@
           <a:lstStyle/>
           <a:p>
             <a:r>
-              <a:rPr lang="en-US" smtClean="0"/>
+              <a:rPr lang="en-US"/>
               <a:t>Click to edit Master title style</a:t>
             </a:r>
             <a:endParaRPr lang="en-US" dirty="0"/>
@@ -3860,35 +3860,35 @@
           <a:p>
             <a:pPr lvl="0"/>
             <a:r>
-              <a:rPr lang="en-US" smtClean="0"/>
+              <a:rPr lang="en-US"/>
               <a:t>Edit Master text styles</a:t>
             </a:r>
           </a:p>
           <a:p>
             <a:pPr lvl="1"/>
             <a:r>
-              <a:rPr lang="en-US" smtClean="0"/>
+              <a:rPr lang="en-US"/>
               <a:t>Second level</a:t>
             </a:r>
           </a:p>
           <a:p>
             <a:pPr lvl="2"/>
             <a:r>
-              <a:rPr lang="en-US" smtClean="0"/>
+              <a:rPr lang="en-US"/>
               <a:t>Third level</a:t>
             </a:r>
           </a:p>
           <a:p>
             <a:pPr lvl="3"/>
             <a:r>
-              <a:rPr lang="en-US" smtClean="0"/>
+              <a:rPr lang="en-US"/>
               <a:t>Fourth level</a:t>
             </a:r>
           </a:p>
           <a:p>
             <a:pPr lvl="4"/>
             <a:r>
-              <a:rPr lang="en-US" smtClean="0"/>
+              <a:rPr lang="en-US"/>
               <a:t>Fifth level</a:t>
             </a:r>
             <a:endParaRPr lang="en-US" dirty="0"/>
@@ -4164,7 +4164,7 @@
           </a:lstStyle>
           <a:p>
             <a:r>
-              <a:rPr lang="en-US" smtClean="0"/>
+              <a:rPr lang="en-US"/>
               <a:t>Click to edit Master subtitle style</a:t>
             </a:r>
             <a:endParaRPr lang="en-CA" dirty="0"/>
@@ -4234,7 +4234,7 @@
               <a:defRPr/>
             </a:pPr>
             <a:r>
-              <a:rPr lang="en-CA" sz="1400" i="1" dirty="0" smtClean="0">
+              <a:rPr lang="en-CA" sz="1400" i="1" dirty="0">
                 <a:solidFill>
                   <a:schemeClr val="accent2">
                     <a:lumMod val="50000"/>
@@ -4244,18 +4244,8 @@
               </a:rPr>
               <a:t>– Software Project Concepts –</a:t>
             </a:r>
-            <a:r>
-              <a:rPr lang="en-CA" sz="2800" i="1" dirty="0" smtClean="0">
-                <a:solidFill>
-                  <a:schemeClr val="accent2">
-                    <a:lumMod val="50000"/>
-                  </a:schemeClr>
-                </a:solidFill>
-              </a:rPr>
-              <a:t/>
-            </a:r>
             <a:br>
-              <a:rPr lang="en-CA" sz="2800" i="1" dirty="0" smtClean="0">
+              <a:rPr lang="en-CA" sz="2800" i="1" dirty="0">
                 <a:solidFill>
                   <a:schemeClr val="accent2">
                     <a:lumMod val="50000"/>
@@ -4264,7 +4254,7 @@
               </a:rPr>
             </a:br>
             <a:r>
-              <a:rPr lang="en-CA" sz="2000" dirty="0" smtClean="0">
+              <a:rPr lang="en-CA" sz="2000" dirty="0">
                 <a:solidFill>
                   <a:schemeClr val="accent2">
                     <a:lumMod val="50000"/>
@@ -4331,10 +4321,9 @@
           <a:lstStyle/>
           <a:p>
             <a:r>
-              <a:rPr lang="en-US" smtClean="0"/>
+              <a:rPr lang="en-US"/>
               <a:t>Click to edit Master title style</a:t>
             </a:r>
-            <a:endParaRPr lang="en-US"/>
           </a:p>
         </p:txBody>
       </p:sp>
@@ -4360,38 +4349,37 @@
           <a:p>
             <a:pPr lvl="0"/>
             <a:r>
-              <a:rPr lang="en-US" smtClean="0"/>
+              <a:rPr lang="en-US"/>
               <a:t>Click to edit Master text styles</a:t>
             </a:r>
           </a:p>
           <a:p>
             <a:pPr lvl="1"/>
             <a:r>
-              <a:rPr lang="en-US" smtClean="0"/>
+              <a:rPr lang="en-US"/>
               <a:t>Second level</a:t>
             </a:r>
           </a:p>
           <a:p>
             <a:pPr lvl="2"/>
             <a:r>
-              <a:rPr lang="en-US" smtClean="0"/>
+              <a:rPr lang="en-US"/>
               <a:t>Third level</a:t>
             </a:r>
           </a:p>
           <a:p>
             <a:pPr lvl="3"/>
             <a:r>
-              <a:rPr lang="en-US" smtClean="0"/>
+              <a:rPr lang="en-US"/>
               <a:t>Fourth level</a:t>
             </a:r>
           </a:p>
           <a:p>
             <a:pPr lvl="4"/>
             <a:r>
-              <a:rPr lang="en-US" smtClean="0"/>
+              <a:rPr lang="en-US"/>
               <a:t>Fifth level</a:t>
             </a:r>
-            <a:endParaRPr lang="en-US"/>
           </a:p>
         </p:txBody>
       </p:sp>
@@ -4417,38 +4405,37 @@
           <a:p>
             <a:pPr lvl="0"/>
             <a:r>
-              <a:rPr lang="en-US" smtClean="0"/>
+              <a:rPr lang="en-US"/>
               <a:t>Click to edit Master text styles</a:t>
             </a:r>
           </a:p>
           <a:p>
             <a:pPr lvl="1"/>
             <a:r>
-              <a:rPr lang="en-US" smtClean="0"/>
+              <a:rPr lang="en-US"/>
               <a:t>Second level</a:t>
             </a:r>
           </a:p>
           <a:p>
             <a:pPr lvl="2"/>
             <a:r>
-              <a:rPr lang="en-US" smtClean="0"/>
+              <a:rPr lang="en-US"/>
               <a:t>Third level</a:t>
             </a:r>
           </a:p>
           <a:p>
             <a:pPr lvl="3"/>
             <a:r>
-              <a:rPr lang="en-US" smtClean="0"/>
+              <a:rPr lang="en-US"/>
               <a:t>Fourth level</a:t>
             </a:r>
           </a:p>
           <a:p>
             <a:pPr lvl="4"/>
             <a:r>
-              <a:rPr lang="en-US" smtClean="0"/>
+              <a:rPr lang="en-US"/>
               <a:t>Fifth level</a:t>
             </a:r>
-            <a:endParaRPr lang="en-US"/>
           </a:p>
         </p:txBody>
       </p:sp>
@@ -4610,7 +4597,7 @@
           <a:lstStyle/>
           <a:p>
             <a:r>
-              <a:rPr lang="en-US" smtClean="0"/>
+              <a:rPr lang="en-US"/>
               <a:t>Click to edit Master title style</a:t>
             </a:r>
             <a:endParaRPr lang="en-US" dirty="0"/>
@@ -4634,35 +4621,35 @@
           <a:p>
             <a:pPr lvl="0"/>
             <a:r>
-              <a:rPr lang="en-US" smtClean="0"/>
+              <a:rPr lang="en-US"/>
               <a:t>Edit Master text styles</a:t>
             </a:r>
           </a:p>
           <a:p>
             <a:pPr lvl="1"/>
             <a:r>
-              <a:rPr lang="en-US" smtClean="0"/>
+              <a:rPr lang="en-US"/>
               <a:t>Second level</a:t>
             </a:r>
           </a:p>
           <a:p>
             <a:pPr lvl="2"/>
             <a:r>
-              <a:rPr lang="en-US" smtClean="0"/>
+              <a:rPr lang="en-US"/>
               <a:t>Third level</a:t>
             </a:r>
           </a:p>
           <a:p>
             <a:pPr lvl="3"/>
             <a:r>
-              <a:rPr lang="en-US" smtClean="0"/>
+              <a:rPr lang="en-US"/>
               <a:t>Fourth level</a:t>
             </a:r>
           </a:p>
           <a:p>
             <a:pPr lvl="4"/>
             <a:r>
-              <a:rPr lang="en-US" smtClean="0"/>
+              <a:rPr lang="en-US"/>
               <a:t>Fifth level</a:t>
             </a:r>
             <a:endParaRPr lang="en-US" dirty="0"/>
@@ -4789,7 +4776,7 @@
           </a:lstStyle>
           <a:p>
             <a:r>
-              <a:rPr lang="en-US" smtClean="0"/>
+              <a:rPr lang="en-US"/>
               <a:t>Click to edit Master title style</a:t>
             </a:r>
             <a:endParaRPr lang="en-US" dirty="0"/>
@@ -4910,7 +4897,7 @@
           <a:p>
             <a:pPr lvl="0"/>
             <a:r>
-              <a:rPr lang="en-US" smtClean="0"/>
+              <a:rPr lang="en-US"/>
               <a:t>Edit Master text styles</a:t>
             </a:r>
           </a:p>
@@ -5034,7 +5021,7 @@
           <a:lstStyle/>
           <a:p>
             <a:r>
-              <a:rPr lang="en-US" smtClean="0"/>
+              <a:rPr lang="en-US"/>
               <a:t>Click to edit Master title style</a:t>
             </a:r>
             <a:endParaRPr lang="en-US" dirty="0"/>
@@ -5093,35 +5080,35 @@
           <a:p>
             <a:pPr lvl="0"/>
             <a:r>
-              <a:rPr lang="en-US" smtClean="0"/>
+              <a:rPr lang="en-US"/>
               <a:t>Edit Master text styles</a:t>
             </a:r>
           </a:p>
           <a:p>
             <a:pPr lvl="1"/>
             <a:r>
-              <a:rPr lang="en-US" smtClean="0"/>
+              <a:rPr lang="en-US"/>
               <a:t>Second level</a:t>
             </a:r>
           </a:p>
           <a:p>
             <a:pPr lvl="2"/>
             <a:r>
-              <a:rPr lang="en-US" smtClean="0"/>
+              <a:rPr lang="en-US"/>
               <a:t>Third level</a:t>
             </a:r>
           </a:p>
           <a:p>
             <a:pPr lvl="3"/>
             <a:r>
-              <a:rPr lang="en-US" smtClean="0"/>
+              <a:rPr lang="en-US"/>
               <a:t>Fourth level</a:t>
             </a:r>
           </a:p>
           <a:p>
             <a:pPr lvl="4"/>
             <a:r>
-              <a:rPr lang="en-US" smtClean="0"/>
+              <a:rPr lang="en-US"/>
               <a:t>Fifth level</a:t>
             </a:r>
             <a:endParaRPr lang="en-US" dirty="0"/>
@@ -5180,35 +5167,35 @@
           <a:p>
             <a:pPr lvl="0"/>
             <a:r>
-              <a:rPr lang="en-US" smtClean="0"/>
+              <a:rPr lang="en-US"/>
               <a:t>Edit Master text styles</a:t>
             </a:r>
           </a:p>
           <a:p>
             <a:pPr lvl="1"/>
             <a:r>
-              <a:rPr lang="en-US" smtClean="0"/>
+              <a:rPr lang="en-US"/>
               <a:t>Second level</a:t>
             </a:r>
           </a:p>
           <a:p>
             <a:pPr lvl="2"/>
             <a:r>
-              <a:rPr lang="en-US" smtClean="0"/>
+              <a:rPr lang="en-US"/>
               <a:t>Third level</a:t>
             </a:r>
           </a:p>
           <a:p>
             <a:pPr lvl="3"/>
             <a:r>
-              <a:rPr lang="en-US" smtClean="0"/>
+              <a:rPr lang="en-US"/>
               <a:t>Fourth level</a:t>
             </a:r>
           </a:p>
           <a:p>
             <a:pPr lvl="4"/>
             <a:r>
-              <a:rPr lang="en-US" smtClean="0"/>
+              <a:rPr lang="en-US"/>
               <a:t>Fifth level</a:t>
             </a:r>
             <a:endParaRPr lang="en-US" dirty="0"/>
@@ -5335,7 +5322,7 @@
           </a:lstStyle>
           <a:p>
             <a:r>
-              <a:rPr lang="en-US" smtClean="0"/>
+              <a:rPr lang="en-US"/>
               <a:t>Click to edit Master title style</a:t>
             </a:r>
             <a:endParaRPr lang="en-US" dirty="0"/>
@@ -5403,7 +5390,7 @@
           <a:p>
             <a:pPr lvl="0"/>
             <a:r>
-              <a:rPr lang="en-US" smtClean="0"/>
+              <a:rPr lang="en-US"/>
               <a:t>Edit Master text styles</a:t>
             </a:r>
           </a:p>
@@ -5433,35 +5420,35 @@
           <a:p>
             <a:pPr lvl="0"/>
             <a:r>
-              <a:rPr lang="en-US" smtClean="0"/>
+              <a:rPr lang="en-US"/>
               <a:t>Edit Master text styles</a:t>
             </a:r>
           </a:p>
           <a:p>
             <a:pPr lvl="1"/>
             <a:r>
-              <a:rPr lang="en-US" smtClean="0"/>
+              <a:rPr lang="en-US"/>
               <a:t>Second level</a:t>
             </a:r>
           </a:p>
           <a:p>
             <a:pPr lvl="2"/>
             <a:r>
-              <a:rPr lang="en-US" smtClean="0"/>
+              <a:rPr lang="en-US"/>
               <a:t>Third level</a:t>
             </a:r>
           </a:p>
           <a:p>
             <a:pPr lvl="3"/>
             <a:r>
-              <a:rPr lang="en-US" smtClean="0"/>
+              <a:rPr lang="en-US"/>
               <a:t>Fourth level</a:t>
             </a:r>
           </a:p>
           <a:p>
             <a:pPr lvl="4"/>
             <a:r>
-              <a:rPr lang="en-US" smtClean="0"/>
+              <a:rPr lang="en-US"/>
               <a:t>Fifth level</a:t>
             </a:r>
             <a:endParaRPr lang="en-US" dirty="0"/>
@@ -5529,7 +5516,7 @@
           <a:p>
             <a:pPr lvl="0"/>
             <a:r>
-              <a:rPr lang="en-US" smtClean="0"/>
+              <a:rPr lang="en-US"/>
               <a:t>Edit Master text styles</a:t>
             </a:r>
           </a:p>
@@ -5559,35 +5546,35 @@
           <a:p>
             <a:pPr lvl="0"/>
             <a:r>
-              <a:rPr lang="en-US" smtClean="0"/>
+              <a:rPr lang="en-US"/>
               <a:t>Edit Master text styles</a:t>
             </a:r>
           </a:p>
           <a:p>
             <a:pPr lvl="1"/>
             <a:r>
-              <a:rPr lang="en-US" smtClean="0"/>
+              <a:rPr lang="en-US"/>
               <a:t>Second level</a:t>
             </a:r>
           </a:p>
           <a:p>
             <a:pPr lvl="2"/>
             <a:r>
-              <a:rPr lang="en-US" smtClean="0"/>
+              <a:rPr lang="en-US"/>
               <a:t>Third level</a:t>
             </a:r>
           </a:p>
           <a:p>
             <a:pPr lvl="3"/>
             <a:r>
-              <a:rPr lang="en-US" smtClean="0"/>
+              <a:rPr lang="en-US"/>
               <a:t>Fourth level</a:t>
             </a:r>
           </a:p>
           <a:p>
             <a:pPr lvl="4"/>
             <a:r>
-              <a:rPr lang="en-US" smtClean="0"/>
+              <a:rPr lang="en-US"/>
               <a:t>Fifth level</a:t>
             </a:r>
             <a:endParaRPr lang="en-US" dirty="0"/>
@@ -5712,7 +5699,7 @@
           <a:lstStyle/>
           <a:p>
             <a:r>
-              <a:rPr lang="en-US" smtClean="0"/>
+              <a:rPr lang="en-US"/>
               <a:t>Click to edit Master title style</a:t>
             </a:r>
             <a:endParaRPr lang="en-US" dirty="0"/>
@@ -5940,7 +5927,7 @@
           </a:lstStyle>
           <a:p>
             <a:r>
-              <a:rPr lang="en-US" smtClean="0"/>
+              <a:rPr lang="en-US"/>
               <a:t>Click to edit Master title style</a:t>
             </a:r>
             <a:endParaRPr lang="en-US" dirty="0"/>
@@ -5971,35 +5958,35 @@
           <a:p>
             <a:pPr lvl="0"/>
             <a:r>
-              <a:rPr lang="en-US" smtClean="0"/>
+              <a:rPr lang="en-US"/>
               <a:t>Edit Master text styles</a:t>
             </a:r>
           </a:p>
           <a:p>
             <a:pPr lvl="1"/>
             <a:r>
-              <a:rPr lang="en-US" smtClean="0"/>
+              <a:rPr lang="en-US"/>
               <a:t>Second level</a:t>
             </a:r>
           </a:p>
           <a:p>
             <a:pPr lvl="2"/>
             <a:r>
-              <a:rPr lang="en-US" smtClean="0"/>
+              <a:rPr lang="en-US"/>
               <a:t>Third level</a:t>
             </a:r>
           </a:p>
           <a:p>
             <a:pPr lvl="3"/>
             <a:r>
-              <a:rPr lang="en-US" smtClean="0"/>
+              <a:rPr lang="en-US"/>
               <a:t>Fourth level</a:t>
             </a:r>
           </a:p>
           <a:p>
             <a:pPr lvl="4"/>
             <a:r>
-              <a:rPr lang="en-US" smtClean="0"/>
+              <a:rPr lang="en-US"/>
               <a:t>Fifth level</a:t>
             </a:r>
             <a:endParaRPr lang="en-US" dirty="0"/>
@@ -6067,7 +6054,7 @@
           <a:p>
             <a:pPr lvl="0"/>
             <a:r>
-              <a:rPr lang="en-US" smtClean="0"/>
+              <a:rPr lang="en-US"/>
               <a:t>Edit Master text styles</a:t>
             </a:r>
           </a:p>
@@ -6197,7 +6184,7 @@
           </a:lstStyle>
           <a:p>
             <a:r>
-              <a:rPr lang="en-US" smtClean="0"/>
+              <a:rPr lang="en-US"/>
               <a:t>Click to edit Master title style</a:t>
             </a:r>
             <a:endParaRPr lang="en-US" dirty="0"/>
@@ -6264,7 +6251,7 @@
           </a:lstStyle>
           <a:p>
             <a:r>
-              <a:rPr lang="en-US" smtClean="0"/>
+              <a:rPr lang="en-US"/>
               <a:t>Click icon to add picture</a:t>
             </a:r>
             <a:endParaRPr lang="en-US" dirty="0"/>
@@ -6332,7 +6319,7 @@
           <a:p>
             <a:pPr lvl="0"/>
             <a:r>
-              <a:rPr lang="en-US" smtClean="0"/>
+              <a:rPr lang="en-US"/>
               <a:t>Edit Master text styles</a:t>
             </a:r>
           </a:p>
@@ -7067,7 +7054,7 @@
           <a:lstStyle/>
           <a:p>
             <a:r>
-              <a:rPr lang="en-US" smtClean="0"/>
+              <a:rPr lang="en-US"/>
               <a:t>Click to edit Master title style</a:t>
             </a:r>
             <a:endParaRPr lang="en-US" dirty="0"/>
@@ -7101,35 +7088,35 @@
           <a:p>
             <a:pPr lvl="0"/>
             <a:r>
-              <a:rPr lang="en-US" smtClean="0"/>
+              <a:rPr lang="en-US"/>
               <a:t>Edit Master text styles</a:t>
             </a:r>
           </a:p>
           <a:p>
             <a:pPr lvl="1"/>
             <a:r>
-              <a:rPr lang="en-US" smtClean="0"/>
+              <a:rPr lang="en-US"/>
               <a:t>Second level</a:t>
             </a:r>
           </a:p>
           <a:p>
             <a:pPr lvl="2"/>
             <a:r>
-              <a:rPr lang="en-US" smtClean="0"/>
+              <a:rPr lang="en-US"/>
               <a:t>Third level</a:t>
             </a:r>
           </a:p>
           <a:p>
             <a:pPr lvl="3"/>
             <a:r>
-              <a:rPr lang="en-US" smtClean="0"/>
+              <a:rPr lang="en-US"/>
               <a:t>Fourth level</a:t>
             </a:r>
           </a:p>
           <a:p>
             <a:pPr lvl="4"/>
             <a:r>
-              <a:rPr lang="en-US" smtClean="0"/>
+              <a:rPr lang="en-US"/>
               <a:t>Fifth level</a:t>
             </a:r>
             <a:endParaRPr lang="en-US" dirty="0"/>
@@ -7318,7 +7305,7 @@
               <a:defRPr/>
             </a:pPr>
             <a:r>
-              <a:rPr lang="en-CA" sz="1400" i="1" dirty="0" smtClean="0">
+              <a:rPr lang="en-CA" sz="1400" i="1" dirty="0">
                 <a:solidFill>
                   <a:schemeClr val="accent2">
                     <a:lumMod val="50000"/>
@@ -7328,18 +7315,8 @@
               </a:rPr>
               <a:t>– Software Project Concepts –</a:t>
             </a:r>
-            <a:r>
-              <a:rPr lang="en-CA" sz="2800" i="1" dirty="0" smtClean="0">
-                <a:solidFill>
-                  <a:schemeClr val="accent2">
-                    <a:lumMod val="50000"/>
-                  </a:schemeClr>
-                </a:solidFill>
-              </a:rPr>
-              <a:t/>
-            </a:r>
             <a:br>
-              <a:rPr lang="en-CA" sz="2800" i="1" dirty="0" smtClean="0">
+              <a:rPr lang="en-CA" sz="2800" i="1" dirty="0">
                 <a:solidFill>
                   <a:schemeClr val="accent2">
                     <a:lumMod val="50000"/>
@@ -7348,7 +7325,7 @@
               </a:rPr>
             </a:br>
             <a:r>
-              <a:rPr lang="en-CA" sz="2000" dirty="0" smtClean="0">
+              <a:rPr lang="en-CA" sz="2000" dirty="0">
                 <a:solidFill>
                   <a:schemeClr val="accent2">
                     <a:lumMod val="50000"/>
@@ -7825,29 +7802,25 @@
           <a:p>
             <a:pPr eaLnBrk="1" hangingPunct="1"/>
             <a:r>
-              <a:rPr lang="en-US" dirty="0" smtClean="0"/>
+              <a:rPr lang="en-US" dirty="0"/>
               <a:t>PROJ 216</a:t>
             </a:r>
-            <a:r>
-              <a:rPr lang="en-US" b="0" dirty="0" smtClean="0"/>
-              <a:t/>
-            </a:r>
             <a:br>
-              <a:rPr lang="en-US" b="0" dirty="0" smtClean="0"/>
+              <a:rPr lang="en-US" b="0" dirty="0"/>
             </a:br>
             <a:r>
-              <a:rPr lang="en-US" dirty="0" smtClean="0"/>
+              <a:rPr lang="en-US" dirty="0"/>
               <a:t>Software Project Concepts</a:t>
             </a:r>
           </a:p>
           <a:p>
             <a:pPr eaLnBrk="1" hangingPunct="1"/>
-            <a:endParaRPr lang="en-US" dirty="0" smtClean="0"/>
+            <a:endParaRPr lang="en-US" dirty="0"/>
           </a:p>
           <a:p>
             <a:pPr eaLnBrk="1" hangingPunct="1"/>
             <a:r>
-              <a:rPr lang="en-CA" dirty="0" smtClean="0"/>
+              <a:rPr lang="en-CA" dirty="0"/>
               <a:t>Day 4</a:t>
             </a:r>
           </a:p>
@@ -7858,13 +7831,6 @@
   <p:clrMapOvr>
     <a:masterClrMapping/>
   </p:clrMapOvr>
-  <p:timing>
-    <p:tnLst>
-      <p:par>
-        <p:cTn id="1" dur="indefinite" restart="never" nodeType="tmRoot"/>
-      </p:par>
-    </p:tnLst>
-  </p:timing>
 </p:sld>
 </file>
 
@@ -7906,7 +7872,7 @@
           <a:lstStyle/>
           <a:p>
             <a:r>
-              <a:rPr lang="en-CA" dirty="0" smtClean="0"/>
+              <a:rPr lang="en-CA" dirty="0"/>
               <a:t>Data Hiding</a:t>
             </a:r>
           </a:p>
@@ -7936,7 +7902,7 @@
               <a:defRPr/>
             </a:pPr>
             <a:r>
-              <a:rPr lang="en-CA" dirty="0" smtClean="0"/>
+              <a:rPr lang="en-CA" dirty="0"/>
               <a:t>Typically:</a:t>
             </a:r>
           </a:p>
@@ -7945,7 +7911,7 @@
               <a:defRPr/>
             </a:pPr>
             <a:r>
-              <a:rPr lang="en-CA" dirty="0" smtClean="0"/>
+              <a:rPr lang="en-CA" dirty="0"/>
               <a:t>Attributes (properties) are private</a:t>
             </a:r>
           </a:p>
@@ -7954,7 +7920,7 @@
               <a:defRPr/>
             </a:pPr>
             <a:r>
-              <a:rPr lang="en-CA" dirty="0" smtClean="0"/>
+              <a:rPr lang="en-CA" dirty="0"/>
               <a:t>Operations (methods) are public</a:t>
             </a:r>
           </a:p>
@@ -7966,7 +7932,7 @@
               <a:defRPr/>
             </a:pPr>
             <a:r>
-              <a:rPr lang="en-US" b="1" dirty="0" smtClean="0">
+              <a:rPr lang="en-US" b="1" dirty="0">
                 <a:solidFill>
                   <a:srgbClr val="002060"/>
                 </a:solidFill>
@@ -7978,34 +7944,6 @@
             <a:pPr lvl="1">
               <a:defRPr/>
             </a:pPr>
-            <a:endParaRPr lang="en-CA" b="1" dirty="0" smtClean="0">
-              <a:solidFill>
-                <a:schemeClr val="accent4">
-                  <a:lumMod val="75000"/>
-                </a:schemeClr>
-              </a:solidFill>
-            </a:endParaRPr>
-          </a:p>
-          <a:p>
-            <a:pPr>
-              <a:defRPr/>
-            </a:pPr>
-            <a:r>
-              <a:rPr lang="en-CA" dirty="0" smtClean="0"/>
-              <a:t>This is called </a:t>
-            </a:r>
-            <a:r>
-              <a:rPr lang="en-CA" b="1" dirty="0" smtClean="0"/>
-              <a:t>Data Hiding</a:t>
-            </a:r>
-            <a:r>
-              <a:rPr lang="en-CA" dirty="0" smtClean="0"/>
-              <a:t>, or </a:t>
-            </a:r>
-            <a:r>
-              <a:rPr lang="en-CA" b="1" dirty="0" smtClean="0"/>
-              <a:t>Encapsulation</a:t>
-            </a:r>
             <a:endParaRPr lang="en-CA" b="1" dirty="0">
               <a:solidFill>
                 <a:schemeClr val="accent4">
@@ -8014,6 +7952,34 @@
               </a:solidFill>
             </a:endParaRPr>
           </a:p>
+          <a:p>
+            <a:pPr>
+              <a:defRPr/>
+            </a:pPr>
+            <a:r>
+              <a:rPr lang="en-CA" dirty="0"/>
+              <a:t>This is called </a:t>
+            </a:r>
+            <a:r>
+              <a:rPr lang="en-CA" b="1" dirty="0"/>
+              <a:t>Data Hiding</a:t>
+            </a:r>
+            <a:r>
+              <a:rPr lang="en-CA" dirty="0"/>
+              <a:t>, or </a:t>
+            </a:r>
+            <a:r>
+              <a:rPr lang="en-CA" b="1" dirty="0"/>
+              <a:t>Encapsulation</a:t>
+            </a:r>
+            <a:endParaRPr lang="en-CA" b="1" dirty="0">
+              <a:solidFill>
+                <a:schemeClr val="accent4">
+                  <a:lumMod val="75000"/>
+                </a:schemeClr>
+              </a:solidFill>
+            </a:endParaRPr>
+          </a:p>
         </p:txBody>
       </p:sp>
     </p:spTree>
@@ -8021,13 +7987,6 @@
   <p:clrMapOvr>
     <a:masterClrMapping/>
   </p:clrMapOvr>
-  <p:timing>
-    <p:tnLst>
-      <p:par>
-        <p:cTn id="1" dur="indefinite" restart="never" nodeType="tmRoot"/>
-      </p:par>
-    </p:tnLst>
-  </p:timing>
 </p:sld>
 </file>
 
@@ -8069,7 +8028,7 @@
           <a:lstStyle/>
           <a:p>
             <a:r>
-              <a:rPr lang="en-US" dirty="0" smtClean="0"/>
+              <a:rPr lang="en-US" dirty="0"/>
               <a:t>Group Exercise</a:t>
             </a:r>
           </a:p>
@@ -8101,7 +8060,7 @@
               </a:lnSpc>
             </a:pPr>
             <a:r>
-              <a:rPr lang="en-US" dirty="0" smtClean="0"/>
+              <a:rPr lang="en-US" dirty="0"/>
               <a:t>In your workshop groups, work with the 4 or 5 classes that you identified in the Travel Experts scenario</a:t>
             </a:r>
           </a:p>
@@ -8111,7 +8070,7 @@
                 <a:spcPct val="80000"/>
               </a:lnSpc>
             </a:pPr>
-            <a:endParaRPr lang="en-US" dirty="0" smtClean="0"/>
+            <a:endParaRPr lang="en-US" dirty="0"/>
           </a:p>
           <a:p>
             <a:pPr lvl="1" defTabSz="1065213">
@@ -8120,23 +8079,23 @@
               </a:lnSpc>
             </a:pPr>
             <a:r>
-              <a:rPr lang="en-US" dirty="0" smtClean="0"/>
+              <a:rPr lang="en-US" dirty="0"/>
               <a:t>For each class, list its </a:t>
             </a:r>
             <a:r>
-              <a:rPr lang="en-US" b="1" dirty="0" smtClean="0"/>
+              <a:rPr lang="en-US" b="1" dirty="0"/>
               <a:t>properties</a:t>
             </a:r>
             <a:r>
-              <a:rPr lang="en-US" dirty="0" smtClean="0"/>
+              <a:rPr lang="en-US" dirty="0"/>
               <a:t> and </a:t>
             </a:r>
             <a:r>
-              <a:rPr lang="en-US" b="1" dirty="0" smtClean="0"/>
+              <a:rPr lang="en-US" b="1" dirty="0"/>
               <a:t>operations</a:t>
             </a:r>
             <a:r>
-              <a:rPr lang="en-US" dirty="0" smtClean="0"/>
+              <a:rPr lang="en-US" dirty="0"/>
               <a:t> (the things you need to do to it or with it)</a:t>
             </a:r>
           </a:p>
@@ -8146,7 +8105,7 @@
                 <a:spcPct val="80000"/>
               </a:lnSpc>
             </a:pPr>
-            <a:endParaRPr lang="en-US" dirty="0" smtClean="0"/>
+            <a:endParaRPr lang="en-US" dirty="0"/>
           </a:p>
           <a:p>
             <a:pPr lvl="1" defTabSz="1065213">
@@ -8155,7 +8114,7 @@
               </a:lnSpc>
             </a:pPr>
             <a:r>
-              <a:rPr lang="en-US" dirty="0" smtClean="0"/>
+              <a:rPr lang="en-US" dirty="0"/>
               <a:t>After about 15 minutes we will compare your group findings with the other groups and discuss</a:t>
             </a:r>
           </a:p>
@@ -8166,13 +8125,6 @@
   <p:clrMapOvr>
     <a:masterClrMapping/>
   </p:clrMapOvr>
-  <p:timing>
-    <p:tnLst>
-      <p:par>
-        <p:cTn id="1" dur="indefinite" restart="never" nodeType="tmRoot"/>
-      </p:par>
-    </p:tnLst>
-  </p:timing>
 </p:sld>
 </file>
 
@@ -8214,7 +8166,7 @@
           <a:lstStyle/>
           <a:p>
             <a:r>
-              <a:rPr lang="en-US" dirty="0" smtClean="0"/>
+              <a:rPr lang="en-US" dirty="0"/>
               <a:t>Class Relationships</a:t>
             </a:r>
           </a:p>
@@ -8248,7 +8200,7 @@
               </a:lnSpc>
             </a:pPr>
             <a:r>
-              <a:rPr lang="en-US" dirty="0" smtClean="0"/>
+              <a:rPr lang="en-US" dirty="0"/>
               <a:t>System’s behaviour is accomplished by collaboration of objects</a:t>
             </a:r>
           </a:p>
@@ -8259,46 +8211,8 @@
               </a:lnSpc>
             </a:pPr>
             <a:r>
-              <a:rPr lang="en-US" dirty="0" smtClean="0"/>
+              <a:rPr lang="en-US" dirty="0"/>
               <a:t>Objects collaborate by calling methods, passing parameters, and receiving returned values</a:t>
-            </a:r>
-          </a:p>
-          <a:p>
-            <a:pPr defTabSz="1065213">
-              <a:lnSpc>
-                <a:spcPct val="80000"/>
-              </a:lnSpc>
-            </a:pPr>
-            <a:endParaRPr lang="en-US" dirty="0" smtClean="0"/>
-          </a:p>
-          <a:p>
-            <a:pPr defTabSz="1065213">
-              <a:lnSpc>
-                <a:spcPct val="80000"/>
-              </a:lnSpc>
-            </a:pPr>
-            <a:r>
-              <a:rPr lang="en-US" dirty="0" smtClean="0"/>
-              <a:t>An </a:t>
-            </a:r>
-            <a:r>
-              <a:rPr lang="en-US" b="1" dirty="0" smtClean="0"/>
-              <a:t>Association</a:t>
-            </a:r>
-            <a:r>
-              <a:rPr lang="en-US" dirty="0" smtClean="0"/>
-              <a:t> between classes means that an object uses data or methods in another object</a:t>
-            </a:r>
-          </a:p>
-          <a:p>
-            <a:pPr defTabSz="1065213">
-              <a:lnSpc>
-                <a:spcPct val="80000"/>
-              </a:lnSpc>
-            </a:pPr>
-            <a:r>
-              <a:rPr lang="en-US" dirty="0" smtClean="0"/>
-              <a:t>Example: car and passenger</a:t>
             </a:r>
           </a:p>
           <a:p>
@@ -8316,7 +8230,45 @@
               </a:lnSpc>
             </a:pPr>
             <a:r>
-              <a:rPr lang="en-US" b="1" dirty="0" smtClean="0">
+              <a:rPr lang="en-US" dirty="0"/>
+              <a:t>An </a:t>
+            </a:r>
+            <a:r>
+              <a:rPr lang="en-US" b="1" dirty="0"/>
+              <a:t>Association</a:t>
+            </a:r>
+            <a:r>
+              <a:rPr lang="en-US" dirty="0"/>
+              <a:t> between classes means that an object uses data or methods in another object</a:t>
+            </a:r>
+          </a:p>
+          <a:p>
+            <a:pPr defTabSz="1065213">
+              <a:lnSpc>
+                <a:spcPct val="80000"/>
+              </a:lnSpc>
+            </a:pPr>
+            <a:r>
+              <a:rPr lang="en-US" dirty="0"/>
+              <a:t>Example: car and passenger</a:t>
+            </a:r>
+          </a:p>
+          <a:p>
+            <a:pPr defTabSz="1065213">
+              <a:lnSpc>
+                <a:spcPct val="80000"/>
+              </a:lnSpc>
+            </a:pPr>
+            <a:endParaRPr lang="en-US" dirty="0"/>
+          </a:p>
+          <a:p>
+            <a:pPr defTabSz="1065213">
+              <a:lnSpc>
+                <a:spcPct val="80000"/>
+              </a:lnSpc>
+            </a:pPr>
+            <a:r>
+              <a:rPr lang="en-US" b="1" dirty="0">
                 <a:solidFill>
                   <a:srgbClr val="7030A0"/>
                 </a:solidFill>
@@ -8331,13 +8283,6 @@
   <p:clrMapOvr>
     <a:masterClrMapping/>
   </p:clrMapOvr>
-  <p:timing>
-    <p:tnLst>
-      <p:par>
-        <p:cTn id="1" dur="indefinite" restart="never" nodeType="tmRoot"/>
-      </p:par>
-    </p:tnLst>
-  </p:timing>
 </p:sld>
 </file>
 
@@ -8379,10 +8324,10 @@
           <a:lstStyle/>
           <a:p>
             <a:r>
-              <a:rPr lang="en-US" dirty="0" smtClean="0"/>
+              <a:rPr lang="en-US" dirty="0"/>
               <a:t>Class Relationships</a:t>
             </a:r>
-            <a:endParaRPr lang="en-CA" dirty="0" smtClean="0"/>
+            <a:endParaRPr lang="en-CA" dirty="0"/>
           </a:p>
         </p:txBody>
       </p:sp>
@@ -8407,54 +8352,54 @@
           <a:lstStyle/>
           <a:p>
             <a:r>
-              <a:rPr lang="en-CA" dirty="0" smtClean="0"/>
+              <a:rPr lang="en-CA" dirty="0"/>
               <a:t>Association is the most common type of relationship between classes</a:t>
             </a:r>
           </a:p>
           <a:p>
             <a:r>
-              <a:rPr lang="en-CA" dirty="0" smtClean="0"/>
+              <a:rPr lang="en-CA" dirty="0"/>
               <a:t>Other types of relationships</a:t>
             </a:r>
           </a:p>
           <a:p>
             <a:pPr lvl="1"/>
             <a:r>
-              <a:rPr lang="en-CA" b="1" dirty="0" smtClean="0"/>
+              <a:rPr lang="en-CA" b="1" dirty="0"/>
               <a:t>Aggregation</a:t>
             </a:r>
             <a:r>
-              <a:rPr lang="en-CA" dirty="0" smtClean="0"/>
+              <a:rPr lang="en-CA" dirty="0"/>
               <a:t>: one object is a part of another object</a:t>
             </a:r>
           </a:p>
           <a:p>
             <a:pPr lvl="2"/>
             <a:r>
-              <a:rPr lang="en-CA" dirty="0" smtClean="0"/>
+              <a:rPr lang="en-CA" dirty="0"/>
               <a:t>``has a``</a:t>
             </a:r>
           </a:p>
           <a:p>
             <a:pPr lvl="1"/>
             <a:r>
-              <a:rPr lang="en-CA" b="1" dirty="0" smtClean="0"/>
+              <a:rPr lang="en-CA" b="1" dirty="0"/>
               <a:t>Generalization</a:t>
             </a:r>
             <a:r>
-              <a:rPr lang="en-CA" dirty="0" smtClean="0"/>
+              <a:rPr lang="en-CA" dirty="0"/>
               <a:t>: one class is a special case of another class</a:t>
             </a:r>
           </a:p>
           <a:p>
             <a:pPr lvl="2"/>
             <a:r>
-              <a:rPr lang="en-CA" dirty="0" smtClean="0"/>
+              <a:rPr lang="en-CA" dirty="0"/>
               <a:t>``is a``</a:t>
             </a:r>
           </a:p>
           <a:p>
-            <a:endParaRPr lang="en-CA" dirty="0" smtClean="0"/>
+            <a:endParaRPr lang="en-CA" dirty="0"/>
           </a:p>
         </p:txBody>
       </p:sp>
@@ -8463,13 +8408,6 @@
   <p:clrMapOvr>
     <a:masterClrMapping/>
   </p:clrMapOvr>
-  <p:timing>
-    <p:tnLst>
-      <p:par>
-        <p:cTn id="1" dur="indefinite" restart="never" nodeType="tmRoot"/>
-      </p:par>
-    </p:tnLst>
-  </p:timing>
 </p:sld>
 </file>
 
@@ -8511,7 +8449,7 @@
           <a:lstStyle/>
           <a:p>
             <a:r>
-              <a:rPr lang="en-US" dirty="0" smtClean="0"/>
+              <a:rPr lang="en-US" dirty="0"/>
               <a:t>Types of Relationships</a:t>
             </a:r>
           </a:p>
@@ -8543,7 +8481,7 @@
               </a:lnSpc>
             </a:pPr>
             <a:r>
-              <a:rPr lang="en-US" b="1" dirty="0" smtClean="0"/>
+              <a:rPr lang="en-US" b="1" dirty="0"/>
               <a:t>Aggregation</a:t>
             </a:r>
           </a:p>
@@ -8554,7 +8492,7 @@
               </a:lnSpc>
             </a:pPr>
             <a:r>
-              <a:rPr lang="en-US" dirty="0" smtClean="0"/>
+              <a:rPr lang="en-US" dirty="0"/>
               <a:t>Whole/part relationship</a:t>
             </a:r>
           </a:p>
@@ -8565,7 +8503,7 @@
               </a:lnSpc>
             </a:pPr>
             <a:r>
-              <a:rPr lang="en-US" dirty="0" smtClean="0"/>
+              <a:rPr lang="en-US" dirty="0"/>
               <a:t>Container and contents</a:t>
             </a:r>
           </a:p>
@@ -8576,7 +8514,7 @@
               </a:lnSpc>
             </a:pPr>
             <a:r>
-              <a:rPr lang="en-US" dirty="0" smtClean="0"/>
+              <a:rPr lang="en-US" dirty="0"/>
               <a:t>Can navigate from whole to its parts</a:t>
             </a:r>
           </a:p>
@@ -8587,7 +8525,7 @@
               </a:lnSpc>
             </a:pPr>
             <a:r>
-              <a:rPr lang="en-US" dirty="0" smtClean="0"/>
+              <a:rPr lang="en-US" dirty="0"/>
               <a:t>Example: JavaScript – document, form and elements</a:t>
             </a:r>
           </a:p>
@@ -9012,13 +8950,6 @@
   <p:clrMapOvr>
     <a:masterClrMapping/>
   </p:clrMapOvr>
-  <p:timing>
-    <p:tnLst>
-      <p:par>
-        <p:cTn id="1" dur="indefinite" restart="never" nodeType="tmRoot"/>
-      </p:par>
-    </p:tnLst>
-  </p:timing>
 </p:sld>
 </file>
 
@@ -9060,10 +8991,10 @@
           <a:lstStyle/>
           <a:p>
             <a:r>
-              <a:rPr lang="en-US" dirty="0" smtClean="0"/>
+              <a:rPr lang="en-US" dirty="0"/>
               <a:t>Types of Relationships</a:t>
             </a:r>
-            <a:endParaRPr lang="en-CA" dirty="0" smtClean="0"/>
+            <a:endParaRPr lang="en-CA" dirty="0"/>
           </a:p>
         </p:txBody>
       </p:sp>
@@ -9088,7 +9019,7 @@
           <a:lstStyle/>
           <a:p>
             <a:r>
-              <a:rPr lang="en-CA" b="1" dirty="0" smtClean="0"/>
+              <a:rPr lang="en-CA" b="1" dirty="0"/>
               <a:t>Generalization</a:t>
             </a:r>
           </a:p>
@@ -9099,7 +9030,7 @@
               </a:lnSpc>
             </a:pPr>
             <a:r>
-              <a:rPr lang="en-US" dirty="0" smtClean="0"/>
+              <a:rPr lang="en-US" dirty="0"/>
               <a:t>More general/more specific relationship</a:t>
             </a:r>
           </a:p>
@@ -9110,7 +9041,7 @@
               </a:lnSpc>
             </a:pPr>
             <a:r>
-              <a:rPr lang="en-US" dirty="0" smtClean="0"/>
+              <a:rPr lang="en-US" dirty="0"/>
               <a:t>Inheritance</a:t>
             </a:r>
           </a:p>
@@ -9121,15 +9052,15 @@
               </a:lnSpc>
             </a:pPr>
             <a:r>
-              <a:rPr lang="en-US" dirty="0" smtClean="0"/>
+              <a:rPr lang="en-US" dirty="0"/>
               <a:t>More specific class </a:t>
             </a:r>
             <a:r>
-              <a:rPr lang="en-US" b="1" dirty="0" smtClean="0"/>
+              <a:rPr lang="en-US" b="1" dirty="0"/>
               <a:t>inherits</a:t>
             </a:r>
             <a:r>
-              <a:rPr lang="en-US" dirty="0" smtClean="0"/>
+              <a:rPr lang="en-US" dirty="0"/>
               <a:t> properties and operations of the more general class</a:t>
             </a:r>
           </a:p>
@@ -9140,20 +9071,20 @@
               </a:lnSpc>
             </a:pPr>
             <a:r>
-              <a:rPr lang="en-US" dirty="0" smtClean="0"/>
+              <a:rPr lang="en-US" dirty="0"/>
               <a:t>More specific class </a:t>
             </a:r>
             <a:r>
-              <a:rPr lang="en-US" b="1" dirty="0" smtClean="0"/>
+              <a:rPr lang="en-US" b="1" dirty="0"/>
               <a:t>extends</a:t>
             </a:r>
             <a:r>
-              <a:rPr lang="en-US" dirty="0" smtClean="0"/>
+              <a:rPr lang="en-US" dirty="0"/>
               <a:t> more general class</a:t>
             </a:r>
           </a:p>
           <a:p>
-            <a:endParaRPr lang="en-CA" dirty="0" smtClean="0"/>
+            <a:endParaRPr lang="en-CA" dirty="0"/>
           </a:p>
         </p:txBody>
       </p:sp>
@@ -9162,13 +9093,6 @@
   <p:clrMapOvr>
     <a:masterClrMapping/>
   </p:clrMapOvr>
-  <p:timing>
-    <p:tnLst>
-      <p:par>
-        <p:cTn id="1" dur="indefinite" restart="never" nodeType="tmRoot"/>
-      </p:par>
-    </p:tnLst>
-  </p:timing>
 </p:sld>
 </file>
 
@@ -9210,10 +9134,10 @@
           <a:lstStyle/>
           <a:p>
             <a:r>
-              <a:rPr lang="en-US" dirty="0" smtClean="0"/>
+              <a:rPr lang="en-US" dirty="0"/>
               <a:t>Generalization</a:t>
             </a:r>
-            <a:endParaRPr lang="en-CA" dirty="0" smtClean="0"/>
+            <a:endParaRPr lang="en-CA" dirty="0"/>
           </a:p>
         </p:txBody>
       </p:sp>
@@ -9657,13 +9581,6 @@
   <p:clrMapOvr>
     <a:masterClrMapping/>
   </p:clrMapOvr>
-  <p:timing>
-    <p:tnLst>
-      <p:par>
-        <p:cTn id="1" dur="indefinite" restart="never" nodeType="tmRoot"/>
-      </p:par>
-    </p:tnLst>
-  </p:timing>
 </p:sld>
 </file>
 
@@ -9705,7 +9622,7 @@
           <a:lstStyle/>
           <a:p>
             <a:r>
-              <a:rPr lang="en-CA" dirty="0" smtClean="0"/>
+              <a:rPr lang="en-CA" dirty="0"/>
               <a:t>Class Exercise</a:t>
             </a:r>
           </a:p>
@@ -9732,7 +9649,7 @@
           <a:lstStyle/>
           <a:p>
             <a:r>
-              <a:rPr lang="en-CA" b="1" dirty="0" smtClean="0">
+              <a:rPr lang="en-CA" b="1" dirty="0">
                 <a:solidFill>
                   <a:srgbClr val="0070C0"/>
                 </a:solidFill>
@@ -9740,41 +9657,41 @@
               <a:t>(10 minutes) </a:t>
             </a:r>
             <a:r>
-              <a:rPr lang="en-CA" dirty="0" smtClean="0"/>
+              <a:rPr lang="en-CA" dirty="0"/>
               <a:t>In the Travel Agency project, are any of the classes you’ve chosen related by:</a:t>
             </a:r>
           </a:p>
           <a:p>
             <a:pPr lvl="1"/>
             <a:r>
-              <a:rPr lang="en-CA" dirty="0" smtClean="0"/>
+              <a:rPr lang="en-CA" dirty="0"/>
               <a:t>Association?</a:t>
             </a:r>
           </a:p>
           <a:p>
             <a:pPr lvl="1"/>
             <a:r>
-              <a:rPr lang="en-CA" dirty="0" smtClean="0"/>
+              <a:rPr lang="en-CA" dirty="0"/>
               <a:t>Aggregation?</a:t>
             </a:r>
           </a:p>
           <a:p>
             <a:pPr lvl="1"/>
             <a:r>
-              <a:rPr lang="en-CA" dirty="0" smtClean="0"/>
+              <a:rPr lang="en-CA" dirty="0"/>
               <a:t>Generalization?</a:t>
             </a:r>
           </a:p>
           <a:p>
             <a:r>
-              <a:rPr lang="en-US" dirty="0" smtClean="0">
+              <a:rPr lang="en-US" dirty="0">
                 <a:solidFill>
                   <a:srgbClr val="002060"/>
                 </a:solidFill>
               </a:rPr>
               <a:t>Compare the findings with other groups</a:t>
             </a:r>
-            <a:endParaRPr lang="en-CA" dirty="0" smtClean="0">
+            <a:endParaRPr lang="en-CA" dirty="0">
               <a:solidFill>
                 <a:srgbClr val="002060"/>
               </a:solidFill>
@@ -9787,13 +9704,6 @@
   <p:clrMapOvr>
     <a:masterClrMapping/>
   </p:clrMapOvr>
-  <p:timing>
-    <p:tnLst>
-      <p:par>
-        <p:cTn id="1" dur="indefinite" restart="never" nodeType="tmRoot"/>
-      </p:par>
-    </p:tnLst>
-  </p:timing>
 </p:sld>
 </file>
 
@@ -9836,21 +9746,17 @@
           <a:p>
             <a:pPr algn="ctr"/>
             <a:r>
-              <a:rPr lang="en-US" dirty="0" smtClean="0"/>
+              <a:rPr lang="en-US" dirty="0"/>
               <a:t>Unified Modeling Language</a:t>
             </a:r>
             <a:br>
-              <a:rPr lang="en-US" dirty="0" smtClean="0"/>
+              <a:rPr lang="en-US" dirty="0"/>
             </a:br>
-            <a:r>
-              <a:rPr lang="en-US" dirty="0" smtClean="0"/>
-              <a:t/>
-            </a:r>
             <a:br>
-              <a:rPr lang="en-US" dirty="0" smtClean="0"/>
+              <a:rPr lang="en-US" dirty="0"/>
             </a:br>
             <a:r>
-              <a:rPr lang="en-US" dirty="0" smtClean="0"/>
+              <a:rPr lang="en-US" dirty="0"/>
               <a:t>(UML)</a:t>
             </a:r>
           </a:p>
@@ -9861,13 +9767,6 @@
   <p:clrMapOvr>
     <a:masterClrMapping/>
   </p:clrMapOvr>
-  <p:timing>
-    <p:tnLst>
-      <p:par>
-        <p:cTn id="1" dur="indefinite" restart="never" nodeType="tmRoot"/>
-      </p:par>
-    </p:tnLst>
-  </p:timing>
 </p:sld>
 </file>
 
@@ -9909,7 +9808,7 @@
           <a:lstStyle/>
           <a:p>
             <a:r>
-              <a:rPr lang="en-CA" dirty="0" smtClean="0"/>
+              <a:rPr lang="en-CA" dirty="0"/>
               <a:t>Modeling Method</a:t>
             </a:r>
           </a:p>
@@ -9936,48 +9835,48 @@
           <a:lstStyle/>
           <a:p>
             <a:r>
-              <a:rPr lang="en-CA" dirty="0" smtClean="0"/>
+              <a:rPr lang="en-CA" dirty="0"/>
               <a:t>Language (notation)</a:t>
             </a:r>
           </a:p>
           <a:p>
             <a:r>
-              <a:rPr lang="en-CA" dirty="0" smtClean="0"/>
+              <a:rPr lang="en-CA" dirty="0"/>
               <a:t>Process (sequence of tasks)</a:t>
             </a:r>
           </a:p>
           <a:p>
             <a:r>
-              <a:rPr lang="en-CA" dirty="0" smtClean="0"/>
+              <a:rPr lang="en-CA" dirty="0"/>
               <a:t>Tool (software)</a:t>
             </a:r>
           </a:p>
           <a:p>
-            <a:endParaRPr lang="en-CA" dirty="0" smtClean="0"/>
-          </a:p>
-          <a:p>
-            <a:r>
-              <a:rPr lang="en-CA" dirty="0" smtClean="0">
+            <a:endParaRPr lang="en-CA" dirty="0"/>
+          </a:p>
+          <a:p>
+            <a:r>
+              <a:rPr lang="en-CA" dirty="0">
                 <a:hlinkClick r:id="rId2"/>
               </a:rPr>
               <a:t>http://www.agiledata.org/essays/objectOrientation101.html</a:t>
             </a:r>
-            <a:endParaRPr lang="en-CA" dirty="0" smtClean="0"/>
-          </a:p>
-          <a:p>
-            <a:r>
-              <a:rPr lang="en-CA" dirty="0" smtClean="0">
+            <a:endParaRPr lang="en-CA" dirty="0"/>
+          </a:p>
+          <a:p>
+            <a:r>
+              <a:rPr lang="en-CA" dirty="0">
                 <a:hlinkClick r:id="rId3"/>
               </a:rPr>
               <a:t>http://edn.embarcadero.com/article/31863</a:t>
             </a:r>
-            <a:endParaRPr lang="en-CA" dirty="0" smtClean="0"/>
-          </a:p>
-          <a:p>
-            <a:endParaRPr lang="en-CA" dirty="0" smtClean="0"/>
-          </a:p>
-          <a:p>
-            <a:endParaRPr lang="en-CA" dirty="0" smtClean="0"/>
+            <a:endParaRPr lang="en-CA" dirty="0"/>
+          </a:p>
+          <a:p>
+            <a:endParaRPr lang="en-CA" dirty="0"/>
+          </a:p>
+          <a:p>
+            <a:endParaRPr lang="en-CA" dirty="0"/>
           </a:p>
         </p:txBody>
       </p:sp>
@@ -9986,13 +9885,6 @@
   <p:clrMapOvr>
     <a:masterClrMapping/>
   </p:clrMapOvr>
-  <p:timing>
-    <p:tnLst>
-      <p:par>
-        <p:cTn id="1" dur="indefinite" restart="never" nodeType="tmRoot"/>
-      </p:par>
-    </p:tnLst>
-  </p:timing>
 </p:sld>
 </file>
 
@@ -10036,15 +9928,11 @@
           <a:lstStyle/>
           <a:p>
             <a:pPr eaLnBrk="1" hangingPunct="1"/>
-            <a:r>
-              <a:rPr lang="en-US" dirty="0" smtClean="0"/>
-              <a:t/>
-            </a:r>
             <a:br>
-              <a:rPr lang="en-US" dirty="0" smtClean="0"/>
+              <a:rPr lang="en-US" dirty="0"/>
             </a:br>
             <a:r>
-              <a:rPr lang="en-US" dirty="0" smtClean="0"/>
+              <a:rPr lang="en-US" dirty="0"/>
               <a:t>Day 4 Agenda</a:t>
             </a:r>
           </a:p>
@@ -10094,7 +9982,7 @@
                 <a:spcPct val="90000"/>
               </a:lnSpc>
             </a:pPr>
-            <a:endParaRPr lang="en-US" dirty="0" smtClean="0"/>
+            <a:endParaRPr lang="en-US" dirty="0"/>
           </a:p>
           <a:p>
             <a:pPr>
@@ -10103,7 +9991,7 @@
               </a:lnSpc>
             </a:pPr>
             <a:r>
-              <a:rPr lang="en-US" dirty="0" smtClean="0"/>
+              <a:rPr lang="en-US" dirty="0"/>
               <a:t>Objects-Oriented Concepts</a:t>
             </a:r>
           </a:p>
@@ -10114,7 +10002,7 @@
               </a:lnSpc>
             </a:pPr>
             <a:r>
-              <a:rPr lang="en-US" dirty="0" smtClean="0"/>
+              <a:rPr lang="en-US" dirty="0"/>
               <a:t>Overview of Unified Modeling Language (UML)</a:t>
             </a:r>
           </a:p>
@@ -10125,7 +10013,7 @@
               </a:lnSpc>
             </a:pPr>
             <a:r>
-              <a:rPr lang="en-US" dirty="0" smtClean="0"/>
+              <a:rPr lang="en-US" dirty="0"/>
               <a:t>Use Cases</a:t>
             </a:r>
           </a:p>
@@ -10136,7 +10024,7 @@
               </a:lnSpc>
             </a:pPr>
             <a:r>
-              <a:rPr lang="en-US" dirty="0" smtClean="0"/>
+              <a:rPr lang="en-US" dirty="0"/>
               <a:t>Class Diagrams</a:t>
             </a:r>
           </a:p>
@@ -10146,7 +10034,7 @@
                 <a:spcPct val="90000"/>
               </a:lnSpc>
             </a:pPr>
-            <a:endParaRPr lang="en-US" dirty="0" smtClean="0">
+            <a:endParaRPr lang="en-US" dirty="0">
               <a:solidFill>
                 <a:srgbClr val="0070C0"/>
               </a:solidFill>
@@ -10159,28 +10047,12 @@
               </a:lnSpc>
             </a:pPr>
             <a:r>
-              <a:rPr lang="en-US" dirty="0" smtClean="0">
-                <a:solidFill>
-                  <a:srgbClr val="0070C0"/>
-                </a:solidFill>
-              </a:rPr>
-              <a:t>Workshop: UML Use Case Diagram – due </a:t>
-            </a:r>
-            <a:r>
               <a:rPr lang="en-US" dirty="0">
                 <a:solidFill>
                   <a:srgbClr val="0070C0"/>
                 </a:solidFill>
               </a:rPr>
-              <a:t>8</a:t>
-            </a:r>
-            <a:r>
-              <a:rPr lang="en-US" dirty="0" smtClean="0">
-                <a:solidFill>
-                  <a:srgbClr val="0070C0"/>
-                </a:solidFill>
-              </a:rPr>
-              <a:t> a.m. on Day 5</a:t>
+              <a:t>Workshop: UML Use Case Diagram – due 8 a.m. on Day 5</a:t>
             </a:r>
           </a:p>
           <a:p>
@@ -10189,7 +10061,7 @@
                 <a:spcPct val="90000"/>
               </a:lnSpc>
             </a:pPr>
-            <a:endParaRPr lang="en-US" dirty="0" smtClean="0"/>
+            <a:endParaRPr lang="en-US" dirty="0"/>
           </a:p>
         </p:txBody>
       </p:sp>
@@ -10203,13 +10075,6 @@
   <p:clrMapOvr>
     <a:masterClrMapping/>
   </p:clrMapOvr>
-  <p:timing>
-    <p:tnLst>
-      <p:par>
-        <p:cTn id="1" dur="indefinite" restart="never" nodeType="tmRoot"/>
-      </p:par>
-    </p:tnLst>
-  </p:timing>
 </p:sld>
 </file>
 
@@ -10251,7 +10116,7 @@
           <a:lstStyle/>
           <a:p>
             <a:r>
-              <a:rPr lang="en-CA" dirty="0" smtClean="0"/>
+              <a:rPr lang="en-CA" dirty="0"/>
               <a:t>History of UML</a:t>
             </a:r>
           </a:p>
@@ -10281,7 +10146,7 @@
               <a:defRPr/>
             </a:pPr>
             <a:r>
-              <a:rPr lang="en-CA" dirty="0" smtClean="0"/>
+              <a:rPr lang="en-CA" dirty="0"/>
               <a:t>In the nineties, many different methodologies for software design</a:t>
             </a:r>
           </a:p>
@@ -10290,7 +10155,7 @@
               <a:defRPr/>
             </a:pPr>
             <a:r>
-              <a:rPr lang="en-CA" dirty="0" smtClean="0"/>
+              <a:rPr lang="en-CA" dirty="0"/>
               <a:t>Each had own set of notations</a:t>
             </a:r>
           </a:p>
@@ -10299,7 +10164,7 @@
               <a:defRPr/>
             </a:pPr>
             <a:r>
-              <a:rPr lang="en-CA" dirty="0" smtClean="0"/>
+              <a:rPr lang="en-CA" dirty="0"/>
               <a:t>Major three:</a:t>
             </a:r>
           </a:p>
@@ -10308,11 +10173,11 @@
               <a:defRPr/>
             </a:pPr>
             <a:r>
-              <a:rPr lang="en-US" dirty="0" smtClean="0"/>
+              <a:rPr lang="en-US" dirty="0"/>
               <a:t>		                  </a:t>
             </a:r>
             <a:r>
-              <a:rPr lang="en-US" sz="1800" b="1" dirty="0" smtClean="0"/>
+              <a:rPr lang="en-US" sz="1800" b="1" dirty="0"/>
               <a:t>Behavior    Analysis    Design</a:t>
             </a:r>
           </a:p>
@@ -10321,33 +10186,33 @@
               <a:defRPr/>
             </a:pPr>
             <a:r>
-              <a:rPr lang="en-US" dirty="0" smtClean="0"/>
+              <a:rPr lang="en-US" dirty="0"/>
               <a:t>OMT </a:t>
             </a:r>
             <a:r>
-              <a:rPr lang="en-US" sz="2200" dirty="0" smtClean="0"/>
+              <a:rPr lang="en-US" sz="2200" dirty="0"/>
               <a:t>(</a:t>
             </a:r>
             <a:r>
-              <a:rPr lang="en-US" sz="2200" dirty="0" err="1" smtClean="0"/>
+              <a:rPr lang="en-US" sz="2200" dirty="0" err="1"/>
               <a:t>Rumbaugh</a:t>
             </a:r>
             <a:r>
-              <a:rPr lang="en-US" sz="2200" dirty="0" smtClean="0"/>
+              <a:rPr lang="en-US" sz="2200" dirty="0"/>
               <a:t>)</a:t>
             </a:r>
             <a:r>
-              <a:rPr lang="en-US" dirty="0" smtClean="0"/>
+              <a:rPr lang="en-US" dirty="0"/>
               <a:t>		</a:t>
             </a:r>
             <a:r>
-              <a:rPr lang="en-US" dirty="0" smtClean="0">
+              <a:rPr lang="en-US" dirty="0">
                 <a:sym typeface="Wingdings" pitchFamily="2" charset="2"/>
               </a:rPr>
               <a:t>	</a:t>
             </a:r>
             <a:r>
-              <a:rPr lang="en-US" dirty="0" smtClean="0">
+              <a:rPr lang="en-US" dirty="0">
                 <a:solidFill>
                   <a:srgbClr val="003399"/>
                 </a:solidFill>
@@ -10363,7 +10228,7 @@
               <a:t>    </a:t>
             </a:r>
             <a:r>
-              <a:rPr lang="en-US" b="1" dirty="0" smtClean="0">
+              <a:rPr lang="en-US" b="1" dirty="0">
                 <a:solidFill>
                   <a:srgbClr val="003399"/>
                 </a:solidFill>
@@ -10379,7 +10244,7 @@
               <a:t></a:t>
             </a:r>
             <a:r>
-              <a:rPr lang="en-US" dirty="0" smtClean="0">
+              <a:rPr lang="en-US" dirty="0">
                 <a:solidFill>
                   <a:srgbClr val="92D050"/>
                 </a:solidFill>
@@ -10388,7 +10253,7 @@
               <a:t>		</a:t>
             </a:r>
             <a:r>
-              <a:rPr lang="en-US" dirty="0" smtClean="0">
+              <a:rPr lang="en-US" dirty="0">
                 <a:sym typeface="Wingdings" pitchFamily="2" charset="2"/>
               </a:rPr>
               <a:t></a:t>
@@ -10399,19 +10264,19 @@
               <a:defRPr/>
             </a:pPr>
             <a:r>
-              <a:rPr lang="en-US" dirty="0" err="1" smtClean="0">
+              <a:rPr lang="en-US" dirty="0" err="1">
                 <a:sym typeface="Wingdings" pitchFamily="2" charset="2"/>
               </a:rPr>
               <a:t>Booch</a:t>
             </a:r>
             <a:r>
-              <a:rPr lang="en-US" dirty="0" smtClean="0">
+              <a:rPr lang="en-US" dirty="0">
                 <a:sym typeface="Wingdings" pitchFamily="2" charset="2"/>
               </a:rPr>
               <a:t>						    		</a:t>
             </a:r>
             <a:r>
-              <a:rPr lang="en-US" b="1" dirty="0" smtClean="0">
+              <a:rPr lang="en-US" b="1" dirty="0">
                 <a:solidFill>
                   <a:srgbClr val="003399"/>
                 </a:solidFill>
@@ -10432,25 +10297,25 @@
               <a:defRPr/>
             </a:pPr>
             <a:r>
-              <a:rPr lang="en-US" dirty="0" smtClean="0">
+              <a:rPr lang="en-US" dirty="0">
                 <a:sym typeface="Wingdings" pitchFamily="2" charset="2"/>
               </a:rPr>
               <a:t>OOSE </a:t>
             </a:r>
             <a:r>
-              <a:rPr lang="en-US" sz="2200" dirty="0" smtClean="0">
+              <a:rPr lang="en-US" sz="2200" dirty="0">
                 <a:sym typeface="Wingdings" pitchFamily="2" charset="2"/>
               </a:rPr>
               <a:t>(Jacobson)</a:t>
             </a:r>
             <a:r>
-              <a:rPr lang="en-US" dirty="0" smtClean="0">
+              <a:rPr lang="en-US" dirty="0">
                 <a:sym typeface="Wingdings" pitchFamily="2" charset="2"/>
               </a:rPr>
               <a:t>  		</a:t>
             </a:r>
             <a:r>
-              <a:rPr lang="en-US" b="1" dirty="0" smtClean="0">
+              <a:rPr lang="en-US" b="1" dirty="0">
                 <a:solidFill>
                   <a:srgbClr val="003399"/>
                 </a:solidFill>
@@ -10466,26 +10331,11 @@
               <a:t></a:t>
             </a:r>
             <a:r>
-              <a:rPr lang="en-US" dirty="0" smtClean="0">
-                <a:sym typeface="Wingdings" pitchFamily="2" charset="2"/>
-              </a:rPr>
-              <a:t>	    </a:t>
-            </a:r>
-            <a:r>
               <a:rPr lang="en-US" dirty="0">
                 <a:sym typeface="Wingdings" pitchFamily="2" charset="2"/>
               </a:rPr>
-              <a:t>	</a:t>
-            </a:r>
-            <a:r>
-              <a:rPr lang="en-US" dirty="0" smtClean="0">
-                <a:sym typeface="Wingdings" pitchFamily="2" charset="2"/>
-              </a:rPr>
-              <a:t>	</a:t>
-            </a:r>
-            <a:endParaRPr lang="en-US" dirty="0">
-              <a:sym typeface="Wingdings" pitchFamily="2" charset="2"/>
-            </a:endParaRPr>
+              <a:t>	    		</a:t>
+            </a:r>
           </a:p>
         </p:txBody>
       </p:sp>
@@ -10494,13 +10344,6 @@
   <p:clrMapOvr>
     <a:masterClrMapping/>
   </p:clrMapOvr>
-  <p:timing>
-    <p:tnLst>
-      <p:par>
-        <p:cTn id="1" dur="indefinite" restart="never" nodeType="tmRoot"/>
-      </p:par>
-    </p:tnLst>
-  </p:timing>
 </p:sld>
 </file>
 
@@ -10542,7 +10385,7 @@
           <a:lstStyle/>
           <a:p>
             <a:r>
-              <a:rPr lang="en-CA" dirty="0" smtClean="0"/>
+              <a:rPr lang="en-CA" dirty="0"/>
               <a:t>History of UML - Continued</a:t>
             </a:r>
           </a:p>
@@ -10569,19 +10412,19 @@
           <a:lstStyle/>
           <a:p>
             <a:r>
-              <a:rPr lang="en-CA" dirty="0" smtClean="0"/>
+              <a:rPr lang="en-CA" dirty="0"/>
               <a:t>1995 – first draft of Unified Method</a:t>
             </a:r>
           </a:p>
           <a:p>
             <a:r>
-              <a:rPr lang="en-CA" dirty="0" smtClean="0"/>
+              <a:rPr lang="en-CA" dirty="0"/>
               <a:t>1997 – UML becomes industry standard for object-oriented modeling</a:t>
             </a:r>
           </a:p>
           <a:p>
             <a:r>
-              <a:rPr lang="en-CA" dirty="0" smtClean="0"/>
+              <a:rPr lang="en-CA" dirty="0"/>
               <a:t>2005 – UML 2.0</a:t>
             </a:r>
           </a:p>
@@ -10593,18 +10436,12 @@
               <a:rPr lang="en-CA" dirty="0">
                 <a:hlinkClick r:id="rId2"/>
               </a:rPr>
-              <a:t>https://</a:t>
-            </a:r>
-            <a:r>
-              <a:rPr lang="en-CA" dirty="0" smtClean="0">
-                <a:hlinkClick r:id="rId2"/>
-              </a:rPr>
-              <a:t>en.wikipedia.org/wiki/Unified_Modeling_Language#History</a:t>
-            </a:r>
-            <a:endParaRPr lang="en-CA" dirty="0" smtClean="0"/>
-          </a:p>
-          <a:p>
-            <a:endParaRPr lang="en-CA" dirty="0" smtClean="0"/>
+              <a:t>https://en.wikipedia.org/wiki/Unified_Modeling_Language#History</a:t>
+            </a:r>
+            <a:endParaRPr lang="en-CA" dirty="0"/>
+          </a:p>
+          <a:p>
+            <a:endParaRPr lang="en-CA" dirty="0"/>
           </a:p>
         </p:txBody>
       </p:sp>
@@ -10613,13 +10450,6 @@
   <p:clrMapOvr>
     <a:masterClrMapping/>
   </p:clrMapOvr>
-  <p:timing>
-    <p:tnLst>
-      <p:par>
-        <p:cTn id="1" dur="indefinite" restart="never" nodeType="tmRoot"/>
-      </p:par>
-    </p:tnLst>
-  </p:timing>
 </p:sld>
 </file>
 
@@ -10661,7 +10491,7 @@
           <a:lstStyle/>
           <a:p>
             <a:r>
-              <a:rPr lang="en-US" dirty="0" smtClean="0"/>
+              <a:rPr lang="en-US" dirty="0"/>
               <a:t>Books24X7</a:t>
             </a:r>
           </a:p>
@@ -10688,82 +10518,78 @@
           <a:lstStyle/>
           <a:p>
             <a:r>
-              <a:rPr lang="en-US" dirty="0" smtClean="0"/>
+              <a:rPr lang="en-US" dirty="0"/>
               <a:t>Lot of books on UML; these are just samples:</a:t>
             </a:r>
           </a:p>
           <a:p>
             <a:pPr lvl="1"/>
             <a:r>
-              <a:rPr lang="en-US" b="1" dirty="0" err="1" smtClean="0"/>
+              <a:rPr lang="en-US" b="1" dirty="0" err="1"/>
               <a:t>Sams</a:t>
             </a:r>
             <a:r>
-              <a:rPr lang="en-US" b="1" dirty="0" smtClean="0"/>
+              <a:rPr lang="en-US" b="1" dirty="0"/>
               <a:t> Teach Yourself UML in 24 Hours</a:t>
             </a:r>
             <a:br>
-              <a:rPr lang="en-US" b="1" dirty="0" smtClean="0"/>
+              <a:rPr lang="en-US" b="1" dirty="0"/>
             </a:br>
             <a:r>
-              <a:rPr lang="en-US" dirty="0" smtClean="0"/>
+              <a:rPr lang="en-US" dirty="0"/>
               <a:t>by Joseph </a:t>
             </a:r>
             <a:r>
-              <a:rPr lang="en-US" dirty="0" err="1" smtClean="0"/>
+              <a:rPr lang="en-US" dirty="0" err="1"/>
               <a:t>Schmuller</a:t>
             </a:r>
-            <a:r>
-              <a:rPr lang="en-US" dirty="0" smtClean="0"/>
-              <a:t/>
-            </a:r>
             <a:br>
-              <a:rPr lang="en-US" dirty="0" smtClean="0"/>
+              <a:rPr lang="en-US" dirty="0"/>
             </a:br>
             <a:r>
-              <a:rPr lang="en-US" dirty="0" smtClean="0"/>
+              <a:rPr lang="en-US" dirty="0"/>
               <a:t>ISBN:0672316366</a:t>
             </a:r>
           </a:p>
           <a:p>
             <a:pPr lvl="1"/>
             <a:r>
-              <a:rPr lang="en-US" b="1" dirty="0" smtClean="0"/>
+              <a:rPr lang="en-US" b="1" dirty="0"/>
               <a:t>UML Bible</a:t>
             </a:r>
             <a:br>
-              <a:rPr lang="en-US" b="1" dirty="0" smtClean="0"/>
+              <a:rPr lang="en-US" b="1" dirty="0"/>
             </a:br>
             <a:r>
-              <a:rPr lang="en-US" dirty="0" smtClean="0"/>
+              <a:rPr lang="en-US" dirty="0"/>
               <a:t>by Tom Pender</a:t>
             </a:r>
             <a:br>
-              <a:rPr lang="en-US" dirty="0" smtClean="0"/>
+              <a:rPr lang="en-US" dirty="0"/>
             </a:br>
             <a:r>
-              <a:rPr lang="en-US" dirty="0" smtClean="0"/>
+              <a:rPr lang="en-US" dirty="0"/>
               <a:t>ISBN:0764526049</a:t>
             </a:r>
           </a:p>
           <a:p>
             <a:pPr lvl="1"/>
             <a:r>
-              <a:rPr lang="en-US" b="1" dirty="0" smtClean="0"/>
+              <a:rPr lang="en-US" b="1" dirty="0"/>
               <a:t>The Elements of UML Style</a:t>
             </a:r>
             <a:br>
-              <a:rPr lang="en-US" b="1" dirty="0" smtClean="0"/>
+              <a:rPr lang="en-US" b="1" dirty="0"/>
             </a:br>
             <a:r>
-              <a:rPr lang="en-US" dirty="0" smtClean="0"/>
+              <a:rPr lang="en-US" dirty="0"/>
               <a:t>by Scott W. Ambler</a:t>
             </a:r>
             <a:br>
-              <a:rPr lang="en-US" dirty="0" smtClean="0"/>
+              <a:rPr lang="en-US" dirty="0"/>
             </a:br>
             <a:r>
-              <a:rPr lang="en-US" dirty="0" smtClean="0"/>
+              <a:rPr lang="en-US" dirty="0"/>
               <a:t>ISBN:0521525470</a:t>
             </a:r>
           </a:p>
@@ -10774,13 +10600,6 @@
   <p:clrMapOvr>
     <a:masterClrMapping/>
   </p:clrMapOvr>
-  <p:timing>
-    <p:tnLst>
-      <p:par>
-        <p:cTn id="1" dur="indefinite" restart="never" nodeType="tmRoot"/>
-      </p:par>
-    </p:tnLst>
-  </p:timing>
 </p:sld>
 </file>
 
@@ -10817,7 +10636,7 @@
           <a:lstStyle/>
           <a:p>
             <a:r>
-              <a:rPr lang="en-US" dirty="0" smtClean="0"/>
+              <a:rPr lang="en-US" dirty="0"/>
               <a:t>UML Diagrams</a:t>
             </a:r>
             <a:endParaRPr lang="en-CA" dirty="0"/>
@@ -10847,68 +10666,68 @@
           <a:lstStyle/>
           <a:p>
             <a:r>
-              <a:rPr lang="en-US" dirty="0" smtClean="0"/>
+              <a:rPr lang="en-US" dirty="0"/>
               <a:t>Use Case Model – captures user’s perspective</a:t>
             </a:r>
           </a:p>
           <a:p>
             <a:pPr lvl="2"/>
             <a:r>
-              <a:rPr lang="en-US" dirty="0" smtClean="0"/>
+              <a:rPr lang="en-US" dirty="0"/>
               <a:t>Use case diagrams</a:t>
             </a:r>
           </a:p>
           <a:p>
             <a:r>
-              <a:rPr lang="en-US" dirty="0" smtClean="0"/>
+              <a:rPr lang="en-US" dirty="0"/>
               <a:t>Logical Model </a:t>
             </a:r>
           </a:p>
           <a:p>
             <a:pPr lvl="1"/>
             <a:r>
-              <a:rPr lang="en-US" dirty="0" smtClean="0"/>
+              <a:rPr lang="en-US" dirty="0"/>
               <a:t>Structure of the system</a:t>
             </a:r>
           </a:p>
           <a:p>
             <a:pPr lvl="2"/>
             <a:r>
-              <a:rPr lang="en-US" dirty="0" smtClean="0"/>
+              <a:rPr lang="en-US" dirty="0"/>
               <a:t>Class diagrams, package diagrams</a:t>
             </a:r>
           </a:p>
           <a:p>
             <a:pPr lvl="1"/>
             <a:r>
-              <a:rPr lang="en-US" dirty="0" smtClean="0"/>
+              <a:rPr lang="en-US" dirty="0"/>
               <a:t>Behaviour of the system</a:t>
             </a:r>
           </a:p>
           <a:p>
             <a:pPr lvl="2"/>
             <a:r>
-              <a:rPr lang="en-US" dirty="0" smtClean="0"/>
+              <a:rPr lang="en-US" dirty="0"/>
               <a:t>Sequence diagrams, communication diagrams, state transition diagrams, activity diagrams</a:t>
             </a:r>
           </a:p>
           <a:p>
             <a:r>
-              <a:rPr lang="en-US" dirty="0" smtClean="0"/>
+              <a:rPr lang="en-US" dirty="0"/>
               <a:t>Physical Model</a:t>
             </a:r>
           </a:p>
           <a:p>
             <a:pPr lvl="2"/>
             <a:r>
-              <a:rPr lang="en-US" dirty="0" smtClean="0"/>
+              <a:rPr lang="en-US" dirty="0"/>
               <a:t>Component diagram (software)</a:t>
             </a:r>
           </a:p>
           <a:p>
             <a:pPr lvl="2"/>
             <a:r>
-              <a:rPr lang="en-US" dirty="0" smtClean="0"/>
+              <a:rPr lang="en-US" dirty="0"/>
               <a:t>Deployment diagram (hardware)</a:t>
             </a:r>
             <a:endParaRPr lang="en-CA" dirty="0"/>
@@ -10925,13 +10744,6 @@
   <p:clrMapOvr>
     <a:masterClrMapping/>
   </p:clrMapOvr>
-  <p:timing>
-    <p:tnLst>
-      <p:par>
-        <p:cTn id="1" dur="indefinite" restart="never" nodeType="tmRoot"/>
-      </p:par>
-    </p:tnLst>
-  </p:timing>
 </p:sld>
 </file>
 
@@ -10973,7 +10785,7 @@
           <a:lstStyle/>
           <a:p>
             <a:r>
-              <a:rPr lang="en-US" dirty="0" smtClean="0"/>
+              <a:rPr lang="en-US" dirty="0"/>
               <a:t>Use Case Diagrams</a:t>
             </a:r>
           </a:p>
@@ -11005,7 +10817,7 @@
               </a:lnSpc>
             </a:pPr>
             <a:r>
-              <a:rPr lang="en-US" dirty="0" smtClean="0"/>
+              <a:rPr lang="en-US" dirty="0"/>
               <a:t>Use Case diagrams</a:t>
             </a:r>
           </a:p>
@@ -11016,14 +10828,14 @@
               </a:lnSpc>
             </a:pPr>
             <a:r>
-              <a:rPr lang="en-US" dirty="0" smtClean="0"/>
+              <a:rPr lang="en-US" dirty="0"/>
               <a:t>Identifies who interacts with the system - </a:t>
             </a:r>
             <a:r>
-              <a:rPr lang="en-US" b="1" dirty="0" smtClean="0"/>
+              <a:rPr lang="en-US" b="1" dirty="0"/>
               <a:t>actors</a:t>
             </a:r>
-            <a:endParaRPr lang="en-US" dirty="0" smtClean="0"/>
+            <a:endParaRPr lang="en-US" dirty="0"/>
           </a:p>
           <a:p>
             <a:pPr lvl="1" defTabSz="1065213">
@@ -11032,27 +10844,19 @@
               </a:lnSpc>
             </a:pPr>
             <a:r>
-              <a:rPr lang="en-US" dirty="0" smtClean="0"/>
+              <a:rPr lang="en-US" dirty="0"/>
               <a:t>Identifies </a:t>
             </a:r>
             <a:r>
-              <a:rPr lang="en-US" u="sng" dirty="0" smtClean="0"/>
+              <a:rPr lang="en-US" u="sng" dirty="0"/>
               <a:t>major</a:t>
             </a:r>
             <a:r>
-              <a:rPr lang="en-US" dirty="0" smtClean="0"/>
-              <a:t> </a:t>
-            </a:r>
-            <a:r>
-              <a:rPr lang="en-US" dirty="0"/>
-              <a:t>p</a:t>
-            </a:r>
-            <a:r>
-              <a:rPr lang="en-US" dirty="0" smtClean="0"/>
-              <a:t>arts of system’s functionality - </a:t>
-            </a:r>
-            <a:r>
-              <a:rPr lang="en-US" b="1" dirty="0" smtClean="0"/>
+              <a:rPr lang="en-US" dirty="0"/>
+              <a:t> parts of system’s functionality - </a:t>
+            </a:r>
+            <a:r>
+              <a:rPr lang="en-US" b="1" dirty="0"/>
               <a:t>use cases</a:t>
             </a:r>
           </a:p>
@@ -11063,7 +10867,7 @@
               </a:lnSpc>
               <a:buNone/>
             </a:pPr>
-            <a:endParaRPr lang="en-US" dirty="0" smtClean="0"/>
+            <a:endParaRPr lang="en-US" dirty="0"/>
           </a:p>
         </p:txBody>
       </p:sp>
@@ -11072,13 +10876,6 @@
   <p:clrMapOvr>
     <a:masterClrMapping/>
   </p:clrMapOvr>
-  <p:timing>
-    <p:tnLst>
-      <p:par>
-        <p:cTn id="1" dur="indefinite" restart="never" nodeType="tmRoot"/>
-      </p:par>
-    </p:tnLst>
-  </p:timing>
 </p:sld>
 </file>
 
@@ -11122,7 +10919,7 @@
           <a:lstStyle/>
           <a:p>
             <a:r>
-              <a:rPr lang="en-CA" dirty="0" smtClean="0"/>
+              <a:rPr lang="en-CA" dirty="0"/>
               <a:t>Logical Model (Structure of the System)</a:t>
             </a:r>
           </a:p>
@@ -11149,63 +10946,62 @@
           <a:lstStyle/>
           <a:p>
             <a:r>
-              <a:rPr lang="en-US" dirty="0" smtClean="0"/>
+              <a:rPr lang="en-US" dirty="0"/>
               <a:t>Describes static structure of the system</a:t>
             </a:r>
           </a:p>
           <a:p>
             <a:pPr lvl="1"/>
             <a:r>
-              <a:rPr lang="en-US" dirty="0" smtClean="0"/>
+              <a:rPr lang="en-US" dirty="0"/>
               <a:t>Classes</a:t>
             </a:r>
           </a:p>
           <a:p>
             <a:pPr lvl="2"/>
             <a:r>
-              <a:rPr lang="en-US" dirty="0" smtClean="0"/>
+              <a:rPr lang="en-US" dirty="0"/>
               <a:t>Attributes</a:t>
             </a:r>
           </a:p>
           <a:p>
             <a:pPr lvl="2"/>
             <a:r>
-              <a:rPr lang="en-US" dirty="0" smtClean="0"/>
+              <a:rPr lang="en-US" dirty="0"/>
               <a:t>Operations</a:t>
             </a:r>
           </a:p>
           <a:p>
             <a:pPr lvl="2"/>
             <a:r>
-              <a:rPr lang="en-US" dirty="0" smtClean="0"/>
+              <a:rPr lang="en-US" dirty="0"/>
               <a:t>Relationships</a:t>
             </a:r>
           </a:p>
           <a:p>
             <a:pPr lvl="1"/>
             <a:r>
-              <a:rPr lang="en-US" dirty="0" smtClean="0"/>
+              <a:rPr lang="en-US" dirty="0"/>
               <a:t>Class diagrams</a:t>
             </a:r>
           </a:p>
           <a:p>
             <a:pPr lvl="1"/>
             <a:r>
-              <a:rPr lang="en-US" dirty="0" smtClean="0"/>
+              <a:rPr lang="en-US" dirty="0"/>
               <a:t>Packages</a:t>
             </a:r>
+          </a:p>
+          <a:p>
+            <a:pPr lvl="1"/>
+            <a:r>
+              <a:rPr lang="en-US" dirty="0"/>
+              <a:t>Package diagrams </a:t>
+            </a:r>
+          </a:p>
+          <a:p>
+            <a:pPr lvl="1"/>
             <a:endParaRPr lang="en-US" dirty="0"/>
-          </a:p>
-          <a:p>
-            <a:pPr lvl="1"/>
-            <a:r>
-              <a:rPr lang="en-US" dirty="0" smtClean="0"/>
-              <a:t>Package diagrams </a:t>
-            </a:r>
-          </a:p>
-          <a:p>
-            <a:pPr lvl="1"/>
-            <a:endParaRPr lang="en-US" dirty="0" smtClean="0"/>
           </a:p>
         </p:txBody>
       </p:sp>
@@ -11214,13 +11010,6 @@
   <p:clrMapOvr>
     <a:masterClrMapping/>
   </p:clrMapOvr>
-  <p:timing>
-    <p:tnLst>
-      <p:par>
-        <p:cTn id="1" dur="indefinite" restart="never" nodeType="tmRoot"/>
-      </p:par>
-    </p:tnLst>
-  </p:timing>
 </p:sld>
 </file>
 
@@ -11262,7 +11051,7 @@
           <a:lstStyle/>
           <a:p>
             <a:r>
-              <a:rPr lang="en-CA" dirty="0" smtClean="0"/>
+              <a:rPr lang="en-CA" dirty="0"/>
               <a:t>Physical Model</a:t>
             </a:r>
           </a:p>
@@ -11293,19 +11082,19 @@
               <a:buNone/>
             </a:pPr>
             <a:r>
-              <a:rPr lang="en-US" dirty="0" smtClean="0"/>
+              <a:rPr lang="en-US" dirty="0"/>
               <a:t>Describes physical implementation of the system</a:t>
             </a:r>
           </a:p>
           <a:p>
             <a:r>
-              <a:rPr lang="en-US" dirty="0" smtClean="0"/>
+              <a:rPr lang="en-US" dirty="0"/>
               <a:t>Component Diagrams (software)</a:t>
             </a:r>
           </a:p>
           <a:p>
             <a:r>
-              <a:rPr lang="en-US" dirty="0" smtClean="0"/>
+              <a:rPr lang="en-US" dirty="0"/>
               <a:t>Deployment Diagram (hardware)</a:t>
             </a:r>
           </a:p>
@@ -11313,10 +11102,10 @@
             <a:pPr marL="0" indent="0">
               <a:buNone/>
             </a:pPr>
-            <a:endParaRPr lang="en-US" dirty="0" smtClean="0"/>
-          </a:p>
-          <a:p>
-            <a:endParaRPr lang="en-CA" dirty="0" smtClean="0"/>
+            <a:endParaRPr lang="en-US" dirty="0"/>
+          </a:p>
+          <a:p>
+            <a:endParaRPr lang="en-CA" dirty="0"/>
           </a:p>
         </p:txBody>
       </p:sp>
@@ -11325,13 +11114,6 @@
   <p:clrMapOvr>
     <a:masterClrMapping/>
   </p:clrMapOvr>
-  <p:timing>
-    <p:tnLst>
-      <p:par>
-        <p:cTn id="1" dur="indefinite" restart="never" nodeType="tmRoot"/>
-      </p:par>
-    </p:tnLst>
-  </p:timing>
 </p:sld>
 </file>
 
@@ -11373,7 +11155,7 @@
           <a:lstStyle/>
           <a:p>
             <a:r>
-              <a:rPr lang="en-US" dirty="0" smtClean="0"/>
+              <a:rPr lang="en-US" dirty="0"/>
               <a:t>Use Case Analysis</a:t>
             </a:r>
           </a:p>
@@ -11405,11 +11187,11 @@
               </a:lnSpc>
             </a:pPr>
             <a:r>
-              <a:rPr lang="en-US" b="1" dirty="0" smtClean="0"/>
+              <a:rPr lang="en-US" b="1" dirty="0"/>
               <a:t>Use cases </a:t>
             </a:r>
             <a:r>
-              <a:rPr lang="en-US" dirty="0" smtClean="0"/>
+              <a:rPr lang="en-US" dirty="0"/>
               <a:t>are top-level items of system’s functionality from the users’ point of view</a:t>
             </a:r>
           </a:p>
@@ -11420,7 +11202,7 @@
               </a:lnSpc>
             </a:pPr>
             <a:r>
-              <a:rPr lang="en-US" dirty="0" smtClean="0"/>
+              <a:rPr lang="en-US" dirty="0"/>
               <a:t>Two components of documenting use cases:</a:t>
             </a:r>
           </a:p>
@@ -11431,7 +11213,7 @@
               </a:lnSpc>
             </a:pPr>
             <a:r>
-              <a:rPr lang="en-US" dirty="0" smtClean="0"/>
+              <a:rPr lang="en-US" dirty="0"/>
               <a:t>Written use case descriptions</a:t>
             </a:r>
           </a:p>
@@ -11442,10 +11224,9 @@
               </a:lnSpc>
             </a:pPr>
             <a:r>
-              <a:rPr lang="en-US" dirty="0" smtClean="0"/>
+              <a:rPr lang="en-US" dirty="0"/>
               <a:t>Use case diagram</a:t>
             </a:r>
-            <a:endParaRPr lang="en-US" dirty="0"/>
           </a:p>
           <a:p>
             <a:pPr defTabSz="1065213">
@@ -11454,7 +11235,7 @@
               </a:lnSpc>
             </a:pPr>
             <a:r>
-              <a:rPr lang="en-US" dirty="0" smtClean="0"/>
+              <a:rPr lang="en-US" dirty="0"/>
               <a:t>Shows interaction between users and the system in very general terms</a:t>
             </a:r>
           </a:p>
@@ -11465,7 +11246,7 @@
               </a:lnSpc>
             </a:pPr>
             <a:r>
-              <a:rPr lang="en-US" dirty="0" smtClean="0"/>
+              <a:rPr lang="en-US" dirty="0"/>
               <a:t>No detailed steps</a:t>
             </a:r>
           </a:p>
@@ -11476,7 +11257,7 @@
               </a:lnSpc>
             </a:pPr>
             <a:r>
-              <a:rPr lang="en-US" dirty="0" smtClean="0"/>
+              <a:rPr lang="en-US" dirty="0"/>
               <a:t>No timing consideration</a:t>
             </a:r>
           </a:p>
@@ -11487,13 +11268,6 @@
   <p:clrMapOvr>
     <a:masterClrMapping/>
   </p:clrMapOvr>
-  <p:timing>
-    <p:tnLst>
-      <p:par>
-        <p:cTn id="1" dur="indefinite" restart="never" nodeType="tmRoot"/>
-      </p:par>
-    </p:tnLst>
-  </p:timing>
 </p:sld>
 </file>
 
@@ -11524,13 +11298,18 @@
             <p:ph type="title"/>
           </p:nvPr>
         </p:nvSpPr>
-        <p:spPr/>
+        <p:spPr>
+          <a:xfrm>
+            <a:off x="609600" y="762000"/>
+            <a:ext cx="6347713" cy="1320800"/>
+          </a:xfrm>
+        </p:spPr>
         <p:txBody>
           <a:bodyPr/>
           <a:lstStyle/>
           <a:p>
             <a:r>
-              <a:rPr lang="en-US" dirty="0" smtClean="0"/>
+              <a:rPr lang="en-US" dirty="0"/>
               <a:t>Use Case Description</a:t>
             </a:r>
             <a:endParaRPr lang="en-CA" dirty="0"/>
@@ -11560,67 +11339,59 @@
           <a:lstStyle/>
           <a:p>
             <a:r>
-              <a:rPr lang="en-US" dirty="0" smtClean="0"/>
+              <a:rPr lang="en-US" dirty="0"/>
               <a:t>No standard format</a:t>
             </a:r>
           </a:p>
           <a:p>
             <a:r>
-              <a:rPr lang="en-US" dirty="0" smtClean="0"/>
+              <a:rPr lang="en-US" dirty="0"/>
               <a:t>Typical elements:</a:t>
             </a:r>
           </a:p>
           <a:p>
             <a:pPr lvl="1"/>
             <a:r>
-              <a:rPr lang="en-US" dirty="0" smtClean="0"/>
-              <a:t>Use case name (</a:t>
-            </a:r>
-            <a:r>
-              <a:rPr lang="en-US" dirty="0"/>
-              <a:t>v</a:t>
-            </a:r>
-            <a:r>
-              <a:rPr lang="en-US" dirty="0" smtClean="0"/>
-              <a:t>erb-noun phrase)</a:t>
+              <a:rPr lang="en-US" dirty="0"/>
+              <a:t>Use case name (verb-noun phrase)</a:t>
             </a:r>
           </a:p>
           <a:p>
             <a:pPr lvl="1"/>
             <a:r>
-              <a:rPr lang="en-US" dirty="0" smtClean="0"/>
+              <a:rPr lang="en-US" dirty="0"/>
               <a:t>Who interacts with it (actors)</a:t>
             </a:r>
           </a:p>
           <a:p>
             <a:pPr lvl="1"/>
             <a:r>
-              <a:rPr lang="en-US" dirty="0" smtClean="0"/>
+              <a:rPr lang="en-US" dirty="0"/>
               <a:t>What triggers it</a:t>
             </a:r>
           </a:p>
           <a:p>
             <a:pPr lvl="1"/>
             <a:r>
-              <a:rPr lang="en-US" dirty="0" smtClean="0"/>
+              <a:rPr lang="en-US" dirty="0"/>
               <a:t>Normal flow of events</a:t>
             </a:r>
           </a:p>
           <a:p>
             <a:pPr lvl="1"/>
             <a:r>
-              <a:rPr lang="en-US" dirty="0" err="1" smtClean="0"/>
+              <a:rPr lang="en-US" dirty="0" err="1"/>
               <a:t>Subflows</a:t>
             </a:r>
             <a:r>
-              <a:rPr lang="en-US" dirty="0" smtClean="0"/>
+              <a:rPr lang="en-US" dirty="0"/>
               <a:t> (break it down to simplified description)</a:t>
             </a:r>
           </a:p>
           <a:p>
             <a:pPr lvl="1"/>
             <a:r>
-              <a:rPr lang="en-US" dirty="0" smtClean="0"/>
+              <a:rPr lang="en-US" dirty="0"/>
               <a:t>Exceptional flows</a:t>
             </a:r>
           </a:p>
@@ -11629,15 +11400,9 @@
               <a:rPr lang="en-CA" dirty="0">
                 <a:hlinkClick r:id="rId2"/>
               </a:rPr>
-              <a:t>http://pmblog.accompa.com/2009/10/08/use-case-template-example-requirements-management-basics</a:t>
-            </a:r>
-            <a:r>
-              <a:rPr lang="en-CA" dirty="0" smtClean="0">
-                <a:hlinkClick r:id="rId2"/>
-              </a:rPr>
-              <a:t>/</a:t>
-            </a:r>
-            <a:endParaRPr lang="en-CA" dirty="0" smtClean="0"/>
+              <a:t>http://pmblog.accompa.com/2009/10/08/use-case-template-example-requirements-management-basics/</a:t>
+            </a:r>
+            <a:endParaRPr lang="en-CA" dirty="0"/>
           </a:p>
           <a:p>
             <a:endParaRPr lang="en-CA" dirty="0"/>
@@ -11654,13 +11419,6 @@
   <p:clrMapOvr>
     <a:masterClrMapping/>
   </p:clrMapOvr>
-  <p:timing>
-    <p:tnLst>
-      <p:par>
-        <p:cTn id="1" dur="indefinite" restart="never" nodeType="tmRoot"/>
-      </p:par>
-    </p:tnLst>
-  </p:timing>
 </p:sld>
 </file>
 
@@ -11702,7 +11460,7 @@
           <a:lstStyle/>
           <a:p>
             <a:r>
-              <a:rPr lang="en-CA" dirty="0" smtClean="0"/>
+              <a:rPr lang="en-CA" dirty="0"/>
               <a:t>Use Case Diagrams</a:t>
             </a:r>
           </a:p>
@@ -11734,11 +11492,11 @@
               </a:lnSpc>
             </a:pPr>
             <a:r>
-              <a:rPr lang="en-US" b="1" dirty="0" smtClean="0"/>
+              <a:rPr lang="en-US" b="1" dirty="0"/>
               <a:t>Use cases </a:t>
             </a:r>
             <a:r>
-              <a:rPr lang="en-US" dirty="0" smtClean="0"/>
+              <a:rPr lang="en-US" dirty="0"/>
               <a:t>– major pieces of system’s functionality, as observed by the users</a:t>
             </a:r>
           </a:p>
@@ -11749,7 +11507,7 @@
               </a:lnSpc>
             </a:pPr>
             <a:r>
-              <a:rPr lang="en-US" dirty="0" smtClean="0"/>
+              <a:rPr lang="en-US" dirty="0"/>
               <a:t>Within system’s boundary</a:t>
             </a:r>
           </a:p>
@@ -11760,7 +11518,7 @@
               </a:lnSpc>
             </a:pPr>
             <a:r>
-              <a:rPr lang="en-US" dirty="0" smtClean="0"/>
+              <a:rPr lang="en-US" dirty="0"/>
               <a:t>Labeled with verb-noun phrase</a:t>
             </a:r>
           </a:p>
@@ -11771,11 +11529,11 @@
               </a:lnSpc>
             </a:pPr>
             <a:r>
-              <a:rPr lang="en-US" b="1" dirty="0" smtClean="0"/>
+              <a:rPr lang="en-US" b="1" dirty="0"/>
               <a:t>Actors</a:t>
             </a:r>
             <a:r>
-              <a:rPr lang="en-US" dirty="0" smtClean="0"/>
+              <a:rPr lang="en-US" dirty="0"/>
               <a:t> – people (roles) or other systems that interact with our system</a:t>
             </a:r>
           </a:p>
@@ -11786,7 +11544,7 @@
               </a:lnSpc>
             </a:pPr>
             <a:r>
-              <a:rPr lang="en-US" dirty="0" smtClean="0"/>
+              <a:rPr lang="en-US" dirty="0"/>
               <a:t>Derives benefit from the system</a:t>
             </a:r>
           </a:p>
@@ -11797,7 +11555,7 @@
               </a:lnSpc>
             </a:pPr>
             <a:r>
-              <a:rPr lang="en-US" dirty="0" smtClean="0"/>
+              <a:rPr lang="en-US" dirty="0"/>
               <a:t>Is external to the system</a:t>
             </a:r>
           </a:p>
@@ -11819,11 +11577,11 @@
                 <a:spcPct val="80000"/>
               </a:lnSpc>
             </a:pPr>
-            <a:endParaRPr lang="en-US" dirty="0" smtClean="0"/>
+            <a:endParaRPr lang="en-US" dirty="0"/>
           </a:p>
           <a:p>
             <a:pPr defTabSz="1065213"/>
-            <a:endParaRPr lang="en-CA" dirty="0" smtClean="0"/>
+            <a:endParaRPr lang="en-CA" dirty="0"/>
           </a:p>
         </p:txBody>
       </p:sp>
@@ -11832,13 +11590,6 @@
   <p:clrMapOvr>
     <a:masterClrMapping/>
   </p:clrMapOvr>
-  <p:timing>
-    <p:tnLst>
-      <p:par>
-        <p:cTn id="1" dur="indefinite" restart="never" nodeType="tmRoot"/>
-      </p:par>
-    </p:tnLst>
-  </p:timing>
 </p:sld>
 </file>
 
@@ -11880,7 +11631,7 @@
           <a:lstStyle/>
           <a:p>
             <a:r>
-              <a:rPr lang="en-US" smtClean="0"/>
+              <a:rPr lang="en-US"/>
               <a:t>Thinking of Objects</a:t>
             </a:r>
           </a:p>
@@ -11891,13 +11642,6 @@
   <p:clrMapOvr>
     <a:masterClrMapping/>
   </p:clrMapOvr>
-  <p:timing>
-    <p:tnLst>
-      <p:par>
-        <p:cTn id="1" dur="indefinite" restart="never" nodeType="tmRoot"/>
-      </p:par>
-    </p:tnLst>
-  </p:timing>
 </p:sld>
 </file>
 
@@ -11941,7 +11685,7 @@
           <a:lstStyle/>
           <a:p>
             <a:r>
-              <a:rPr lang="en-CA" dirty="0" smtClean="0"/>
+              <a:rPr lang="en-CA" dirty="0"/>
               <a:t>Use Case Diagrams - Relationships</a:t>
             </a:r>
           </a:p>
@@ -11975,7 +11719,7 @@
               </a:lnSpc>
             </a:pPr>
             <a:r>
-              <a:rPr lang="en-US" dirty="0" smtClean="0"/>
+              <a:rPr lang="en-US" dirty="0"/>
               <a:t>Association </a:t>
             </a:r>
           </a:p>
@@ -11986,7 +11730,7 @@
               </a:lnSpc>
             </a:pPr>
             <a:r>
-              <a:rPr lang="en-US" dirty="0" smtClean="0"/>
+              <a:rPr lang="en-US" dirty="0"/>
               <a:t>Links an actor to the use case(s) with which it interacts</a:t>
             </a:r>
           </a:p>
@@ -11997,7 +11741,7 @@
               </a:lnSpc>
               <a:buNone/>
             </a:pPr>
-            <a:endParaRPr lang="en-US" dirty="0" smtClean="0"/>
+            <a:endParaRPr lang="en-US" dirty="0"/>
           </a:p>
           <a:p>
             <a:pPr defTabSz="1065213">
@@ -12006,7 +11750,7 @@
               </a:lnSpc>
             </a:pPr>
             <a:r>
-              <a:rPr lang="en-US" dirty="0" smtClean="0"/>
+              <a:rPr lang="en-US" dirty="0"/>
               <a:t>Relationships between two use cases</a:t>
             </a:r>
           </a:p>
@@ -12017,7 +11761,7 @@
               </a:lnSpc>
             </a:pPr>
             <a:r>
-              <a:rPr lang="en-US" dirty="0" smtClean="0"/>
+              <a:rPr lang="en-US" dirty="0"/>
               <a:t>Include</a:t>
             </a:r>
           </a:p>
@@ -12028,7 +11772,7 @@
               </a:lnSpc>
             </a:pPr>
             <a:r>
-              <a:rPr lang="en-US" dirty="0" smtClean="0"/>
+              <a:rPr lang="en-US" dirty="0"/>
               <a:t>Extend</a:t>
             </a:r>
           </a:p>
@@ -12039,7 +11783,7 @@
               </a:lnSpc>
             </a:pPr>
             <a:r>
-              <a:rPr lang="en-US" dirty="0" smtClean="0"/>
+              <a:rPr lang="en-US" dirty="0"/>
               <a:t>Generalization</a:t>
             </a:r>
           </a:p>
@@ -12050,7 +11794,7 @@
               </a:lnSpc>
               <a:buNone/>
             </a:pPr>
-            <a:endParaRPr lang="en-US" dirty="0" smtClean="0"/>
+            <a:endParaRPr lang="en-US" dirty="0"/>
           </a:p>
           <a:p>
             <a:pPr defTabSz="1065213">
@@ -12059,7 +11803,7 @@
               </a:lnSpc>
             </a:pPr>
             <a:r>
-              <a:rPr lang="en-US" dirty="0" smtClean="0"/>
+              <a:rPr lang="en-US" dirty="0"/>
               <a:t>Relationships between two actors do not exist (irrelevant – outside of the system)</a:t>
             </a:r>
           </a:p>
@@ -12072,11 +11816,11 @@
                 <a:spcPct val="80000"/>
               </a:lnSpc>
             </a:pPr>
-            <a:endParaRPr lang="en-US" dirty="0" smtClean="0"/>
+            <a:endParaRPr lang="en-US" dirty="0"/>
           </a:p>
           <a:p>
             <a:pPr defTabSz="1065213"/>
-            <a:endParaRPr lang="en-CA" dirty="0" smtClean="0"/>
+            <a:endParaRPr lang="en-CA" dirty="0"/>
           </a:p>
         </p:txBody>
       </p:sp>
@@ -12090,13 +11834,6 @@
   <p:clrMapOvr>
     <a:masterClrMapping/>
   </p:clrMapOvr>
-  <p:timing>
-    <p:tnLst>
-      <p:par>
-        <p:cTn id="1" dur="indefinite" restart="never" nodeType="tmRoot"/>
-      </p:par>
-    </p:tnLst>
-  </p:timing>
 </p:sld>
 </file>
 
@@ -12138,7 +11875,7 @@
           <a:lstStyle/>
           <a:p>
             <a:r>
-              <a:rPr lang="en-US" dirty="0" smtClean="0"/>
+              <a:rPr lang="en-US" dirty="0"/>
               <a:t>Example: e-Commerce Website</a:t>
             </a:r>
           </a:p>
@@ -12191,18 +11928,17 @@
           <a:lstStyle/>
           <a:p>
             <a:r>
-              <a:rPr lang="en-US" sz="1400" dirty="0" smtClean="0"/>
+              <a:rPr lang="en-US" sz="1400" dirty="0"/>
               <a:t>Process payment is a </a:t>
             </a:r>
             <a:r>
-              <a:rPr lang="en-US" sz="1400" b="1" u="sng" dirty="0" smtClean="0"/>
+              <a:rPr lang="en-US" sz="1400" b="1" u="sng" dirty="0"/>
               <a:t>MANDATORY</a:t>
             </a:r>
             <a:r>
-              <a:rPr lang="en-US" sz="1400" dirty="0" smtClean="0"/>
+              <a:rPr lang="en-US" sz="1400" dirty="0"/>
               <a:t> part of use case Buy Products</a:t>
             </a:r>
-            <a:endParaRPr lang="en-US" sz="1400" dirty="0"/>
           </a:p>
         </p:txBody>
       </p:sp>
@@ -12229,10 +11965,9 @@
           <a:lstStyle/>
           <a:p>
             <a:r>
-              <a:rPr lang="en-US" sz="1400" dirty="0" smtClean="0"/>
+              <a:rPr lang="en-US" sz="1400" dirty="0"/>
               <a:t>Optional</a:t>
             </a:r>
-            <a:endParaRPr lang="en-US" sz="1400" dirty="0"/>
           </a:p>
         </p:txBody>
       </p:sp>
@@ -12241,13 +11976,6 @@
   <p:clrMapOvr>
     <a:masterClrMapping/>
   </p:clrMapOvr>
-  <p:timing>
-    <p:tnLst>
-      <p:par>
-        <p:cTn id="1" dur="indefinite" restart="never" nodeType="tmRoot"/>
-      </p:par>
-    </p:tnLst>
-  </p:timing>
 </p:sld>
 </file>
 
@@ -12289,7 +12017,7 @@
           <a:lstStyle/>
           <a:p>
             <a:r>
-              <a:rPr lang="en-US" dirty="0" smtClean="0"/>
+              <a:rPr lang="en-US" dirty="0"/>
               <a:t>Use Case Diagrams</a:t>
             </a:r>
           </a:p>
@@ -12370,13 +12098,6 @@
   <p:clrMapOvr>
     <a:masterClrMapping/>
   </p:clrMapOvr>
-  <p:timing>
-    <p:tnLst>
-      <p:par>
-        <p:cTn id="1" dur="indefinite" restart="never" nodeType="tmRoot"/>
-      </p:par>
-    </p:tnLst>
-  </p:timing>
 </p:sld>
 </file>
 
@@ -12413,7 +12134,7 @@
           <a:lstStyle/>
           <a:p>
             <a:r>
-              <a:rPr lang="en-US" dirty="0" smtClean="0"/>
+              <a:rPr lang="en-US" dirty="0"/>
               <a:t>Case: Campus Housing Service</a:t>
             </a:r>
             <a:endParaRPr lang="en-CA" dirty="0"/>
@@ -12443,33 +12164,25 @@
           <a:lstStyle/>
           <a:p>
             <a:r>
-              <a:rPr lang="en-US" dirty="0" smtClean="0"/>
-              <a:t>Campus Housing </a:t>
-            </a:r>
-            <a:r>
-              <a:rPr lang="en-US" dirty="0"/>
-              <a:t>S</a:t>
-            </a:r>
-            <a:r>
-              <a:rPr lang="en-US" dirty="0" smtClean="0"/>
-              <a:t>ervice helps students find apartments</a:t>
-            </a:r>
-          </a:p>
-          <a:p>
-            <a:r>
-              <a:rPr lang="en-US" dirty="0" smtClean="0"/>
+              <a:rPr lang="en-US" dirty="0"/>
+              <a:t>Campus Housing Service helps students find apartments</a:t>
+            </a:r>
+          </a:p>
+          <a:p>
+            <a:r>
+              <a:rPr lang="en-US" dirty="0"/>
               <a:t>Apartment owners fill in information forms about the rental units they have  available (location, number of bedrooms, monthly rent)</a:t>
             </a:r>
           </a:p>
           <a:p>
             <a:r>
-              <a:rPr lang="en-US" dirty="0" smtClean="0"/>
+              <a:rPr lang="en-US" dirty="0"/>
               <a:t>Students can search through this database via the Web to find apartments that meet their needs. They then contact the apartment owner directly to see the apartment and possibly rent it</a:t>
             </a:r>
           </a:p>
           <a:p>
             <a:r>
-              <a:rPr lang="en-US" dirty="0" smtClean="0"/>
+              <a:rPr lang="en-US" dirty="0"/>
               <a:t>Apartment owners call the service to delete their listing when they have rented the apartment</a:t>
             </a:r>
           </a:p>
@@ -12478,7 +12191,7 @@
           </a:p>
           <a:p>
             <a:r>
-              <a:rPr lang="en-US" b="1" dirty="0" smtClean="0">
+              <a:rPr lang="en-US" b="1" dirty="0">
                 <a:solidFill>
                   <a:srgbClr val="0070C0"/>
                 </a:solidFill>
@@ -12496,15 +12209,7 @@
                   <a:srgbClr val="0070C0"/>
                 </a:solidFill>
               </a:rPr>
-              <a:t>	</a:t>
-            </a:r>
-            <a:r>
-              <a:rPr lang="en-US" dirty="0" smtClean="0">
-                <a:solidFill>
-                  <a:srgbClr val="0070C0"/>
-                </a:solidFill>
-              </a:rPr>
-              <a:t>Create a Use Case Diagram for Campus Housing Service</a:t>
+              <a:t>	Create a Use Case Diagram for Campus Housing Service</a:t>
             </a:r>
             <a:endParaRPr lang="en-CA" dirty="0">
               <a:solidFill>
@@ -12524,13 +12229,6 @@
   <p:clrMapOvr>
     <a:masterClrMapping/>
   </p:clrMapOvr>
-  <p:timing>
-    <p:tnLst>
-      <p:par>
-        <p:cTn id="1" dur="indefinite" restart="never" nodeType="tmRoot"/>
-      </p:par>
-    </p:tnLst>
-  </p:timing>
 </p:sld>
 </file>
 
@@ -12588,10 +12286,9 @@
           <a:p>
             <a:pPr algn="ctr"/>
             <a:r>
-              <a:rPr lang="en-US" sz="1600" dirty="0" smtClean="0"/>
+              <a:rPr lang="en-US" sz="1600" dirty="0"/>
               <a:t>Fill Form</a:t>
             </a:r>
-            <a:endParaRPr lang="en-US" sz="1600" dirty="0"/>
           </a:p>
         </p:txBody>
       </p:sp>
@@ -12735,10 +12432,9 @@
             <a:lstStyle/>
             <a:p>
               <a:r>
-                <a:rPr lang="en-US" sz="1400" dirty="0" smtClean="0"/>
+                <a:rPr lang="en-US" sz="1400" dirty="0"/>
                 <a:t>Student</a:t>
               </a:r>
-              <a:endParaRPr lang="en-US" sz="1400" dirty="0"/>
             </a:p>
           </p:txBody>
         </p:sp>
@@ -12820,10 +12516,9 @@
             <a:lstStyle/>
             <a:p>
               <a:r>
-                <a:rPr lang="en-US" sz="1400" dirty="0" smtClean="0"/>
+                <a:rPr lang="en-US" sz="1400" dirty="0"/>
                 <a:t>Owner</a:t>
               </a:r>
-              <a:endParaRPr lang="en-US" sz="1400" dirty="0"/>
             </a:p>
           </p:txBody>
         </p:sp>
@@ -12906,10 +12601,9 @@
             <a:p>
               <a:pPr algn="ctr"/>
               <a:r>
-                <a:rPr lang="en-US" sz="1400" dirty="0" smtClean="0"/>
+                <a:rPr lang="en-US" sz="1400" dirty="0"/>
                 <a:t>Service Staff</a:t>
               </a:r>
-              <a:endParaRPr lang="en-US" sz="1400" dirty="0"/>
             </a:p>
           </p:txBody>
         </p:sp>
@@ -12951,10 +12645,9 @@
           <a:p>
             <a:pPr algn="ctr"/>
             <a:r>
-              <a:rPr lang="en-US" sz="1600" dirty="0" smtClean="0"/>
+              <a:rPr lang="en-US" sz="1600" dirty="0"/>
               <a:t>Fill Location</a:t>
             </a:r>
-            <a:endParaRPr lang="en-US" sz="1600" dirty="0"/>
           </a:p>
         </p:txBody>
       </p:sp>
@@ -12995,10 +12688,9 @@
           <a:p>
             <a:pPr algn="ctr"/>
             <a:r>
-              <a:rPr lang="en-US" sz="1600" dirty="0" smtClean="0"/>
+              <a:rPr lang="en-US" sz="1600" dirty="0"/>
               <a:t>Fill no of rooms</a:t>
             </a:r>
-            <a:endParaRPr lang="en-US" sz="1600" dirty="0"/>
           </a:p>
         </p:txBody>
       </p:sp>
@@ -13039,10 +12731,9 @@
           <a:p>
             <a:pPr algn="ctr"/>
             <a:r>
-              <a:rPr lang="en-US" sz="1600" dirty="0" smtClean="0"/>
+              <a:rPr lang="en-US" sz="1600" dirty="0"/>
               <a:t>Fill rent</a:t>
             </a:r>
-            <a:endParaRPr lang="en-US" sz="1600" dirty="0"/>
           </a:p>
         </p:txBody>
       </p:sp>
@@ -13137,16 +12828,12 @@
           <a:lstStyle/>
           <a:p>
             <a:r>
-              <a:rPr lang="en-US" sz="1200" dirty="0" smtClean="0">
+              <a:rPr lang="en-US" sz="1200" dirty="0">
                 <a:latin typeface="Microsoft YaHei Light" panose="020B0502040204020203" pitchFamily="34" charset="-122"/>
                 <a:ea typeface="Microsoft YaHei Light" panose="020B0502040204020203" pitchFamily="34" charset="-122"/>
               </a:rPr>
               <a:t>include</a:t>
             </a:r>
-            <a:endParaRPr lang="en-US" sz="1200" dirty="0">
-              <a:latin typeface="Microsoft YaHei Light" panose="020B0502040204020203" pitchFamily="34" charset="-122"/>
-              <a:ea typeface="Microsoft YaHei Light" panose="020B0502040204020203" pitchFamily="34" charset="-122"/>
-            </a:endParaRPr>
           </a:p>
         </p:txBody>
       </p:sp>
@@ -13173,16 +12860,12 @@
           <a:lstStyle/>
           <a:p>
             <a:r>
-              <a:rPr lang="en-US" sz="1200" dirty="0" smtClean="0">
+              <a:rPr lang="en-US" sz="1200" dirty="0">
                 <a:latin typeface="Microsoft YaHei Light" panose="020B0502040204020203" pitchFamily="34" charset="-122"/>
                 <a:ea typeface="Microsoft YaHei Light" panose="020B0502040204020203" pitchFamily="34" charset="-122"/>
               </a:rPr>
               <a:t>include</a:t>
             </a:r>
-            <a:endParaRPr lang="en-US" sz="1200" dirty="0">
-              <a:latin typeface="Microsoft YaHei Light" panose="020B0502040204020203" pitchFamily="34" charset="-122"/>
-              <a:ea typeface="Microsoft YaHei Light" panose="020B0502040204020203" pitchFamily="34" charset="-122"/>
-            </a:endParaRPr>
           </a:p>
         </p:txBody>
       </p:sp>
@@ -13209,16 +12892,12 @@
           <a:lstStyle/>
           <a:p>
             <a:r>
-              <a:rPr lang="en-US" sz="1200" dirty="0" smtClean="0">
+              <a:rPr lang="en-US" sz="1200" dirty="0">
                 <a:latin typeface="Microsoft YaHei Light" panose="020B0502040204020203" pitchFamily="34" charset="-122"/>
                 <a:ea typeface="Microsoft YaHei Light" panose="020B0502040204020203" pitchFamily="34" charset="-122"/>
               </a:rPr>
               <a:t>include</a:t>
             </a:r>
-            <a:endParaRPr lang="en-US" sz="1200" dirty="0">
-              <a:latin typeface="Microsoft YaHei Light" panose="020B0502040204020203" pitchFamily="34" charset="-122"/>
-              <a:ea typeface="Microsoft YaHei Light" panose="020B0502040204020203" pitchFamily="34" charset="-122"/>
-            </a:endParaRPr>
           </a:p>
         </p:txBody>
       </p:sp>
@@ -13259,10 +12938,9 @@
           <a:p>
             <a:pPr algn="ctr"/>
             <a:r>
-              <a:rPr lang="en-US" sz="1600" dirty="0" smtClean="0"/>
+              <a:rPr lang="en-US" sz="1600" dirty="0"/>
               <a:t>Search apt</a:t>
             </a:r>
-            <a:endParaRPr lang="en-US" sz="1600" dirty="0"/>
           </a:p>
         </p:txBody>
       </p:sp>
@@ -13333,10 +13011,9 @@
           <a:p>
             <a:pPr algn="ctr"/>
             <a:r>
-              <a:rPr lang="en-US" sz="1400" dirty="0" smtClean="0"/>
+              <a:rPr lang="en-US" sz="1400" dirty="0"/>
               <a:t>Contact with owner</a:t>
             </a:r>
-            <a:endParaRPr lang="en-US" sz="1400" dirty="0"/>
           </a:p>
         </p:txBody>
       </p:sp>
@@ -13377,10 +13054,9 @@
           <a:p>
             <a:pPr algn="ctr"/>
             <a:r>
-              <a:rPr lang="en-US" sz="1600" dirty="0" smtClean="0"/>
+              <a:rPr lang="en-US" sz="1600" dirty="0"/>
               <a:t>Rent apartment</a:t>
             </a:r>
-            <a:endParaRPr lang="en-US" sz="1600" dirty="0"/>
           </a:p>
         </p:txBody>
       </p:sp>
@@ -13440,16 +13116,12 @@
           <a:lstStyle/>
           <a:p>
             <a:r>
-              <a:rPr lang="en-US" sz="1200" dirty="0" smtClean="0">
+              <a:rPr lang="en-US" sz="1200" dirty="0">
                 <a:latin typeface="Microsoft YaHei Light" panose="020B0502040204020203" pitchFamily="34" charset="-122"/>
                 <a:ea typeface="Microsoft YaHei Light" panose="020B0502040204020203" pitchFamily="34" charset="-122"/>
               </a:rPr>
               <a:t>extend</a:t>
             </a:r>
-            <a:endParaRPr lang="en-US" sz="1200" dirty="0">
-              <a:latin typeface="Microsoft YaHei Light" panose="020B0502040204020203" pitchFamily="34" charset="-122"/>
-              <a:ea typeface="Microsoft YaHei Light" panose="020B0502040204020203" pitchFamily="34" charset="-122"/>
-            </a:endParaRPr>
           </a:p>
         </p:txBody>
       </p:sp>
@@ -13509,16 +13181,12 @@
           <a:lstStyle/>
           <a:p>
             <a:r>
-              <a:rPr lang="en-US" sz="1200" dirty="0" smtClean="0">
+              <a:rPr lang="en-US" sz="1200" dirty="0">
                 <a:latin typeface="Microsoft YaHei Light" panose="020B0502040204020203" pitchFamily="34" charset="-122"/>
                 <a:ea typeface="Microsoft YaHei Light" panose="020B0502040204020203" pitchFamily="34" charset="-122"/>
               </a:rPr>
               <a:t>include</a:t>
             </a:r>
-            <a:endParaRPr lang="en-US" sz="1200" dirty="0">
-              <a:latin typeface="Microsoft YaHei Light" panose="020B0502040204020203" pitchFamily="34" charset="-122"/>
-              <a:ea typeface="Microsoft YaHei Light" panose="020B0502040204020203" pitchFamily="34" charset="-122"/>
-            </a:endParaRPr>
           </a:p>
         </p:txBody>
       </p:sp>
@@ -13559,10 +13227,9 @@
           <a:p>
             <a:pPr algn="ctr"/>
             <a:r>
-              <a:rPr lang="en-US" sz="1600" dirty="0" smtClean="0"/>
+              <a:rPr lang="en-US" sz="1600" dirty="0"/>
               <a:t>Delete list</a:t>
             </a:r>
-            <a:endParaRPr lang="en-US" sz="1600" dirty="0"/>
           </a:p>
         </p:txBody>
       </p:sp>
@@ -13663,10 +13330,9 @@
           <a:p>
             <a:pPr algn="ctr"/>
             <a:r>
-              <a:rPr lang="en-US" sz="1600" dirty="0" smtClean="0"/>
+              <a:rPr lang="en-US" sz="1600" dirty="0"/>
               <a:t>Call service</a:t>
             </a:r>
-            <a:endParaRPr lang="en-US" sz="1600" dirty="0"/>
           </a:p>
         </p:txBody>
       </p:sp>
@@ -13788,16 +13454,12 @@
           <a:lstStyle/>
           <a:p>
             <a:r>
-              <a:rPr lang="en-US" sz="1200" dirty="0" smtClean="0">
+              <a:rPr lang="en-US" sz="1200" dirty="0">
                 <a:latin typeface="Microsoft YaHei Light" panose="020B0502040204020203" pitchFamily="34" charset="-122"/>
                 <a:ea typeface="Microsoft YaHei Light" panose="020B0502040204020203" pitchFamily="34" charset="-122"/>
               </a:rPr>
               <a:t>include</a:t>
             </a:r>
-            <a:endParaRPr lang="en-US" sz="1200" dirty="0">
-              <a:latin typeface="Microsoft YaHei Light" panose="020B0502040204020203" pitchFamily="34" charset="-122"/>
-              <a:ea typeface="Microsoft YaHei Light" panose="020B0502040204020203" pitchFamily="34" charset="-122"/>
-            </a:endParaRPr>
           </a:p>
         </p:txBody>
       </p:sp>
@@ -13838,17 +13500,16 @@
           <a:p>
             <a:pPr algn="ctr"/>
             <a:r>
-              <a:rPr lang="en-US" sz="1600" dirty="0" smtClean="0"/>
+              <a:rPr lang="en-US" sz="1600" dirty="0"/>
               <a:t>List</a:t>
             </a:r>
           </a:p>
           <a:p>
             <a:pPr algn="ctr"/>
             <a:r>
-              <a:rPr lang="en-US" sz="1600" dirty="0" smtClean="0"/>
+              <a:rPr lang="en-US" sz="1600" dirty="0"/>
               <a:t>apt</a:t>
             </a:r>
-            <a:endParaRPr lang="en-US" sz="1600" dirty="0"/>
           </a:p>
         </p:txBody>
       </p:sp>
@@ -13959,10 +13620,9 @@
             <a:lstStyle/>
             <a:p>
               <a:r>
-                <a:rPr lang="en-US" sz="1400" dirty="0" smtClean="0"/>
+                <a:rPr lang="en-US" sz="1400" dirty="0"/>
                 <a:t>Student</a:t>
               </a:r>
-              <a:endParaRPr lang="en-US" sz="1400" dirty="0"/>
             </a:p>
           </p:txBody>
         </p:sp>
@@ -14044,10 +13704,9 @@
             <a:lstStyle/>
             <a:p>
               <a:r>
-                <a:rPr lang="en-US" sz="1400" dirty="0" smtClean="0"/>
+                <a:rPr lang="en-US" sz="1400" dirty="0"/>
                 <a:t>Owner</a:t>
               </a:r>
-              <a:endParaRPr lang="en-US" sz="1400" dirty="0"/>
             </a:p>
           </p:txBody>
         </p:sp>
@@ -14130,10 +13789,9 @@
             <a:p>
               <a:pPr algn="ctr"/>
               <a:r>
-                <a:rPr lang="en-US" sz="1400" dirty="0" smtClean="0"/>
+                <a:rPr lang="en-US" sz="1400" dirty="0"/>
                 <a:t>Service Staff</a:t>
               </a:r>
-              <a:endParaRPr lang="en-US" sz="1400" dirty="0"/>
             </a:p>
           </p:txBody>
         </p:sp>
@@ -14175,10 +13833,9 @@
           <a:p>
             <a:pPr algn="ctr"/>
             <a:r>
-              <a:rPr lang="en-US" sz="1600" dirty="0" smtClean="0"/>
+              <a:rPr lang="en-US" sz="1600" dirty="0"/>
               <a:t>Search apt</a:t>
             </a:r>
-            <a:endParaRPr lang="en-US" sz="1600" dirty="0"/>
           </a:p>
         </p:txBody>
       </p:sp>
@@ -14219,10 +13876,9 @@
           <a:p>
             <a:pPr algn="ctr"/>
             <a:r>
-              <a:rPr lang="en-US" sz="1600" dirty="0" smtClean="0"/>
+              <a:rPr lang="en-US" sz="1600" dirty="0"/>
               <a:t>Delete list</a:t>
             </a:r>
-            <a:endParaRPr lang="en-US" sz="1600" dirty="0"/>
           </a:p>
         </p:txBody>
       </p:sp>
@@ -14263,17 +13919,16 @@
           <a:p>
             <a:pPr algn="ctr"/>
             <a:r>
-              <a:rPr lang="en-US" sz="1600" dirty="0" smtClean="0"/>
+              <a:rPr lang="en-US" sz="1600" dirty="0"/>
               <a:t>List</a:t>
             </a:r>
           </a:p>
           <a:p>
             <a:pPr algn="ctr"/>
             <a:r>
-              <a:rPr lang="en-US" sz="1600" dirty="0" smtClean="0"/>
+              <a:rPr lang="en-US" sz="1600" dirty="0"/>
               <a:t>apt</a:t>
             </a:r>
-            <a:endParaRPr lang="en-US" sz="1600" dirty="0"/>
           </a:p>
         </p:txBody>
       </p:sp>
@@ -14418,7 +14073,7 @@
           <a:lstStyle/>
           <a:p>
             <a:r>
-              <a:rPr lang="en-US" dirty="0" smtClean="0"/>
+              <a:rPr lang="en-US" dirty="0"/>
               <a:t>Classes</a:t>
             </a:r>
           </a:p>
@@ -14450,7 +14105,7 @@
               </a:lnSpc>
             </a:pPr>
             <a:r>
-              <a:rPr lang="en-US" dirty="0" smtClean="0"/>
+              <a:rPr lang="en-US" dirty="0"/>
               <a:t>Finding and  documenting classes</a:t>
             </a:r>
           </a:p>
@@ -14461,7 +14116,7 @@
               </a:lnSpc>
             </a:pPr>
             <a:r>
-              <a:rPr lang="en-US" dirty="0" smtClean="0"/>
+              <a:rPr lang="en-US" dirty="0"/>
               <a:t>Informal descriptions</a:t>
             </a:r>
           </a:p>
@@ -14472,7 +14127,7 @@
               </a:lnSpc>
             </a:pPr>
             <a:r>
-              <a:rPr lang="en-US" dirty="0" smtClean="0"/>
+              <a:rPr lang="en-US" dirty="0"/>
               <a:t>identify nouns (objects) and verbs (operations) in written problem description</a:t>
             </a:r>
           </a:p>
@@ -14483,7 +14138,7 @@
               </a:lnSpc>
             </a:pPr>
             <a:r>
-              <a:rPr lang="en-US" dirty="0" smtClean="0"/>
+              <a:rPr lang="en-US" dirty="0"/>
               <a:t>CRC cards</a:t>
             </a:r>
           </a:p>
@@ -14494,7 +14149,7 @@
               </a:lnSpc>
             </a:pPr>
             <a:r>
-              <a:rPr lang="en-US" dirty="0" smtClean="0"/>
+              <a:rPr lang="en-US" dirty="0"/>
               <a:t>Structured analysis</a:t>
             </a:r>
           </a:p>
@@ -14505,7 +14160,7 @@
               </a:lnSpc>
             </a:pPr>
             <a:r>
-              <a:rPr lang="en-US" dirty="0" smtClean="0"/>
+              <a:rPr lang="en-US" dirty="0"/>
               <a:t>model the problem - dataflow diagrams, etc.</a:t>
             </a:r>
           </a:p>
@@ -14516,7 +14171,7 @@
               </a:lnSpc>
             </a:pPr>
             <a:r>
-              <a:rPr lang="en-US" dirty="0" smtClean="0"/>
+              <a:rPr lang="en-US" dirty="0"/>
               <a:t>analyze data elements for potential objects</a:t>
             </a:r>
           </a:p>
@@ -14532,13 +14187,6 @@
   <p:clrMapOvr>
     <a:masterClrMapping/>
   </p:clrMapOvr>
-  <p:timing>
-    <p:tnLst>
-      <p:par>
-        <p:cTn id="1" dur="indefinite" restart="never" nodeType="tmRoot"/>
-      </p:par>
-    </p:tnLst>
-  </p:timing>
 </p:sld>
 </file>
 
@@ -14580,7 +14228,7 @@
           <a:lstStyle/>
           <a:p>
             <a:r>
-              <a:rPr lang="en-US" dirty="0" smtClean="0"/>
+              <a:rPr lang="en-US" dirty="0"/>
               <a:t>Class Diagrams</a:t>
             </a:r>
           </a:p>
@@ -14608,69 +14256,69 @@
           <a:p>
             <a:pPr defTabSz="1065213"/>
             <a:r>
-              <a:rPr lang="en-US" dirty="0" smtClean="0"/>
+              <a:rPr lang="en-US" dirty="0"/>
               <a:t>Symbols</a:t>
             </a:r>
           </a:p>
           <a:p>
             <a:pPr lvl="1" defTabSz="1065213"/>
             <a:r>
-              <a:rPr lang="en-US" dirty="0" smtClean="0"/>
+              <a:rPr lang="en-US" dirty="0"/>
               <a:t>Class</a:t>
             </a:r>
           </a:p>
           <a:p>
             <a:pPr lvl="1" defTabSz="1065213"/>
             <a:r>
-              <a:rPr lang="en-US" dirty="0" smtClean="0"/>
+              <a:rPr lang="en-US" dirty="0"/>
               <a:t>Association</a:t>
             </a:r>
           </a:p>
           <a:p>
             <a:pPr lvl="2" defTabSz="1065213"/>
             <a:r>
-              <a:rPr lang="en-US" dirty="0" smtClean="0"/>
+              <a:rPr lang="en-US" dirty="0"/>
               <a:t>Cardinality</a:t>
             </a:r>
           </a:p>
           <a:p>
             <a:pPr lvl="2" defTabSz="1065213"/>
             <a:r>
-              <a:rPr lang="en-US" dirty="0" smtClean="0"/>
+              <a:rPr lang="en-US" dirty="0"/>
               <a:t>Association Class</a:t>
             </a:r>
           </a:p>
           <a:p>
             <a:pPr lvl="1" defTabSz="1065213"/>
             <a:r>
-              <a:rPr lang="en-US" dirty="0" smtClean="0"/>
+              <a:rPr lang="en-US" dirty="0"/>
               <a:t>Aggregation</a:t>
             </a:r>
           </a:p>
           <a:p>
             <a:pPr lvl="1" defTabSz="1065213"/>
             <a:r>
-              <a:rPr lang="en-US" dirty="0" smtClean="0"/>
+              <a:rPr lang="en-US" dirty="0"/>
               <a:t>Generalization</a:t>
             </a:r>
           </a:p>
           <a:p>
             <a:pPr defTabSz="1065213"/>
             <a:r>
-              <a:rPr lang="en-US" dirty="0" smtClean="0">
+              <a:rPr lang="en-US" dirty="0">
                 <a:hlinkClick r:id="rId2"/>
               </a:rPr>
               <a:t>http://www.ibm.com/developerworks/rational/library/content/RationalEdge/sep04/bell/</a:t>
             </a:r>
-            <a:endParaRPr lang="en-US" dirty="0" smtClean="0"/>
+            <a:endParaRPr lang="en-US" dirty="0"/>
           </a:p>
           <a:p>
             <a:pPr defTabSz="1065213"/>
-            <a:endParaRPr lang="en-US" dirty="0" smtClean="0"/>
+            <a:endParaRPr lang="en-US" dirty="0"/>
           </a:p>
           <a:p>
             <a:pPr defTabSz="1065213"/>
-            <a:endParaRPr lang="en-US" dirty="0" smtClean="0"/>
+            <a:endParaRPr lang="en-US" dirty="0"/>
           </a:p>
         </p:txBody>
       </p:sp>
@@ -14684,13 +14332,6 @@
   <p:clrMapOvr>
     <a:masterClrMapping/>
   </p:clrMapOvr>
-  <p:timing>
-    <p:tnLst>
-      <p:par>
-        <p:cTn id="1" dur="indefinite" restart="never" nodeType="tmRoot"/>
-      </p:par>
-    </p:tnLst>
-  </p:timing>
 </p:sld>
 </file>
 
@@ -14732,7 +14373,7 @@
           <a:lstStyle/>
           <a:p>
             <a:r>
-              <a:rPr lang="en-CA" dirty="0" smtClean="0"/>
+              <a:rPr lang="en-CA" dirty="0"/>
               <a:t>Class Diagrams</a:t>
             </a:r>
           </a:p>
@@ -15085,13 +14726,6 @@
   <p:clrMapOvr>
     <a:masterClrMapping/>
   </p:clrMapOvr>
-  <p:timing>
-    <p:tnLst>
-      <p:par>
-        <p:cTn id="1" dur="indefinite" restart="never" nodeType="tmRoot"/>
-      </p:par>
-    </p:tnLst>
-  </p:timing>
 </p:sld>
 </file>
 
@@ -15133,7 +14767,7 @@
           <a:lstStyle/>
           <a:p>
             <a:r>
-              <a:rPr lang="en-US" smtClean="0"/>
+              <a:rPr lang="en-US"/>
               <a:t>Class Diagrams</a:t>
             </a:r>
           </a:p>
@@ -15165,11 +14799,11 @@
               </a:lnSpc>
             </a:pPr>
             <a:r>
-              <a:rPr lang="en-US" u="sng" dirty="0" smtClean="0"/>
+              <a:rPr lang="en-US" u="sng" dirty="0"/>
               <a:t>Start small and simple</a:t>
             </a:r>
             <a:r>
-              <a:rPr lang="en-US" dirty="0" smtClean="0"/>
+              <a:rPr lang="en-US" dirty="0"/>
               <a:t>: smaller and simpler model is easier to understand; also it is easier to add things to the model that to remove</a:t>
             </a:r>
           </a:p>
@@ -15180,7 +14814,7 @@
               </a:lnSpc>
             </a:pPr>
             <a:r>
-              <a:rPr lang="en-US" dirty="0" smtClean="0"/>
+              <a:rPr lang="en-US" dirty="0"/>
               <a:t>Expect the class diagram to change over time as you will discover the need for more classes, or more detail (operations and/or attributes) in existing classes</a:t>
             </a:r>
           </a:p>
@@ -15196,13 +14830,6 @@
   <p:clrMapOvr>
     <a:masterClrMapping/>
   </p:clrMapOvr>
-  <p:timing>
-    <p:tnLst>
-      <p:par>
-        <p:cTn id="1" dur="indefinite" restart="never" nodeType="tmRoot"/>
-      </p:par>
-    </p:tnLst>
-  </p:timing>
 </p:sld>
 </file>
 
@@ -15244,7 +14871,7 @@
           <a:lstStyle/>
           <a:p>
             <a:r>
-              <a:rPr lang="en-US" dirty="0" smtClean="0"/>
+              <a:rPr lang="en-US" dirty="0"/>
               <a:t>Classes &amp; Objects</a:t>
             </a:r>
           </a:p>
@@ -15278,11 +14905,11 @@
               </a:lnSpc>
             </a:pPr>
             <a:r>
-              <a:rPr lang="en-US" dirty="0" smtClean="0"/>
+              <a:rPr lang="en-US" dirty="0"/>
               <a:t>An </a:t>
             </a:r>
             <a:r>
-              <a:rPr lang="en-US" b="1" dirty="0" smtClean="0"/>
+              <a:rPr lang="en-US" b="1" dirty="0"/>
               <a:t>Object</a:t>
             </a:r>
           </a:p>
@@ -15293,7 +14920,7 @@
               </a:lnSpc>
             </a:pPr>
             <a:r>
-              <a:rPr lang="en-US" dirty="0" smtClean="0"/>
+              <a:rPr lang="en-US" dirty="0"/>
               <a:t>Is a person, place, or thing, or concept</a:t>
             </a:r>
           </a:p>
@@ -15304,7 +14931,7 @@
               </a:lnSpc>
             </a:pPr>
             <a:r>
-              <a:rPr lang="en-US" dirty="0" smtClean="0"/>
+              <a:rPr lang="en-US" dirty="0"/>
               <a:t>Has permanence and identity</a:t>
             </a:r>
           </a:p>
@@ -15315,7 +14942,7 @@
               </a:lnSpc>
             </a:pPr>
             <a:r>
-              <a:rPr lang="en-US" dirty="0" smtClean="0"/>
+              <a:rPr lang="en-US" dirty="0"/>
               <a:t>Well defined boundaries and meaning </a:t>
             </a:r>
           </a:p>
@@ -15326,7 +14953,7 @@
               </a:lnSpc>
             </a:pPr>
             <a:r>
-              <a:rPr lang="en-US" dirty="0" smtClean="0"/>
+              <a:rPr lang="en-US" dirty="0"/>
               <a:t>Can be simple or complex</a:t>
             </a:r>
           </a:p>
@@ -15337,7 +14964,7 @@
               </a:lnSpc>
             </a:pPr>
             <a:r>
-              <a:rPr lang="en-US" dirty="0" smtClean="0"/>
+              <a:rPr lang="en-US" dirty="0"/>
               <a:t>Can be real</a:t>
             </a:r>
           </a:p>
@@ -15348,7 +14975,7 @@
               </a:lnSpc>
             </a:pPr>
             <a:r>
-              <a:rPr lang="en-US" dirty="0" smtClean="0"/>
+              <a:rPr lang="en-US" dirty="0"/>
               <a:t>Example:  a Car, a Chair</a:t>
             </a:r>
           </a:p>
@@ -15359,7 +14986,7 @@
               </a:lnSpc>
             </a:pPr>
             <a:r>
-              <a:rPr lang="en-US" dirty="0" smtClean="0"/>
+              <a:rPr lang="en-US" dirty="0"/>
               <a:t> or imaginary</a:t>
             </a:r>
           </a:p>
@@ -15370,7 +14997,7 @@
               </a:lnSpc>
             </a:pPr>
             <a:r>
-              <a:rPr lang="en-US" dirty="0" smtClean="0"/>
+              <a:rPr lang="en-US" dirty="0"/>
               <a:t>Example:  a Color, a Date</a:t>
             </a:r>
           </a:p>
@@ -15381,7 +15008,7 @@
               </a:lnSpc>
               <a:buNone/>
             </a:pPr>
-            <a:endParaRPr lang="en-US" dirty="0" smtClean="0"/>
+            <a:endParaRPr lang="en-US" dirty="0"/>
           </a:p>
           <a:p>
             <a:pPr lvl="1" defTabSz="1065213">
@@ -15403,7 +15030,7 @@
                 <a:spcPct val="80000"/>
               </a:lnSpc>
             </a:pPr>
-            <a:endParaRPr lang="en-US" dirty="0" smtClean="0"/>
+            <a:endParaRPr lang="en-US" dirty="0"/>
           </a:p>
         </p:txBody>
       </p:sp>
@@ -15412,13 +15039,6 @@
   <p:clrMapOvr>
     <a:masterClrMapping/>
   </p:clrMapOvr>
-  <p:timing>
-    <p:tnLst>
-      <p:par>
-        <p:cTn id="1" dur="indefinite" restart="never" nodeType="tmRoot"/>
-      </p:par>
-    </p:tnLst>
-  </p:timing>
 </p:sld>
 </file>
 
@@ -15460,7 +15080,7 @@
           <a:lstStyle/>
           <a:p>
             <a:r>
-              <a:rPr lang="en-US" smtClean="0"/>
+              <a:rPr lang="en-US"/>
               <a:t>Association Relationship </a:t>
             </a:r>
           </a:p>
@@ -15492,7 +15112,7 @@
               </a:lnSpc>
             </a:pPr>
             <a:r>
-              <a:rPr lang="en-US" b="1" dirty="0" smtClean="0"/>
+              <a:rPr lang="en-US" b="1" dirty="0"/>
               <a:t>Cardinality</a:t>
             </a:r>
           </a:p>
@@ -15503,7 +15123,7 @@
               </a:lnSpc>
             </a:pPr>
             <a:r>
-              <a:rPr lang="en-US" dirty="0" smtClean="0"/>
+              <a:rPr lang="en-US" dirty="0"/>
               <a:t>How many of one object are related to how many of another object</a:t>
             </a:r>
           </a:p>
@@ -15514,7 +15134,7 @@
               </a:lnSpc>
             </a:pPr>
             <a:r>
-              <a:rPr lang="en-US" dirty="0" smtClean="0"/>
+              <a:rPr lang="en-US" dirty="0"/>
               <a:t>One-to-one</a:t>
             </a:r>
           </a:p>
@@ -15525,7 +15145,7 @@
               </a:lnSpc>
             </a:pPr>
             <a:r>
-              <a:rPr lang="en-US" dirty="0" smtClean="0"/>
+              <a:rPr lang="en-US" dirty="0"/>
               <a:t>Sale transaction to credit card payment</a:t>
             </a:r>
           </a:p>
@@ -15536,7 +15156,7 @@
               </a:lnSpc>
             </a:pPr>
             <a:r>
-              <a:rPr lang="en-US" dirty="0" smtClean="0"/>
+              <a:rPr lang="en-US" dirty="0"/>
               <a:t>One-to-many</a:t>
             </a:r>
           </a:p>
@@ -15547,7 +15167,7 @@
               </a:lnSpc>
             </a:pPr>
             <a:r>
-              <a:rPr lang="en-US" dirty="0" smtClean="0"/>
+              <a:rPr lang="en-US" dirty="0"/>
               <a:t>sale to product-sold</a:t>
             </a:r>
           </a:p>
@@ -15558,7 +15178,7 @@
               </a:lnSpc>
             </a:pPr>
             <a:r>
-              <a:rPr lang="en-US" dirty="0" smtClean="0"/>
+              <a:rPr lang="en-US" dirty="0"/>
               <a:t>Many-to-many</a:t>
             </a:r>
           </a:p>
@@ -15569,7 +15189,7 @@
               </a:lnSpc>
             </a:pPr>
             <a:r>
-              <a:rPr lang="en-US" dirty="0" smtClean="0"/>
+              <a:rPr lang="en-US" dirty="0"/>
               <a:t>customer to salesperson</a:t>
             </a:r>
           </a:p>
@@ -15580,11 +15200,11 @@
               </a:lnSpc>
             </a:pPr>
             <a:r>
-              <a:rPr lang="en-US" b="1" dirty="0" smtClean="0"/>
+              <a:rPr lang="en-US" b="1" dirty="0"/>
               <a:t>Roles</a:t>
             </a:r>
             <a:r>
-              <a:rPr lang="en-US" dirty="0" smtClean="0"/>
+              <a:rPr lang="en-US" dirty="0"/>
               <a:t> – describe role each class plays in the association</a:t>
             </a:r>
           </a:p>
@@ -15600,13 +15220,6 @@
   <p:clrMapOvr>
     <a:masterClrMapping/>
   </p:clrMapOvr>
-  <p:timing>
-    <p:tnLst>
-      <p:par>
-        <p:cTn id="1" dur="indefinite" restart="never" nodeType="tmRoot"/>
-      </p:par>
-    </p:tnLst>
-  </p:timing>
 </p:sld>
 </file>
 
@@ -15648,7 +15261,7 @@
           <a:lstStyle/>
           <a:p>
             <a:r>
-              <a:rPr lang="en-CA" dirty="0" smtClean="0"/>
+              <a:rPr lang="en-CA" dirty="0"/>
               <a:t>Association Example</a:t>
             </a:r>
           </a:p>
@@ -15689,13 +15302,6 @@
   <p:clrMapOvr>
     <a:masterClrMapping/>
   </p:clrMapOvr>
-  <p:timing>
-    <p:tnLst>
-      <p:par>
-        <p:cTn id="1" dur="indefinite" restart="never" nodeType="tmRoot"/>
-      </p:par>
-    </p:tnLst>
-  </p:timing>
 </p:sld>
 </file>
 
@@ -15737,7 +15343,7 @@
           <a:lstStyle/>
           <a:p>
             <a:r>
-              <a:rPr lang="en-US" dirty="0" smtClean="0"/>
+              <a:rPr lang="en-US" dirty="0"/>
               <a:t>Cardinality Exercise</a:t>
             </a:r>
             <a:endParaRPr lang="en-CA" dirty="0"/>
@@ -15765,7 +15371,7 @@
           <a:lstStyle/>
           <a:p>
             <a:r>
-              <a:rPr lang="en-US" dirty="0" smtClean="0"/>
+              <a:rPr lang="en-US" dirty="0"/>
               <a:t>Indicate cardinalities at each end of the following relationships:</a:t>
             </a:r>
           </a:p>
@@ -15775,7 +15381,7 @@
               <a:buAutoNum type="arabicPeriod"/>
             </a:pPr>
             <a:r>
-              <a:rPr lang="en-US" dirty="0" smtClean="0"/>
+              <a:rPr lang="en-US" dirty="0"/>
               <a:t>A patient must be assigned to only one doctor, and a doctor can have many patients</a:t>
             </a:r>
           </a:p>
@@ -15785,7 +15391,7 @@
               <a:buAutoNum type="arabicPeriod"/>
             </a:pPr>
             <a:r>
-              <a:rPr lang="en-US" dirty="0" smtClean="0"/>
+              <a:rPr lang="en-US" dirty="0"/>
               <a:t>An employee has one phone extension, and a unique phone extension is assigned to each employee</a:t>
             </a:r>
           </a:p>
@@ -15795,7 +15401,7 @@
               <a:buAutoNum type="arabicPeriod"/>
             </a:pPr>
             <a:r>
-              <a:rPr lang="en-US" dirty="0" smtClean="0"/>
+              <a:rPr lang="en-US" dirty="0"/>
               <a:t>A movie theatre show many different movies, and the same movie can  be shown at different theatres around town</a:t>
             </a:r>
             <a:endParaRPr lang="en-CA" dirty="0"/>
@@ -15853,10 +15459,9 @@
             <a:p>
               <a:pPr algn="ctr"/>
               <a:r>
-                <a:rPr lang="en-US" sz="1600" dirty="0" smtClean="0"/>
+                <a:rPr lang="en-US" sz="1600" dirty="0"/>
                 <a:t>Movie</a:t>
               </a:r>
-              <a:endParaRPr lang="en-US" sz="1600" dirty="0"/>
             </a:p>
           </p:txBody>
         </p:sp>
@@ -15897,10 +15502,9 @@
             <a:p>
               <a:pPr algn="ctr"/>
               <a:r>
-                <a:rPr lang="en-US" sz="1600" dirty="0" smtClean="0"/>
+                <a:rPr lang="en-US" sz="1600" dirty="0"/>
                 <a:t>Theater</a:t>
               </a:r>
-              <a:endParaRPr lang="en-US" sz="1600" dirty="0"/>
             </a:p>
           </p:txBody>
         </p:sp>
@@ -15960,7 +15564,7 @@
             <a:lstStyle/>
             <a:p>
               <a:r>
-                <a:rPr lang="en-US" sz="1000" b="1" dirty="0" smtClean="0">
+                <a:rPr lang="en-US" sz="1000" b="1" dirty="0">
                   <a:latin typeface="Arial" panose="020B0604020202020204" pitchFamily="34" charset="0"/>
                   <a:cs typeface="Arial" panose="020B0604020202020204" pitchFamily="34" charset="0"/>
                 </a:rPr>
@@ -15996,7 +15600,7 @@
             <a:lstStyle/>
             <a:p>
               <a:r>
-                <a:rPr lang="en-US" sz="1000" b="1" dirty="0" smtClean="0">
+                <a:rPr lang="en-US" sz="1000" b="1" dirty="0">
                   <a:latin typeface="Arial" panose="020B0604020202020204" pitchFamily="34" charset="0"/>
                   <a:cs typeface="Arial" panose="020B0604020202020204" pitchFamily="34" charset="0"/>
                 </a:rPr>
@@ -16032,7 +15636,7 @@
             <a:lstStyle/>
             <a:p>
               <a:r>
-                <a:rPr lang="en-US" sz="1000" b="1" dirty="0" smtClean="0">
+                <a:rPr lang="en-US" sz="1000" b="1" dirty="0">
                   <a:latin typeface="Arial" panose="020B0604020202020204" pitchFamily="34" charset="0"/>
                   <a:cs typeface="Arial" panose="020B0604020202020204" pitchFamily="34" charset="0"/>
                 </a:rPr>
@@ -16097,10 +15701,9 @@
             <a:p>
               <a:pPr algn="ctr"/>
               <a:r>
-                <a:rPr lang="en-US" sz="1400" dirty="0" smtClean="0"/>
+                <a:rPr lang="en-US" sz="1400" dirty="0"/>
                 <a:t>Employee</a:t>
               </a:r>
-              <a:endParaRPr lang="en-US" sz="1400" dirty="0"/>
             </a:p>
           </p:txBody>
         </p:sp>
@@ -16141,10 +15744,9 @@
             <a:p>
               <a:pPr algn="ctr"/>
               <a:r>
-                <a:rPr lang="en-US" sz="1400" dirty="0" smtClean="0"/>
+                <a:rPr lang="en-US" sz="1400" dirty="0"/>
                 <a:t>Phone Ext</a:t>
               </a:r>
-              <a:endParaRPr lang="en-US" sz="1400" dirty="0"/>
             </a:p>
           </p:txBody>
         </p:sp>
@@ -16204,7 +15806,7 @@
             <a:lstStyle/>
             <a:p>
               <a:r>
-                <a:rPr lang="en-US" sz="1000" b="1" dirty="0" smtClean="0">
+                <a:rPr lang="en-US" sz="1000" b="1" dirty="0">
                   <a:latin typeface="Arial" panose="020B0604020202020204" pitchFamily="34" charset="0"/>
                   <a:cs typeface="Arial" panose="020B0604020202020204" pitchFamily="34" charset="0"/>
                 </a:rPr>
@@ -16240,7 +15842,7 @@
             <a:lstStyle/>
             <a:p>
               <a:r>
-                <a:rPr lang="en-US" sz="1000" b="1" dirty="0" smtClean="0">
+                <a:rPr lang="en-US" sz="1000" b="1" dirty="0">
                   <a:latin typeface="Arial" panose="020B0604020202020204" pitchFamily="34" charset="0"/>
                   <a:cs typeface="Arial" panose="020B0604020202020204" pitchFamily="34" charset="0"/>
                 </a:rPr>
@@ -16262,7 +15864,7 @@
           <p:spPr>
             <a:xfrm>
               <a:off x="2855439" y="5320364"/>
-              <a:ext cx="878767" cy="246221"/>
+              <a:ext cx="1170513" cy="246221"/>
             </a:xfrm>
             <a:prstGeom prst="rect">
               <a:avLst/>
@@ -16276,11 +15878,11 @@
             <a:lstStyle/>
             <a:p>
               <a:r>
-                <a:rPr lang="en-US" sz="1000" b="1" dirty="0" smtClean="0">
+                <a:rPr lang="en-US" sz="1000" b="1" dirty="0">
                   <a:latin typeface="Arial" panose="020B0604020202020204" pitchFamily="34" charset="0"/>
                   <a:cs typeface="Arial" panose="020B0604020202020204" pitchFamily="34" charset="0"/>
                 </a:rPr>
-                <a:t>Is assigned</a:t>
+                <a:t>Is assigned with</a:t>
               </a:r>
               <a:endParaRPr lang="en-US" sz="900" b="1" dirty="0">
                 <a:latin typeface="Arial" panose="020B0604020202020204" pitchFamily="34" charset="0"/>
@@ -16341,10 +15943,9 @@
             <a:p>
               <a:pPr algn="ctr"/>
               <a:r>
-                <a:rPr lang="en-US" sz="1400" dirty="0" smtClean="0"/>
+                <a:rPr lang="en-US" sz="1400" dirty="0"/>
                 <a:t>Patient</a:t>
               </a:r>
-              <a:endParaRPr lang="en-US" sz="1400" dirty="0"/>
             </a:p>
           </p:txBody>
         </p:sp>
@@ -16385,10 +15986,9 @@
             <a:p>
               <a:pPr algn="ctr"/>
               <a:r>
-                <a:rPr lang="en-US" sz="1400" dirty="0" smtClean="0"/>
+                <a:rPr lang="en-US" sz="1400" dirty="0"/>
                 <a:t>Doctor</a:t>
               </a:r>
-              <a:endParaRPr lang="en-US" sz="1400" dirty="0"/>
             </a:p>
           </p:txBody>
         </p:sp>
@@ -16448,7 +16048,7 @@
             <a:lstStyle/>
             <a:p>
               <a:r>
-                <a:rPr lang="en-US" sz="1000" b="1" dirty="0" smtClean="0">
+                <a:rPr lang="en-US" sz="1000" b="1" dirty="0">
                   <a:latin typeface="Arial" panose="020B0604020202020204" pitchFamily="34" charset="0"/>
                   <a:cs typeface="Arial" panose="020B0604020202020204" pitchFamily="34" charset="0"/>
                 </a:rPr>
@@ -16484,7 +16084,7 @@
             <a:lstStyle/>
             <a:p>
               <a:r>
-                <a:rPr lang="en-US" sz="1000" b="1" dirty="0" smtClean="0">
+                <a:rPr lang="en-US" sz="1000" b="1" dirty="0">
                   <a:latin typeface="Arial" panose="020B0604020202020204" pitchFamily="34" charset="0"/>
                   <a:cs typeface="Arial" panose="020B0604020202020204" pitchFamily="34" charset="0"/>
                 </a:rPr>
@@ -16520,7 +16120,7 @@
             <a:lstStyle/>
             <a:p>
               <a:r>
-                <a:rPr lang="en-US" sz="1000" b="1" dirty="0" smtClean="0">
+                <a:rPr lang="en-US" sz="1000" b="1" dirty="0">
                   <a:latin typeface="Arial" panose="020B0604020202020204" pitchFamily="34" charset="0"/>
                   <a:cs typeface="Arial" panose="020B0604020202020204" pitchFamily="34" charset="0"/>
                 </a:rPr>
@@ -16557,10 +16157,9 @@
           <a:lstStyle/>
           <a:p>
             <a:r>
-              <a:rPr lang="en-US" dirty="0" smtClean="0"/>
+              <a:rPr lang="en-US" dirty="0"/>
               <a:t>one-many</a:t>
             </a:r>
-            <a:endParaRPr lang="en-US" dirty="0"/>
           </a:p>
         </p:txBody>
       </p:sp>
@@ -16587,10 +16186,9 @@
           <a:lstStyle/>
           <a:p>
             <a:r>
-              <a:rPr lang="en-US" dirty="0" smtClean="0"/>
+              <a:rPr lang="en-US" dirty="0"/>
               <a:t>one-one</a:t>
             </a:r>
-            <a:endParaRPr lang="en-US" dirty="0"/>
           </a:p>
         </p:txBody>
       </p:sp>
@@ -16617,10 +16215,9 @@
           <a:lstStyle/>
           <a:p>
             <a:r>
-              <a:rPr lang="en-US" dirty="0" smtClean="0"/>
+              <a:rPr lang="en-US" dirty="0"/>
               <a:t>many-many</a:t>
             </a:r>
-            <a:endParaRPr lang="en-US" dirty="0"/>
           </a:p>
         </p:txBody>
       </p:sp>
@@ -16634,13 +16231,6 @@
   <p:clrMapOvr>
     <a:masterClrMapping/>
   </p:clrMapOvr>
-  <p:timing>
-    <p:tnLst>
-      <p:par>
-        <p:cTn id="1" dur="indefinite" restart="never" nodeType="tmRoot"/>
-      </p:par>
-    </p:tnLst>
-  </p:timing>
 </p:sld>
 </file>
 
@@ -16682,7 +16272,7 @@
           <a:lstStyle/>
           <a:p>
             <a:r>
-              <a:rPr lang="en-CA" dirty="0" smtClean="0"/>
+              <a:rPr lang="en-CA" dirty="0"/>
               <a:t>Association Class</a:t>
             </a:r>
           </a:p>
@@ -16711,69 +16301,69 @@
           <a:lstStyle/>
           <a:p>
             <a:r>
-              <a:rPr lang="en-CA" sz="6200" dirty="0" smtClean="0"/>
+              <a:rPr lang="en-CA" sz="6200" dirty="0"/>
               <a:t>When there is a need to store data for the relationship itself</a:t>
             </a:r>
           </a:p>
           <a:p>
             <a:r>
-              <a:rPr lang="en-CA" sz="6200" dirty="0" smtClean="0"/>
+              <a:rPr lang="en-CA" sz="6200" dirty="0"/>
               <a:t>Useful particularly in many-to-many relationships</a:t>
             </a:r>
           </a:p>
           <a:p>
             <a:r>
-              <a:rPr lang="en-CA" sz="6200" dirty="0" smtClean="0"/>
+              <a:rPr lang="en-CA" sz="6200" dirty="0"/>
               <a:t>Can be replaced with additional class and two relationships</a:t>
             </a:r>
           </a:p>
           <a:p>
-            <a:endParaRPr lang="en-CA" sz="1200" dirty="0" smtClean="0"/>
-          </a:p>
-          <a:p>
-            <a:endParaRPr lang="en-CA" sz="1200" dirty="0" smtClean="0"/>
-          </a:p>
-          <a:p>
-            <a:endParaRPr lang="en-CA" sz="1200" dirty="0" smtClean="0"/>
-          </a:p>
-          <a:p>
-            <a:endParaRPr lang="en-CA" sz="1200" dirty="0" smtClean="0"/>
-          </a:p>
-          <a:p>
-            <a:endParaRPr lang="en-CA" sz="1200" dirty="0" smtClean="0"/>
-          </a:p>
-          <a:p>
-            <a:endParaRPr lang="en-CA" sz="1200" dirty="0" smtClean="0"/>
-          </a:p>
-          <a:p>
-            <a:endParaRPr lang="en-CA" sz="1200" dirty="0" smtClean="0"/>
-          </a:p>
-          <a:p>
-            <a:endParaRPr lang="en-CA" sz="1200" dirty="0" smtClean="0"/>
-          </a:p>
-          <a:p>
-            <a:endParaRPr lang="en-CA" sz="1200" dirty="0" smtClean="0"/>
-          </a:p>
-          <a:p>
-            <a:endParaRPr lang="en-CA" sz="1200" dirty="0" smtClean="0"/>
-          </a:p>
-          <a:p>
-            <a:endParaRPr lang="en-CA" sz="1200" dirty="0" smtClean="0"/>
-          </a:p>
-          <a:p>
-            <a:endParaRPr lang="en-CA" sz="1200" dirty="0" smtClean="0"/>
-          </a:p>
-          <a:p>
-            <a:endParaRPr lang="en-CA" sz="1200" dirty="0" smtClean="0"/>
-          </a:p>
-          <a:p>
-            <a:r>
-              <a:rPr lang="en-CA" sz="1200" dirty="0" smtClean="0"/>
+            <a:endParaRPr lang="en-CA" sz="1200" dirty="0"/>
+          </a:p>
+          <a:p>
+            <a:endParaRPr lang="en-CA" sz="1200" dirty="0"/>
+          </a:p>
+          <a:p>
+            <a:endParaRPr lang="en-CA" sz="1200" dirty="0"/>
+          </a:p>
+          <a:p>
+            <a:endParaRPr lang="en-CA" sz="1200" dirty="0"/>
+          </a:p>
+          <a:p>
+            <a:endParaRPr lang="en-CA" sz="1200" dirty="0"/>
+          </a:p>
+          <a:p>
+            <a:endParaRPr lang="en-CA" sz="1200" dirty="0"/>
+          </a:p>
+          <a:p>
+            <a:endParaRPr lang="en-CA" sz="1200" dirty="0"/>
+          </a:p>
+          <a:p>
+            <a:endParaRPr lang="en-CA" sz="1200" dirty="0"/>
+          </a:p>
+          <a:p>
+            <a:endParaRPr lang="en-CA" sz="1200" dirty="0"/>
+          </a:p>
+          <a:p>
+            <a:endParaRPr lang="en-CA" sz="1200" dirty="0"/>
+          </a:p>
+          <a:p>
+            <a:endParaRPr lang="en-CA" sz="1200" dirty="0"/>
+          </a:p>
+          <a:p>
+            <a:endParaRPr lang="en-CA" sz="1200" dirty="0"/>
+          </a:p>
+          <a:p>
+            <a:endParaRPr lang="en-CA" sz="1200" dirty="0"/>
+          </a:p>
+          <a:p>
+            <a:r>
+              <a:rPr lang="en-CA" sz="1200" dirty="0"/>
               <a:t>http://www.ibm.com/developerworks/rational/library/content/RationalEdge/sep04/bell/</a:t>
             </a:r>
           </a:p>
           <a:p>
-            <a:endParaRPr lang="en-CA" dirty="0" smtClean="0"/>
+            <a:endParaRPr lang="en-CA" dirty="0"/>
           </a:p>
         </p:txBody>
       </p:sp>
@@ -16853,13 +16443,6 @@
   <p:clrMapOvr>
     <a:masterClrMapping/>
   </p:clrMapOvr>
-  <p:timing>
-    <p:tnLst>
-      <p:par>
-        <p:cTn id="1" dur="indefinite" restart="never" nodeType="tmRoot"/>
-      </p:par>
-    </p:tnLst>
-  </p:timing>
 </p:sld>
 </file>
 
@@ -16901,7 +16484,7 @@
           <a:lstStyle/>
           <a:p>
             <a:r>
-              <a:rPr lang="en-CA" dirty="0" smtClean="0"/>
+              <a:rPr lang="en-CA" dirty="0"/>
               <a:t>Unidirectional Association</a:t>
             </a:r>
           </a:p>
@@ -16930,70 +16513,70 @@
           <a:lstStyle/>
           <a:p>
             <a:r>
-              <a:rPr lang="en-CA" dirty="0" smtClean="0"/>
+              <a:rPr lang="en-CA" dirty="0"/>
               <a:t>When two classes are related, but only one class “knows” about the relationship – add an arrow to the line</a:t>
             </a:r>
           </a:p>
           <a:p>
             <a:r>
-              <a:rPr lang="en-CA" dirty="0" smtClean="0"/>
+              <a:rPr lang="en-CA" dirty="0"/>
               <a:t>This is </a:t>
             </a:r>
             <a:r>
-              <a:rPr lang="en-CA" u="sng" dirty="0" smtClean="0"/>
+              <a:rPr lang="en-CA" u="sng" dirty="0"/>
               <a:t>rare</a:t>
             </a:r>
           </a:p>
           <a:p>
-            <a:endParaRPr lang="en-CA" sz="1200" dirty="0" smtClean="0"/>
-          </a:p>
-          <a:p>
-            <a:endParaRPr lang="en-CA" sz="1200" dirty="0" smtClean="0"/>
-          </a:p>
-          <a:p>
-            <a:endParaRPr lang="en-CA" sz="1200" dirty="0" smtClean="0"/>
-          </a:p>
-          <a:p>
-            <a:endParaRPr lang="en-CA" sz="1200" dirty="0" smtClean="0"/>
-          </a:p>
-          <a:p>
-            <a:endParaRPr lang="en-CA" sz="1200" dirty="0" smtClean="0"/>
-          </a:p>
-          <a:p>
-            <a:endParaRPr lang="en-CA" sz="1200" dirty="0" smtClean="0"/>
-          </a:p>
-          <a:p>
-            <a:endParaRPr lang="en-CA" sz="1200" dirty="0" smtClean="0"/>
-          </a:p>
-          <a:p>
-            <a:endParaRPr lang="en-CA" sz="1200" dirty="0" smtClean="0"/>
-          </a:p>
-          <a:p>
-            <a:endParaRPr lang="en-CA" sz="1200" dirty="0" smtClean="0"/>
-          </a:p>
-          <a:p>
-            <a:endParaRPr lang="en-CA" sz="1200" dirty="0" smtClean="0"/>
-          </a:p>
-          <a:p>
-            <a:endParaRPr lang="en-CA" sz="1200" dirty="0" smtClean="0"/>
-          </a:p>
-          <a:p>
-            <a:endParaRPr lang="en-CA" sz="1200" dirty="0" smtClean="0"/>
-          </a:p>
-          <a:p>
-            <a:endParaRPr lang="en-CA" sz="1200" dirty="0" smtClean="0"/>
-          </a:p>
-          <a:p>
-            <a:endParaRPr lang="en-CA" sz="1200" dirty="0" smtClean="0"/>
-          </a:p>
-          <a:p>
-            <a:r>
-              <a:rPr lang="en-CA" sz="1200" dirty="0" smtClean="0"/>
+            <a:endParaRPr lang="en-CA" sz="1200" dirty="0"/>
+          </a:p>
+          <a:p>
+            <a:endParaRPr lang="en-CA" sz="1200" dirty="0"/>
+          </a:p>
+          <a:p>
+            <a:endParaRPr lang="en-CA" sz="1200" dirty="0"/>
+          </a:p>
+          <a:p>
+            <a:endParaRPr lang="en-CA" sz="1200" dirty="0"/>
+          </a:p>
+          <a:p>
+            <a:endParaRPr lang="en-CA" sz="1200" dirty="0"/>
+          </a:p>
+          <a:p>
+            <a:endParaRPr lang="en-CA" sz="1200" dirty="0"/>
+          </a:p>
+          <a:p>
+            <a:endParaRPr lang="en-CA" sz="1200" dirty="0"/>
+          </a:p>
+          <a:p>
+            <a:endParaRPr lang="en-CA" sz="1200" dirty="0"/>
+          </a:p>
+          <a:p>
+            <a:endParaRPr lang="en-CA" sz="1200" dirty="0"/>
+          </a:p>
+          <a:p>
+            <a:endParaRPr lang="en-CA" sz="1200" dirty="0"/>
+          </a:p>
+          <a:p>
+            <a:endParaRPr lang="en-CA" sz="1200" dirty="0"/>
+          </a:p>
+          <a:p>
+            <a:endParaRPr lang="en-CA" sz="1200" dirty="0"/>
+          </a:p>
+          <a:p>
+            <a:endParaRPr lang="en-CA" sz="1200" dirty="0"/>
+          </a:p>
+          <a:p>
+            <a:endParaRPr lang="en-CA" sz="1200" dirty="0"/>
+          </a:p>
+          <a:p>
+            <a:r>
+              <a:rPr lang="en-CA" sz="1200" dirty="0"/>
               <a:t>http://www.ibm.com/developerworks/rational/library/content/RationalEdge/sep04/bell/</a:t>
             </a:r>
           </a:p>
           <a:p>
-            <a:endParaRPr lang="en-CA" dirty="0" smtClean="0"/>
+            <a:endParaRPr lang="en-CA" dirty="0"/>
           </a:p>
         </p:txBody>
       </p:sp>
@@ -17039,13 +16622,6 @@
   <p:clrMapOvr>
     <a:masterClrMapping/>
   </p:clrMapOvr>
-  <p:timing>
-    <p:tnLst>
-      <p:par>
-        <p:cTn id="1" dur="indefinite" restart="never" nodeType="tmRoot"/>
-      </p:par>
-    </p:tnLst>
-  </p:timing>
 </p:sld>
 </file>
 
@@ -17087,7 +16663,7 @@
           <a:lstStyle/>
           <a:p>
             <a:r>
-              <a:rPr lang="en-CA" dirty="0" smtClean="0"/>
+              <a:rPr lang="en-CA" dirty="0"/>
               <a:t>Reflexive Association</a:t>
             </a:r>
           </a:p>
@@ -17116,52 +16692,52 @@
           <a:lstStyle/>
           <a:p>
             <a:r>
-              <a:rPr lang="en-CA" dirty="0" smtClean="0"/>
+              <a:rPr lang="en-CA" dirty="0"/>
               <a:t>One object of the class is related to other objects of the same class</a:t>
             </a:r>
           </a:p>
           <a:p>
             <a:r>
-              <a:rPr lang="en-CA" dirty="0" smtClean="0"/>
+              <a:rPr lang="en-CA" dirty="0"/>
               <a:t>Again: </a:t>
             </a:r>
             <a:r>
-              <a:rPr lang="en-CA" u="sng" dirty="0" smtClean="0"/>
+              <a:rPr lang="en-CA" u="sng" dirty="0"/>
               <a:t>rare</a:t>
             </a:r>
           </a:p>
           <a:p>
-            <a:endParaRPr lang="en-CA" dirty="0" smtClean="0"/>
-          </a:p>
-          <a:p>
-            <a:endParaRPr lang="en-CA" dirty="0" smtClean="0"/>
-          </a:p>
-          <a:p>
-            <a:endParaRPr lang="en-CA" dirty="0" smtClean="0"/>
-          </a:p>
-          <a:p>
-            <a:endParaRPr lang="en-CA" dirty="0" smtClean="0"/>
-          </a:p>
-          <a:p>
-            <a:endParaRPr lang="en-US" dirty="0" smtClean="0"/>
-          </a:p>
-          <a:p>
-            <a:endParaRPr lang="en-CA" dirty="0" smtClean="0"/>
-          </a:p>
-          <a:p>
-            <a:endParaRPr lang="en-CA" dirty="0" smtClean="0"/>
-          </a:p>
-          <a:p>
-            <a:r>
-              <a:rPr lang="en-CA" sz="1400" dirty="0" smtClean="0">
+            <a:endParaRPr lang="en-CA" dirty="0"/>
+          </a:p>
+          <a:p>
+            <a:endParaRPr lang="en-CA" dirty="0"/>
+          </a:p>
+          <a:p>
+            <a:endParaRPr lang="en-CA" dirty="0"/>
+          </a:p>
+          <a:p>
+            <a:endParaRPr lang="en-CA" dirty="0"/>
+          </a:p>
+          <a:p>
+            <a:endParaRPr lang="en-US" dirty="0"/>
+          </a:p>
+          <a:p>
+            <a:endParaRPr lang="en-CA" dirty="0"/>
+          </a:p>
+          <a:p>
+            <a:endParaRPr lang="en-CA" dirty="0"/>
+          </a:p>
+          <a:p>
+            <a:r>
+              <a:rPr lang="en-CA" sz="1400" dirty="0">
                 <a:hlinkClick r:id="rId2"/>
               </a:rPr>
               <a:t>http://www.ibm.com/developerworks/rational/library/content/RationalEdge/sep04/bell/</a:t>
             </a:r>
-            <a:endParaRPr lang="en-CA" sz="1400" dirty="0" smtClean="0"/>
-          </a:p>
-          <a:p>
-            <a:endParaRPr lang="en-CA" dirty="0" smtClean="0"/>
+            <a:endParaRPr lang="en-CA" sz="1400" dirty="0"/>
+          </a:p>
+          <a:p>
+            <a:endParaRPr lang="en-CA" dirty="0"/>
           </a:p>
         </p:txBody>
       </p:sp>
@@ -17207,13 +16783,6 @@
   <p:clrMapOvr>
     <a:masterClrMapping/>
   </p:clrMapOvr>
-  <p:timing>
-    <p:tnLst>
-      <p:par>
-        <p:cTn id="1" dur="indefinite" restart="never" nodeType="tmRoot"/>
-      </p:par>
-    </p:tnLst>
-  </p:timing>
 </p:sld>
 </file>
 
@@ -17255,7 +16824,7 @@
           <a:lstStyle/>
           <a:p>
             <a:r>
-              <a:rPr lang="en-CA" dirty="0" smtClean="0"/>
+              <a:rPr lang="en-CA" dirty="0"/>
               <a:t>Aggregation</a:t>
             </a:r>
           </a:p>
@@ -17335,13 +16904,6 @@
   <p:clrMapOvr>
     <a:masterClrMapping/>
   </p:clrMapOvr>
-  <p:timing>
-    <p:tnLst>
-      <p:par>
-        <p:cTn id="1" dur="indefinite" restart="never" nodeType="tmRoot"/>
-      </p:par>
-    </p:tnLst>
-  </p:timing>
 </p:sld>
 </file>
 
@@ -17383,7 +16945,7 @@
           <a:lstStyle/>
           <a:p>
             <a:r>
-              <a:rPr lang="en-CA" dirty="0" smtClean="0"/>
+              <a:rPr lang="en-CA" dirty="0"/>
               <a:t>Generalization Example</a:t>
             </a:r>
           </a:p>
@@ -17422,13 +16984,6 @@
   <p:clrMapOvr>
     <a:masterClrMapping/>
   </p:clrMapOvr>
-  <p:timing>
-    <p:tnLst>
-      <p:par>
-        <p:cTn id="1" dur="indefinite" restart="never" nodeType="tmRoot"/>
-      </p:par>
-    </p:tnLst>
-  </p:timing>
 </p:sld>
 </file>
 
@@ -17472,7 +17027,7 @@
           <a:lstStyle/>
           <a:p>
             <a:r>
-              <a:rPr lang="en-US" dirty="0" smtClean="0"/>
+              <a:rPr lang="en-US" dirty="0"/>
               <a:t>UML Use Case Diagram Assignment</a:t>
             </a:r>
           </a:p>
@@ -17499,80 +17054,40 @@
           <a:lstStyle/>
           <a:p>
             <a:r>
-              <a:rPr lang="en-US" dirty="0" smtClean="0"/>
+              <a:rPr lang="en-US" dirty="0"/>
               <a:t>Working in Travel Experts project groups, create:</a:t>
             </a:r>
           </a:p>
           <a:p>
             <a:pPr lvl="1"/>
             <a:r>
-              <a:rPr lang="en-US" b="1" dirty="0" smtClean="0"/>
-              <a:t>Use case </a:t>
-            </a:r>
-            <a:r>
               <a:rPr lang="en-US" b="1" dirty="0"/>
-              <a:t>d</a:t>
-            </a:r>
-            <a:r>
-              <a:rPr lang="en-US" b="1" dirty="0" smtClean="0"/>
-              <a:t>iagram </a:t>
-            </a:r>
-            <a:r>
-              <a:rPr lang="en-US" dirty="0" smtClean="0"/>
+              <a:t>Use case diagram </a:t>
+            </a:r>
+            <a:r>
+              <a:rPr lang="en-US" dirty="0"/>
               <a:t>that shows use cases, actors, and their relationships</a:t>
             </a:r>
-            <a:endParaRPr lang="en-US" b="1" dirty="0" smtClean="0"/>
+            <a:endParaRPr lang="en-US" b="1" dirty="0"/>
           </a:p>
           <a:p>
             <a:pPr marL="457200" lvl="1" indent="0">
               <a:buNone/>
             </a:pPr>
-            <a:r>
-              <a:rPr lang="en-US" b="1" dirty="0" smtClean="0">
-                <a:solidFill>
-                  <a:srgbClr val="800000"/>
-                </a:solidFill>
-              </a:rPr>
-              <a:t>	DUE </a:t>
-            </a:r>
             <a:r>
               <a:rPr lang="en-US" b="1" dirty="0">
                 <a:solidFill>
                   <a:srgbClr val="800000"/>
                 </a:solidFill>
               </a:rPr>
-              <a:t>DATE: 8:00 a.m. </a:t>
-            </a:r>
-            <a:r>
-              <a:rPr lang="en-US" b="1" dirty="0" smtClean="0">
-                <a:solidFill>
-                  <a:srgbClr val="800000"/>
-                </a:solidFill>
-              </a:rPr>
-              <a:t>on </a:t>
-            </a:r>
+              <a:t>	DUE DATE: 8:00 a.m. on Day 5</a:t>
+            </a:r>
+            <a:endParaRPr lang="en-US" dirty="0"/>
+          </a:p>
+          <a:p>
+            <a:pPr marL="514350" indent="-457200"/>
             <a:r>
               <a:rPr lang="en-US" b="1" dirty="0">
-                <a:solidFill>
-                  <a:srgbClr val="800000"/>
-                </a:solidFill>
-              </a:rPr>
-              <a:t>Day </a:t>
-            </a:r>
-            <a:r>
-              <a:rPr lang="en-US" b="1" dirty="0" smtClean="0">
-                <a:solidFill>
-                  <a:srgbClr val="800000"/>
-                </a:solidFill>
-              </a:rPr>
-              <a:t>5</a:t>
-            </a:r>
-            <a:endParaRPr lang="en-US" dirty="0" smtClean="0"/>
-          </a:p>
-          <a:p>
-            <a:pPr marL="514350" indent="-457200"/>
-            <a:r>
-              <a:rPr lang="en-US" b="1" dirty="0" smtClean="0">
                 <a:solidFill>
                   <a:srgbClr val="7030A0"/>
                 </a:solidFill>
@@ -17633,7 +17148,7 @@
           <a:lstStyle/>
           <a:p>
             <a:r>
-              <a:rPr lang="en-US" dirty="0" smtClean="0"/>
+              <a:rPr lang="en-US" dirty="0"/>
               <a:t>Classes &amp; Objects</a:t>
             </a:r>
           </a:p>
@@ -17666,7 +17181,7 @@
               <a:defRPr/>
             </a:pPr>
             <a:r>
-              <a:rPr lang="en-US" dirty="0" smtClean="0"/>
+              <a:rPr lang="en-US" dirty="0"/>
               <a:t>Objects have:</a:t>
             </a:r>
           </a:p>
@@ -17678,7 +17193,7 @@
               <a:defRPr/>
             </a:pPr>
             <a:r>
-              <a:rPr lang="en-US" b="1" dirty="0" smtClean="0"/>
+              <a:rPr lang="en-US" b="1" dirty="0"/>
               <a:t>Attributes</a:t>
             </a:r>
           </a:p>
@@ -17690,7 +17205,7 @@
               <a:defRPr/>
             </a:pPr>
             <a:r>
-              <a:rPr lang="en-US" dirty="0" smtClean="0"/>
+              <a:rPr lang="en-US" dirty="0"/>
               <a:t>Properties</a:t>
             </a:r>
           </a:p>
@@ -17702,7 +17217,7 @@
               <a:defRPr/>
             </a:pPr>
             <a:r>
-              <a:rPr lang="en-US" dirty="0" smtClean="0"/>
+              <a:rPr lang="en-US" dirty="0"/>
               <a:t>“what object has”</a:t>
             </a:r>
           </a:p>
@@ -17714,7 +17229,7 @@
               <a:defRPr/>
             </a:pPr>
             <a:r>
-              <a:rPr lang="en-US" b="1" dirty="0" smtClean="0"/>
+              <a:rPr lang="en-US" b="1" dirty="0"/>
               <a:t>Operations</a:t>
             </a:r>
           </a:p>
@@ -17726,7 +17241,7 @@
               <a:defRPr/>
             </a:pPr>
             <a:r>
-              <a:rPr lang="en-US" dirty="0" smtClean="0"/>
+              <a:rPr lang="en-US" dirty="0"/>
               <a:t>behaviours</a:t>
             </a:r>
           </a:p>
@@ -17738,7 +17253,7 @@
               <a:defRPr/>
             </a:pPr>
             <a:r>
-              <a:rPr lang="en-US" dirty="0" smtClean="0"/>
+              <a:rPr lang="en-US" dirty="0"/>
               <a:t>Methods</a:t>
             </a:r>
           </a:p>
@@ -17750,7 +17265,7 @@
               <a:defRPr/>
             </a:pPr>
             <a:r>
-              <a:rPr lang="en-US" dirty="0" smtClean="0"/>
+              <a:rPr lang="en-US" dirty="0"/>
               <a:t>“what object does”, or what is done to it</a:t>
             </a:r>
           </a:p>
@@ -17761,7 +17276,7 @@
               </a:lnSpc>
               <a:defRPr/>
             </a:pPr>
-            <a:endParaRPr lang="en-US" b="1" dirty="0" smtClean="0">
+            <a:endParaRPr lang="en-US" b="1" dirty="0">
               <a:solidFill>
                 <a:schemeClr val="bg2">
                   <a:lumMod val="25000"/>
@@ -17778,7 +17293,7 @@
               <a:defRPr/>
             </a:pPr>
             <a:r>
-              <a:rPr lang="en-US" b="1" dirty="0" smtClean="0">
+              <a:rPr lang="en-US" b="1" dirty="0">
                 <a:solidFill>
                   <a:srgbClr val="002060"/>
                 </a:solidFill>
@@ -17793,7 +17308,7 @@
               </a:lnSpc>
               <a:defRPr/>
             </a:pPr>
-            <a:endParaRPr lang="en-US" dirty="0" smtClean="0"/>
+            <a:endParaRPr lang="en-US" dirty="0"/>
           </a:p>
         </p:txBody>
       </p:sp>
@@ -17802,13 +17317,6 @@
   <p:clrMapOvr>
     <a:masterClrMapping/>
   </p:clrMapOvr>
-  <p:timing>
-    <p:tnLst>
-      <p:par>
-        <p:cTn id="1" dur="indefinite" restart="never" nodeType="tmRoot"/>
-      </p:par>
-    </p:tnLst>
-  </p:timing>
 </p:sld>
 </file>
 
@@ -17850,7 +17358,7 @@
           <a:lstStyle/>
           <a:p>
             <a:r>
-              <a:rPr lang="en-US" dirty="0" smtClean="0"/>
+              <a:rPr lang="en-US" dirty="0"/>
               <a:t>Classes &amp; Objects</a:t>
             </a:r>
           </a:p>
@@ -17880,11 +17388,11 @@
               <a:defRPr/>
             </a:pPr>
             <a:r>
-              <a:rPr lang="en-US" dirty="0" smtClean="0"/>
+              <a:rPr lang="en-US" dirty="0"/>
               <a:t>A </a:t>
             </a:r>
             <a:r>
-              <a:rPr lang="en-US" b="1" dirty="0" smtClean="0"/>
+              <a:rPr lang="en-US" b="1" dirty="0"/>
               <a:t>Class</a:t>
             </a:r>
           </a:p>
@@ -17893,7 +17401,7 @@
               <a:defRPr/>
             </a:pPr>
             <a:r>
-              <a:rPr lang="en-US" dirty="0" smtClean="0"/>
+              <a:rPr lang="en-US" dirty="0"/>
               <a:t>A set of objects sharing a common structure and common behaviour</a:t>
             </a:r>
           </a:p>
@@ -17902,7 +17410,7 @@
               <a:defRPr/>
             </a:pPr>
             <a:r>
-              <a:rPr lang="en-US" dirty="0" smtClean="0"/>
+              <a:rPr lang="en-US" dirty="0"/>
               <a:t>An object is an instance of a class</a:t>
             </a:r>
           </a:p>
@@ -17911,7 +17419,7 @@
               <a:defRPr/>
             </a:pPr>
             <a:r>
-              <a:rPr lang="en-US" dirty="0" smtClean="0"/>
+              <a:rPr lang="en-US" dirty="0"/>
               <a:t>Blueprint, or template, for creating objects</a:t>
             </a:r>
           </a:p>
@@ -17919,7 +17427,7 @@
             <a:pPr lvl="1" defTabSz="1065213">
               <a:defRPr/>
             </a:pPr>
-            <a:endParaRPr lang="en-US" dirty="0" smtClean="0"/>
+            <a:endParaRPr lang="en-US" dirty="0"/>
           </a:p>
           <a:p>
             <a:pPr marL="342900" lvl="1" indent="-342900" defTabSz="1065213">
@@ -17930,7 +17438,7 @@
               <a:defRPr/>
             </a:pPr>
             <a:r>
-              <a:rPr lang="en-US" dirty="0" smtClean="0"/>
+              <a:rPr lang="en-US" dirty="0"/>
               <a:t>The terms “instance” and “object” are used interchangeably</a:t>
             </a:r>
           </a:p>
@@ -17938,7 +17446,7 @@
             <a:pPr defTabSz="1065213">
               <a:defRPr/>
             </a:pPr>
-            <a:endParaRPr lang="en-US" dirty="0" smtClean="0"/>
+            <a:endParaRPr lang="en-US" dirty="0"/>
           </a:p>
           <a:p>
             <a:pPr lvl="1" defTabSz="1065213">
@@ -17946,7 +17454,7 @@
               <a:buNone/>
               <a:defRPr/>
             </a:pPr>
-            <a:endParaRPr lang="en-US" dirty="0" smtClean="0"/>
+            <a:endParaRPr lang="en-US" dirty="0"/>
           </a:p>
         </p:txBody>
       </p:sp>
@@ -17955,13 +17463,6 @@
   <p:clrMapOvr>
     <a:masterClrMapping/>
   </p:clrMapOvr>
-  <p:timing>
-    <p:tnLst>
-      <p:par>
-        <p:cTn id="1" dur="indefinite" restart="never" nodeType="tmRoot"/>
-      </p:par>
-    </p:tnLst>
-  </p:timing>
 </p:sld>
 </file>
 
@@ -18003,7 +17504,7 @@
           <a:lstStyle/>
           <a:p>
             <a:r>
-              <a:rPr lang="en-US" dirty="0" smtClean="0"/>
+              <a:rPr lang="en-US" dirty="0"/>
               <a:t>Identifying Classes</a:t>
             </a:r>
           </a:p>
@@ -18035,7 +17536,7 @@
               </a:lnSpc>
             </a:pPr>
             <a:r>
-              <a:rPr lang="en-US" dirty="0" smtClean="0"/>
+              <a:rPr lang="en-US" dirty="0"/>
               <a:t>Similar to entity/relationship identification</a:t>
             </a:r>
           </a:p>
@@ -18046,7 +17547,7 @@
               </a:lnSpc>
             </a:pPr>
             <a:r>
-              <a:rPr lang="en-US" dirty="0" smtClean="0"/>
+              <a:rPr lang="en-US" dirty="0"/>
               <a:t>Get a written description of a situation</a:t>
             </a:r>
           </a:p>
@@ -18057,7 +17558,7 @@
               </a:lnSpc>
             </a:pPr>
             <a:r>
-              <a:rPr lang="en-US" dirty="0" smtClean="0"/>
+              <a:rPr lang="en-US" dirty="0"/>
               <a:t>Identify the nouns or noun phrases</a:t>
             </a:r>
           </a:p>
@@ -18068,7 +17569,7 @@
               </a:lnSpc>
             </a:pPr>
             <a:r>
-              <a:rPr lang="en-US" dirty="0" smtClean="0"/>
+              <a:rPr lang="en-US" dirty="0"/>
               <a:t>These might indicate classes of objects</a:t>
             </a:r>
           </a:p>
@@ -18079,7 +17580,7 @@
               </a:lnSpc>
             </a:pPr>
             <a:r>
-              <a:rPr lang="en-US" dirty="0" smtClean="0"/>
+              <a:rPr lang="en-US" dirty="0"/>
               <a:t>Testing if an item is an candidate of a class:</a:t>
             </a:r>
           </a:p>
@@ -18090,7 +17591,7 @@
               </a:lnSpc>
             </a:pPr>
             <a:r>
-              <a:rPr lang="en-US" dirty="0" smtClean="0"/>
+              <a:rPr lang="en-US" dirty="0"/>
               <a:t>Relevance to the problem domain</a:t>
             </a:r>
           </a:p>
@@ -18101,7 +17602,7 @@
               </a:lnSpc>
             </a:pPr>
             <a:r>
-              <a:rPr lang="en-US" dirty="0" smtClean="0"/>
+              <a:rPr lang="en-US" dirty="0"/>
               <a:t>Can exist independently</a:t>
             </a:r>
           </a:p>
@@ -18112,7 +17613,7 @@
               </a:lnSpc>
             </a:pPr>
             <a:r>
-              <a:rPr lang="en-US" dirty="0" smtClean="0"/>
+              <a:rPr lang="en-US" dirty="0"/>
               <a:t>Has attributes and operations</a:t>
             </a:r>
           </a:p>
@@ -18123,13 +17624,6 @@
   <p:clrMapOvr>
     <a:masterClrMapping/>
   </p:clrMapOvr>
-  <p:timing>
-    <p:tnLst>
-      <p:par>
-        <p:cTn id="1" dur="indefinite" restart="never" nodeType="tmRoot"/>
-      </p:par>
-    </p:tnLst>
-  </p:timing>
 </p:sld>
 </file>
 
@@ -18171,7 +17665,7 @@
           <a:lstStyle/>
           <a:p>
             <a:r>
-              <a:rPr lang="en-CA" dirty="0" smtClean="0"/>
+              <a:rPr lang="en-CA" dirty="0"/>
               <a:t>Class Exercise</a:t>
             </a:r>
           </a:p>
@@ -18198,16 +17692,16 @@
           <a:lstStyle/>
           <a:p>
             <a:r>
-              <a:rPr lang="en-CA" dirty="0" smtClean="0"/>
+              <a:rPr lang="en-CA" dirty="0"/>
               <a:t>Working in your project groups, identify 4 or 5  classes in the travel agency project</a:t>
             </a:r>
           </a:p>
           <a:p>
-            <a:endParaRPr lang="en-CA" dirty="0" smtClean="0"/>
-          </a:p>
-          <a:p>
-            <a:r>
-              <a:rPr lang="en-CA" dirty="0" smtClean="0">
+            <a:endParaRPr lang="en-CA" dirty="0"/>
+          </a:p>
+          <a:p>
+            <a:r>
+              <a:rPr lang="en-CA" dirty="0">
                 <a:solidFill>
                   <a:srgbClr val="002060"/>
                 </a:solidFill>
@@ -18222,13 +17716,6 @@
   <p:clrMapOvr>
     <a:masterClrMapping/>
   </p:clrMapOvr>
-  <p:timing>
-    <p:tnLst>
-      <p:par>
-        <p:cTn id="1" dur="indefinite" restart="never" nodeType="tmRoot"/>
-      </p:par>
-    </p:tnLst>
-  </p:timing>
 </p:sld>
 </file>
 
@@ -18302,7 +17789,7 @@
           <a:lstStyle/>
           <a:p>
             <a:r>
-              <a:rPr lang="en-US" dirty="0" smtClean="0"/>
+              <a:rPr lang="en-US" dirty="0"/>
               <a:t>Interface &amp; Implementation</a:t>
             </a:r>
           </a:p>
@@ -18334,11 +17821,11 @@
               </a:lnSpc>
             </a:pPr>
             <a:r>
-              <a:rPr lang="en-US" b="1" dirty="0" smtClean="0"/>
+              <a:rPr lang="en-US" b="1" dirty="0"/>
               <a:t>Interface</a:t>
             </a:r>
             <a:r>
-              <a:rPr lang="en-US" dirty="0" smtClean="0"/>
+              <a:rPr lang="en-US" dirty="0"/>
               <a:t> is the outside view</a:t>
             </a:r>
           </a:p>
@@ -18349,11 +17836,11 @@
               </a:lnSpc>
             </a:pPr>
             <a:r>
-              <a:rPr lang="en-US" b="1" dirty="0" smtClean="0"/>
+              <a:rPr lang="en-US" b="1" dirty="0"/>
               <a:t>Public</a:t>
             </a:r>
             <a:r>
-              <a:rPr lang="en-US" dirty="0" smtClean="0"/>
+              <a:rPr lang="en-US" dirty="0"/>
               <a:t> – items accessible to all external objects through the interface (porthole)</a:t>
             </a:r>
           </a:p>
@@ -18363,7 +17850,7 @@
                 <a:spcPct val="80000"/>
               </a:lnSpc>
             </a:pPr>
-            <a:endParaRPr lang="en-US" dirty="0" smtClean="0"/>
+            <a:endParaRPr lang="en-US" dirty="0"/>
           </a:p>
           <a:p>
             <a:pPr defTabSz="1065213">
@@ -18372,11 +17859,11 @@
               </a:lnSpc>
             </a:pPr>
             <a:r>
-              <a:rPr lang="en-US" b="1" dirty="0" smtClean="0"/>
+              <a:rPr lang="en-US" b="1" dirty="0"/>
               <a:t>Implementation</a:t>
             </a:r>
             <a:r>
-              <a:rPr lang="en-US" dirty="0" smtClean="0"/>
+              <a:rPr lang="en-US" dirty="0"/>
               <a:t> is the inner workings</a:t>
             </a:r>
           </a:p>
@@ -18387,11 +17874,11 @@
               </a:lnSpc>
             </a:pPr>
             <a:r>
-              <a:rPr lang="en-US" b="1" dirty="0" smtClean="0"/>
+              <a:rPr lang="en-US" b="1" dirty="0"/>
               <a:t>Private</a:t>
             </a:r>
             <a:r>
-              <a:rPr lang="en-US" dirty="0" smtClean="0"/>
+              <a:rPr lang="en-US" dirty="0"/>
               <a:t> – items accessible only from inside the object, hidden from outside (brick wall)</a:t>
             </a:r>
           </a:p>
@@ -18532,13 +18019,6 @@
   <p:clrMapOvr>
     <a:masterClrMapping/>
   </p:clrMapOvr>
-  <p:timing>
-    <p:tnLst>
-      <p:par>
-        <p:cTn id="1" dur="indefinite" restart="never" nodeType="tmRoot"/>
-      </p:par>
-    </p:tnLst>
-  </p:timing>
 </p:sld>
 </file>
 
